--- a/presentatie/Project beveiligde pasjes.pptx
+++ b/presentatie/Project beveiligde pasjes.pptx
@@ -11,11 +11,12 @@
     <p:sldId id="262" r:id="rId5"/>
     <p:sldId id="263" r:id="rId6"/>
     <p:sldId id="264" r:id="rId7"/>
-    <p:sldId id="266" r:id="rId8"/>
-    <p:sldId id="260" r:id="rId9"/>
-    <p:sldId id="261" r:id="rId10"/>
-    <p:sldId id="259" r:id="rId11"/>
-    <p:sldId id="267" r:id="rId12"/>
+    <p:sldId id="268" r:id="rId8"/>
+    <p:sldId id="266" r:id="rId9"/>
+    <p:sldId id="260" r:id="rId10"/>
+    <p:sldId id="261" r:id="rId11"/>
+    <p:sldId id="259" r:id="rId12"/>
+    <p:sldId id="267" r:id="rId13"/>
   </p:sldIdLst>
   <p:sldSz cx="12192000" cy="6858000"/>
   <p:notesSz cx="6858000" cy="9144000"/>
@@ -116,7 +117,18 @@
   </p:defaultTextStyle>
   <p:extLst>
     <p:ext uri="{EFAFB233-063F-42B5-8137-9DF3F51BA10A}">
-      <p15:sldGuideLst xmlns:p15="http://schemas.microsoft.com/office/powerpoint/2012/main" xmlns=""/>
+      <p15:sldGuideLst xmlns:p15="http://schemas.microsoft.com/office/powerpoint/2012/main">
+        <p15:guide id="1" orient="horz" pos="2160">
+          <p15:clr>
+            <a:srgbClr val="A4A3A4"/>
+          </p15:clr>
+        </p15:guide>
+        <p15:guide id="2" pos="3840">
+          <p15:clr>
+            <a:srgbClr val="A4A3A4"/>
+          </p15:clr>
+        </p15:guide>
+      </p15:sldGuideLst>
     </p:ext>
   </p:extLst>
 </p:presentation>
@@ -3324,6 +3336,13 @@
   <p:clrMapOvr>
     <a:masterClrMapping/>
   </p:clrMapOvr>
+  <p:timing>
+    <p:tnLst>
+      <p:par>
+        <p:cTn id="1" dur="indefinite" restart="never" nodeType="tmRoot"/>
+      </p:par>
+    </p:tnLst>
+  </p:timing>
 </p:sld>
 </file>
 
@@ -3361,7 +3380,15 @@
           <a:p>
             <a:r>
               <a:rPr lang="en-US" dirty="0" err="1" smtClean="0"/>
-              <a:t>Problemen</a:t>
+              <a:t>Volledige</a:t>
+            </a:r>
+            <a:r>
+              <a:rPr lang="en-US" dirty="0" smtClean="0"/>
+              <a:t> </a:t>
+            </a:r>
+            <a:r>
+              <a:rPr lang="en-US" dirty="0" err="1" smtClean="0"/>
+              <a:t>systeem</a:t>
             </a:r>
             <a:endParaRPr lang="en-US" dirty="0"/>
           </a:p>
@@ -3379,117 +3406,323 @@
         </p:nvSpPr>
         <p:spPr/>
         <p:txBody>
-          <a:bodyPr/>
-          <a:lstStyle/>
-          <a:p>
-            <a:r>
-              <a:rPr lang="en-US" dirty="0" err="1" smtClean="0"/>
-              <a:t>Communicatie</a:t>
-            </a:r>
-            <a:r>
-              <a:rPr lang="en-US" dirty="0" smtClean="0"/>
-              <a:t> </a:t>
-            </a:r>
-            <a:r>
-              <a:rPr lang="en-US" dirty="0" err="1" smtClean="0"/>
-              <a:t>tussen</a:t>
-            </a:r>
-            <a:r>
-              <a:rPr lang="en-US" dirty="0" smtClean="0"/>
-              <a:t> Arduino en </a:t>
-            </a:r>
-            <a:r>
-              <a:rPr lang="en-US" dirty="0" smtClean="0"/>
-              <a:t>python</a:t>
-            </a:r>
-          </a:p>
-          <a:p>
-            <a:r>
-              <a:rPr lang="en-US" dirty="0" smtClean="0"/>
-              <a:t>De </a:t>
-            </a:r>
-            <a:r>
-              <a:rPr lang="en-US" dirty="0" err="1" smtClean="0"/>
-              <a:t>versleuteling</a:t>
-            </a:r>
-            <a:r>
-              <a:rPr lang="en-US" dirty="0" smtClean="0"/>
-              <a:t> op de </a:t>
-            </a:r>
-            <a:r>
-              <a:rPr lang="en-US" dirty="0" err="1" smtClean="0"/>
-              <a:t>Arduino</a:t>
+          <a:bodyPr>
+            <a:normAutofit/>
+          </a:bodyPr>
+          <a:lstStyle/>
+          <a:p>
+            <a:r>
+              <a:rPr lang="en-US" dirty="0" err="1" smtClean="0"/>
+              <a:t>Heeft</a:t>
+            </a:r>
+            <a:r>
+              <a:rPr lang="en-US" dirty="0" smtClean="0"/>
+              <a:t> </a:t>
+            </a:r>
+            <a:r>
+              <a:rPr lang="en-US" dirty="0" err="1" smtClean="0"/>
+              <a:t>een</a:t>
+            </a:r>
+            <a:r>
+              <a:rPr lang="en-US" dirty="0" smtClean="0"/>
+              <a:t> </a:t>
+            </a:r>
+            <a:r>
+              <a:rPr lang="en-US" dirty="0" err="1" smtClean="0"/>
+              <a:t>alarmknop</a:t>
+            </a:r>
+            <a:r>
+              <a:rPr lang="en-US" dirty="0" smtClean="0"/>
+              <a:t> </a:t>
+            </a:r>
+            <a:r>
+              <a:rPr lang="en-US" dirty="0" err="1" smtClean="0"/>
+              <a:t>waarbij</a:t>
+            </a:r>
+            <a:r>
+              <a:rPr lang="en-US" dirty="0" smtClean="0"/>
+              <a:t> </a:t>
+            </a:r>
+            <a:r>
+              <a:rPr lang="en-US" dirty="0" err="1" smtClean="0"/>
+              <a:t>alle</a:t>
+            </a:r>
+            <a:r>
+              <a:rPr lang="en-US" dirty="0" smtClean="0"/>
+              <a:t> </a:t>
+            </a:r>
+            <a:r>
+              <a:rPr lang="en-US" dirty="0" err="1" smtClean="0"/>
+              <a:t>deuren</a:t>
+            </a:r>
+            <a:r>
+              <a:rPr lang="en-US" dirty="0" smtClean="0"/>
+              <a:t> </a:t>
+            </a:r>
+            <a:r>
+              <a:rPr lang="en-US" dirty="0" err="1" smtClean="0"/>
+              <a:t>openspringen</a:t>
             </a:r>
             <a:endParaRPr lang="en-US" dirty="0" smtClean="0"/>
           </a:p>
           <a:p>
-            <a:pPr lvl="1"/>
-            <a:r>
-              <a:rPr lang="en-US" dirty="0" err="1" smtClean="0"/>
-              <a:t>Arduino</a:t>
-            </a:r>
-            <a:r>
-              <a:rPr lang="en-US" dirty="0" smtClean="0"/>
-              <a:t> </a:t>
-            </a:r>
-            <a:r>
-              <a:rPr lang="en-US" dirty="0" err="1" smtClean="0"/>
-              <a:t>werkt</a:t>
-            </a:r>
-            <a:r>
-              <a:rPr lang="en-US" dirty="0" smtClean="0"/>
-              <a:t> met bytes, Python </a:t>
-            </a:r>
-            <a:r>
-              <a:rPr lang="en-US" dirty="0" err="1" smtClean="0"/>
-              <a:t>wil</a:t>
-            </a:r>
-            <a:r>
-              <a:rPr lang="en-US" dirty="0" smtClean="0"/>
-              <a:t> </a:t>
-            </a:r>
-            <a:r>
-              <a:rPr lang="en-US" dirty="0" err="1" smtClean="0"/>
-              <a:t>alleen</a:t>
-            </a:r>
-            <a:r>
-              <a:rPr lang="en-US" dirty="0" smtClean="0"/>
-              <a:t> met integers </a:t>
-            </a:r>
-            <a:r>
-              <a:rPr lang="en-US" dirty="0" err="1" smtClean="0"/>
-              <a:t>rekenen</a:t>
+            <a:r>
+              <a:rPr lang="en-US" dirty="0" err="1" smtClean="0"/>
+              <a:t>Heeft</a:t>
+            </a:r>
+            <a:r>
+              <a:rPr lang="en-US" dirty="0" smtClean="0"/>
+              <a:t> </a:t>
+            </a:r>
+            <a:r>
+              <a:rPr lang="en-US" dirty="0" err="1" smtClean="0"/>
+              <a:t>een</a:t>
+            </a:r>
+            <a:r>
+              <a:rPr lang="en-US" dirty="0" smtClean="0"/>
+              <a:t> </a:t>
+            </a:r>
+            <a:r>
+              <a:rPr lang="en-US" dirty="0" smtClean="0"/>
+              <a:t>‘</a:t>
+            </a:r>
+            <a:r>
+              <a:rPr lang="en-US" dirty="0" err="1" smtClean="0"/>
+              <a:t>mooie</a:t>
+            </a:r>
+            <a:r>
+              <a:rPr lang="en-US" dirty="0" smtClean="0"/>
+              <a:t>’ </a:t>
+            </a:r>
+            <a:r>
+              <a:rPr lang="en-US" dirty="0" smtClean="0"/>
+              <a:t>GUI</a:t>
+            </a:r>
+          </a:p>
+          <a:p>
+            <a:r>
+              <a:rPr lang="en-US" dirty="0" err="1" smtClean="0"/>
+              <a:t>Kan</a:t>
+            </a:r>
+            <a:r>
+              <a:rPr lang="en-US" dirty="0" smtClean="0"/>
+              <a:t> de </a:t>
+            </a:r>
+            <a:r>
+              <a:rPr lang="en-US" dirty="0" err="1" smtClean="0"/>
+              <a:t>gegevens</a:t>
+            </a:r>
+            <a:r>
+              <a:rPr lang="en-US" dirty="0" smtClean="0"/>
+              <a:t> van </a:t>
+            </a:r>
+            <a:r>
+              <a:rPr lang="en-US" dirty="0" err="1" smtClean="0"/>
+              <a:t>eerder</a:t>
+            </a:r>
+            <a:r>
+              <a:rPr lang="en-US" dirty="0" smtClean="0"/>
+              <a:t> </a:t>
+            </a:r>
+            <a:r>
+              <a:rPr lang="en-US" dirty="0" err="1" smtClean="0"/>
+              <a:t>inchecken</a:t>
+            </a:r>
+            <a:r>
+              <a:rPr lang="en-US" dirty="0" smtClean="0"/>
+              <a:t> van </a:t>
+            </a:r>
+            <a:r>
+              <a:rPr lang="en-US" dirty="0" err="1" smtClean="0"/>
+              <a:t>iedereen</a:t>
+            </a:r>
+            <a:r>
+              <a:rPr lang="en-US" dirty="0" smtClean="0"/>
+              <a:t> </a:t>
+            </a:r>
+            <a:r>
+              <a:rPr lang="en-US" dirty="0" err="1" smtClean="0"/>
+              <a:t>opvragen</a:t>
+            </a:r>
+            <a:r>
+              <a:rPr lang="en-US" dirty="0" smtClean="0"/>
+              <a:t> in </a:t>
+            </a:r>
+            <a:r>
+              <a:rPr lang="en-US" dirty="0" err="1" smtClean="0"/>
+              <a:t>geval</a:t>
+            </a:r>
+            <a:r>
+              <a:rPr lang="en-US" dirty="0" smtClean="0"/>
+              <a:t> van </a:t>
+            </a:r>
+            <a:r>
+              <a:rPr lang="en-US" dirty="0" err="1" smtClean="0"/>
+              <a:t>bijv</a:t>
+            </a:r>
+            <a:r>
+              <a:rPr lang="en-US" dirty="0" smtClean="0"/>
+              <a:t>. </a:t>
+            </a:r>
+            <a:r>
+              <a:rPr lang="en-US" dirty="0" err="1" smtClean="0"/>
+              <a:t>diefstal</a:t>
+            </a:r>
+            <a:endParaRPr lang="en-US" dirty="0"/>
+          </a:p>
+          <a:p>
+            <a:r>
+              <a:rPr lang="en-US" dirty="0" smtClean="0"/>
+              <a:t>Men </a:t>
+            </a:r>
+            <a:r>
+              <a:rPr lang="en-US" dirty="0" err="1" smtClean="0"/>
+              <a:t>kan</a:t>
+            </a:r>
+            <a:r>
+              <a:rPr lang="en-US" dirty="0" smtClean="0"/>
+              <a:t> op </a:t>
+            </a:r>
+            <a:r>
+              <a:rPr lang="en-US" dirty="0" err="1" smtClean="0"/>
+              <a:t>naam</a:t>
+            </a:r>
+            <a:r>
+              <a:rPr lang="en-US" dirty="0" smtClean="0"/>
+              <a:t>/Card ID/</a:t>
+            </a:r>
+            <a:r>
+              <a:rPr lang="en-US" dirty="0" err="1" smtClean="0"/>
+              <a:t>Pasje</a:t>
+            </a:r>
+            <a:r>
+              <a:rPr lang="en-US" dirty="0" smtClean="0"/>
+              <a:t> </a:t>
+            </a:r>
+            <a:r>
+              <a:rPr lang="en-US" dirty="0" err="1" smtClean="0"/>
+              <a:t>zoeken</a:t>
+            </a:r>
+            <a:r>
+              <a:rPr lang="en-US" dirty="0" smtClean="0"/>
+              <a:t> </a:t>
+            </a:r>
+            <a:r>
+              <a:rPr lang="en-US" dirty="0" err="1" smtClean="0"/>
+              <a:t>voor</a:t>
+            </a:r>
+            <a:r>
+              <a:rPr lang="en-US" dirty="0" smtClean="0"/>
+              <a:t> </a:t>
+            </a:r>
+            <a:r>
+              <a:rPr lang="en-US" dirty="0" err="1" smtClean="0"/>
+              <a:t>alle</a:t>
+            </a:r>
+            <a:r>
+              <a:rPr lang="en-US" dirty="0" smtClean="0"/>
+              <a:t> </a:t>
+            </a:r>
+            <a:r>
+              <a:rPr lang="en-US" dirty="0" err="1" smtClean="0"/>
+              <a:t>gegevens</a:t>
+            </a:r>
+            <a:r>
+              <a:rPr lang="en-US" dirty="0" smtClean="0"/>
+              <a:t> van </a:t>
+            </a:r>
+            <a:r>
+              <a:rPr lang="en-US" dirty="0" err="1" smtClean="0"/>
+              <a:t>deze</a:t>
+            </a:r>
+            <a:r>
+              <a:rPr lang="en-US" dirty="0" smtClean="0"/>
+              <a:t> </a:t>
+            </a:r>
+            <a:r>
+              <a:rPr lang="en-US" dirty="0" err="1" smtClean="0"/>
+              <a:t>gebruiker</a:t>
             </a:r>
             <a:endParaRPr lang="en-US" dirty="0" smtClean="0"/>
           </a:p>
           <a:p>
+            <a:r>
+              <a:rPr lang="en-US" dirty="0" err="1" smtClean="0"/>
+              <a:t>Pasjes</a:t>
+            </a:r>
+            <a:r>
+              <a:rPr lang="en-US" dirty="0" smtClean="0"/>
+              <a:t> </a:t>
+            </a:r>
+            <a:r>
+              <a:rPr lang="en-US" dirty="0" err="1" smtClean="0"/>
+              <a:t>kunnen</a:t>
+            </a:r>
+            <a:r>
+              <a:rPr lang="en-US" dirty="0" smtClean="0"/>
+              <a:t> </a:t>
+            </a:r>
+            <a:r>
+              <a:rPr lang="en-US" dirty="0" err="1" smtClean="0"/>
+              <a:t>geactiveerd</a:t>
+            </a:r>
+            <a:r>
+              <a:rPr lang="en-US" dirty="0" smtClean="0"/>
+              <a:t> en </a:t>
+            </a:r>
+            <a:r>
+              <a:rPr lang="en-US" dirty="0" err="1" smtClean="0"/>
+              <a:t>gedeactiveerd</a:t>
+            </a:r>
+            <a:r>
+              <a:rPr lang="en-US" dirty="0" smtClean="0"/>
+              <a:t> </a:t>
+            </a:r>
+            <a:r>
+              <a:rPr lang="en-US" dirty="0" err="1" smtClean="0"/>
+              <a:t>worden</a:t>
+            </a:r>
             <a:endParaRPr lang="en-US" dirty="0" smtClean="0"/>
           </a:p>
           <a:p>
-            <a:r>
-              <a:rPr lang="en-US" dirty="0" err="1" smtClean="0"/>
-              <a:t>Heeeeeeeeeeeeeeeeeeel</a:t>
-            </a:r>
-            <a:r>
-              <a:rPr lang="en-US" dirty="0" smtClean="0"/>
-              <a:t> </a:t>
-            </a:r>
-            <a:r>
-              <a:rPr lang="en-US" dirty="0" err="1" smtClean="0"/>
-              <a:t>veel</a:t>
-            </a:r>
-            <a:r>
-              <a:rPr lang="en-US" dirty="0" smtClean="0"/>
-              <a:t> </a:t>
-            </a:r>
-            <a:r>
-              <a:rPr lang="en-US" dirty="0" err="1" smtClean="0"/>
-              <a:t>kleine</a:t>
-            </a:r>
-            <a:r>
-              <a:rPr lang="en-US" dirty="0" smtClean="0"/>
-              <a:t> bugs</a:t>
-            </a:r>
+            <a:pPr marL="0" indent="0">
+              <a:buNone/>
+            </a:pPr>
+            <a:endParaRPr lang="en-US" dirty="0"/>
+          </a:p>
+          <a:p>
+            <a:r>
+              <a:rPr lang="en-US" dirty="0" smtClean="0"/>
+              <a:t>Fancy stuff (</a:t>
+            </a:r>
+            <a:r>
+              <a:rPr lang="en-US" dirty="0" err="1" smtClean="0"/>
+              <a:t>mooie</a:t>
+            </a:r>
+            <a:r>
+              <a:rPr lang="en-US" dirty="0"/>
+              <a:t> </a:t>
+            </a:r>
+            <a:r>
+              <a:rPr lang="en-US" dirty="0" err="1" smtClean="0"/>
+              <a:t>deuren</a:t>
+            </a:r>
+            <a:r>
+              <a:rPr lang="en-US" dirty="0" smtClean="0"/>
+              <a:t> </a:t>
+            </a:r>
+            <a:r>
+              <a:rPr lang="en-US" dirty="0" smtClean="0">
+                <a:sym typeface="Wingdings" pitchFamily="2" charset="2"/>
+              </a:rPr>
+              <a:t>)</a:t>
+            </a:r>
+            <a:endParaRPr lang="en-US" dirty="0" smtClean="0"/>
+          </a:p>
+          <a:p>
+            <a:endParaRPr lang="en-US" dirty="0" smtClean="0"/>
+          </a:p>
+          <a:p>
             <a:endParaRPr lang="en-US" dirty="0"/>
           </a:p>
         </p:txBody>
@@ -3538,6 +3771,230 @@
     </p:spTree>
     <p:extLst>
       <p:ext uri="{BB962C8B-B14F-4D97-AF65-F5344CB8AC3E}">
+        <p14:creationId xmlns:p14="http://schemas.microsoft.com/office/powerpoint/2010/main" val="1001001099"/>
+      </p:ext>
+    </p:extLst>
+  </p:cSld>
+  <p:clrMapOvr>
+    <a:masterClrMapping/>
+  </p:clrMapOvr>
+  <p:timing>
+    <p:tnLst>
+      <p:par>
+        <p:cTn id="1" dur="indefinite" restart="never" nodeType="tmRoot"/>
+      </p:par>
+    </p:tnLst>
+  </p:timing>
+</p:sld>
+</file>
+
+<file path=ppt/slides/slide11.xml><?xml version="1.0" encoding="utf-8"?>
+<p:sld xmlns:a="http://schemas.openxmlformats.org/drawingml/2006/main" xmlns:r="http://schemas.openxmlformats.org/officeDocument/2006/relationships" xmlns:p="http://schemas.openxmlformats.org/presentationml/2006/main">
+  <p:cSld>
+    <p:spTree>
+      <p:nvGrpSpPr>
+        <p:cNvPr id="1" name=""/>
+        <p:cNvGrpSpPr/>
+        <p:nvPr/>
+      </p:nvGrpSpPr>
+      <p:grpSpPr>
+        <a:xfrm>
+          <a:off x="0" y="0"/>
+          <a:ext cx="0" cy="0"/>
+          <a:chOff x="0" y="0"/>
+          <a:chExt cx="0" cy="0"/>
+        </a:xfrm>
+      </p:grpSpPr>
+      <p:sp>
+        <p:nvSpPr>
+          <p:cNvPr id="2" name="Title 1"/>
+          <p:cNvSpPr>
+            <a:spLocks noGrp="1"/>
+          </p:cNvSpPr>
+          <p:nvPr>
+            <p:ph type="title"/>
+          </p:nvPr>
+        </p:nvSpPr>
+        <p:spPr/>
+        <p:txBody>
+          <a:bodyPr/>
+          <a:lstStyle/>
+          <a:p>
+            <a:r>
+              <a:rPr lang="en-US" dirty="0" err="1" smtClean="0"/>
+              <a:t>Problemen</a:t>
+            </a:r>
+            <a:endParaRPr lang="en-US" dirty="0"/>
+          </a:p>
+        </p:txBody>
+      </p:sp>
+      <p:sp>
+        <p:nvSpPr>
+          <p:cNvPr id="3" name="Content Placeholder 2"/>
+          <p:cNvSpPr>
+            <a:spLocks noGrp="1"/>
+          </p:cNvSpPr>
+          <p:nvPr>
+            <p:ph idx="1"/>
+          </p:nvPr>
+        </p:nvSpPr>
+        <p:spPr/>
+        <p:txBody>
+          <a:bodyPr/>
+          <a:lstStyle/>
+          <a:p>
+            <a:r>
+              <a:rPr lang="en-US" dirty="0" err="1" smtClean="0"/>
+              <a:t>Communicatie</a:t>
+            </a:r>
+            <a:r>
+              <a:rPr lang="en-US" dirty="0" smtClean="0"/>
+              <a:t> </a:t>
+            </a:r>
+            <a:r>
+              <a:rPr lang="en-US" dirty="0" err="1" smtClean="0"/>
+              <a:t>tussen</a:t>
+            </a:r>
+            <a:r>
+              <a:rPr lang="en-US" dirty="0" smtClean="0"/>
+              <a:t> Arduino en python</a:t>
+            </a:r>
+          </a:p>
+          <a:p>
+            <a:r>
+              <a:rPr lang="en-US" dirty="0" smtClean="0"/>
+              <a:t>De </a:t>
+            </a:r>
+            <a:r>
+              <a:rPr lang="en-US" dirty="0" err="1" smtClean="0"/>
+              <a:t>versleuteling</a:t>
+            </a:r>
+            <a:r>
+              <a:rPr lang="en-US" dirty="0" smtClean="0"/>
+              <a:t> op de </a:t>
+            </a:r>
+            <a:r>
+              <a:rPr lang="en-US" dirty="0" err="1" smtClean="0"/>
+              <a:t>Arduino</a:t>
+            </a:r>
+            <a:endParaRPr lang="en-US" dirty="0" smtClean="0"/>
+          </a:p>
+          <a:p>
+            <a:pPr lvl="1"/>
+            <a:r>
+              <a:rPr lang="en-US" dirty="0" err="1" smtClean="0"/>
+              <a:t>Arduino</a:t>
+            </a:r>
+            <a:r>
+              <a:rPr lang="en-US" dirty="0" smtClean="0"/>
+              <a:t> </a:t>
+            </a:r>
+            <a:r>
+              <a:rPr lang="en-US" dirty="0" err="1" smtClean="0"/>
+              <a:t>werkt</a:t>
+            </a:r>
+            <a:r>
+              <a:rPr lang="en-US" dirty="0" smtClean="0"/>
+              <a:t> met bytes, Python </a:t>
+            </a:r>
+            <a:r>
+              <a:rPr lang="en-US" dirty="0" err="1" smtClean="0"/>
+              <a:t>wil</a:t>
+            </a:r>
+            <a:r>
+              <a:rPr lang="en-US" dirty="0" smtClean="0"/>
+              <a:t> </a:t>
+            </a:r>
+            <a:r>
+              <a:rPr lang="en-US" dirty="0" err="1" smtClean="0"/>
+              <a:t>alleen</a:t>
+            </a:r>
+            <a:r>
+              <a:rPr lang="en-US" dirty="0" smtClean="0"/>
+              <a:t> met integers </a:t>
+            </a:r>
+            <a:r>
+              <a:rPr lang="en-US" dirty="0" err="1" smtClean="0"/>
+              <a:t>rekenen</a:t>
+            </a:r>
+            <a:endParaRPr lang="en-US" dirty="0" smtClean="0"/>
+          </a:p>
+          <a:p>
+            <a:endParaRPr lang="en-US" dirty="0" smtClean="0"/>
+          </a:p>
+          <a:p>
+            <a:r>
+              <a:rPr lang="en-US" dirty="0" err="1" smtClean="0"/>
+              <a:t>Heeeeeeeeeeeeeeeeeeel</a:t>
+            </a:r>
+            <a:r>
+              <a:rPr lang="en-US" dirty="0" smtClean="0"/>
+              <a:t> </a:t>
+            </a:r>
+            <a:r>
+              <a:rPr lang="en-US" dirty="0" err="1" smtClean="0"/>
+              <a:t>veel</a:t>
+            </a:r>
+            <a:r>
+              <a:rPr lang="en-US" dirty="0" smtClean="0"/>
+              <a:t> </a:t>
+            </a:r>
+            <a:r>
+              <a:rPr lang="en-US" dirty="0" err="1" smtClean="0"/>
+              <a:t>kleine</a:t>
+            </a:r>
+            <a:r>
+              <a:rPr lang="en-US" dirty="0" smtClean="0"/>
+              <a:t> bugs</a:t>
+            </a:r>
+            <a:endParaRPr lang="en-US" dirty="0"/>
+          </a:p>
+        </p:txBody>
+      </p:sp>
+      <p:sp>
+        <p:nvSpPr>
+          <p:cNvPr id="4" name="TextBox 3"/>
+          <p:cNvSpPr txBox="1"/>
+          <p:nvPr/>
+        </p:nvSpPr>
+        <p:spPr>
+          <a:xfrm>
+            <a:off x="10630969" y="6442502"/>
+            <a:ext cx="1486968" cy="415498"/>
+          </a:xfrm>
+          <a:prstGeom prst="rect">
+            <a:avLst/>
+          </a:prstGeom>
+          <a:noFill/>
+        </p:spPr>
+        <p:txBody>
+          <a:bodyPr wrap="square" rtlCol="0">
+            <a:spAutoFit/>
+          </a:bodyPr>
+          <a:lstStyle/>
+          <a:p>
+            <a:r>
+              <a:rPr lang="en-US" sz="1050" dirty="0"/>
+              <a:t>©</a:t>
+            </a:r>
+            <a:r>
+              <a:rPr lang="en-US" sz="1050" dirty="0" err="1"/>
+              <a:t>Kampioenen</a:t>
+            </a:r>
+            <a:r>
+              <a:rPr lang="en-US" sz="1050" dirty="0"/>
+              <a:t> 2014</a:t>
+            </a:r>
+            <a:endParaRPr lang="en-US" sz="1100" dirty="0"/>
+          </a:p>
+          <a:p>
+            <a:endParaRPr lang="nl-NL" sz="1050" dirty="0"/>
+          </a:p>
+        </p:txBody>
+      </p:sp>
+    </p:spTree>
+    <p:extLst>
+      <p:ext uri="{BB962C8B-B14F-4D97-AF65-F5344CB8AC3E}">
         <p14:creationId xmlns:p14="http://schemas.microsoft.com/office/powerpoint/2010/main" val="2589485214"/>
       </p:ext>
     </p:extLst>
@@ -3545,10 +4002,17 @@
   <p:clrMapOvr>
     <a:masterClrMapping/>
   </p:clrMapOvr>
+  <p:timing>
+    <p:tnLst>
+      <p:par>
+        <p:cTn id="1" dur="indefinite" restart="never" nodeType="tmRoot"/>
+      </p:par>
+    </p:tnLst>
+  </p:timing>
 </p:sld>
 </file>
 
-<file path=ppt/slides/slide11.xml><?xml version="1.0" encoding="utf-8"?>
+<file path=ppt/slides/slide12.xml><?xml version="1.0" encoding="utf-8"?>
 <p:sld xmlns:a="http://schemas.openxmlformats.org/drawingml/2006/main" xmlns:r="http://schemas.openxmlformats.org/officeDocument/2006/relationships" xmlns:p="http://schemas.openxmlformats.org/presentationml/2006/main">
   <p:cSld>
     <p:spTree>
@@ -3859,6 +4323,13 @@
   <p:clrMapOvr>
     <a:masterClrMapping/>
   </p:clrMapOvr>
+  <p:timing>
+    <p:tnLst>
+      <p:par>
+        <p:cTn id="1" dur="indefinite" restart="never" nodeType="tmRoot"/>
+      </p:par>
+    </p:tnLst>
+  </p:timing>
 </p:sld>
 </file>
 
@@ -4090,6 +4561,13 @@
   <p:clrMapOvr>
     <a:masterClrMapping/>
   </p:clrMapOvr>
+  <p:timing>
+    <p:tnLst>
+      <p:par>
+        <p:cTn id="1" dur="indefinite" restart="never" nodeType="tmRoot"/>
+      </p:par>
+    </p:tnLst>
+  </p:timing>
 </p:sld>
 </file>
 
@@ -4338,6 +4816,13 @@
   <p:clrMapOvr>
     <a:masterClrMapping/>
   </p:clrMapOvr>
+  <p:timing>
+    <p:tnLst>
+      <p:par>
+        <p:cTn id="1" dur="indefinite" restart="never" nodeType="tmRoot"/>
+      </p:par>
+    </p:tnLst>
+  </p:timing>
 </p:sld>
 </file>
 
@@ -4466,11 +4951,7 @@
           <a:p>
             <a:r>
               <a:rPr lang="nl-NL" dirty="0" smtClean="0"/>
-              <a:t>de </a:t>
-            </a:r>
-            <a:r>
-              <a:rPr lang="nl-NL" dirty="0" smtClean="0"/>
-              <a:t>User ID </a:t>
+              <a:t>de User ID </a:t>
             </a:r>
             <a:r>
               <a:rPr lang="nl-NL" dirty="0"/>
@@ -4538,6 +5019,13 @@
   <p:clrMapOvr>
     <a:masterClrMapping/>
   </p:clrMapOvr>
+  <p:timing>
+    <p:tnLst>
+      <p:par>
+        <p:cTn id="1" dur="indefinite" restart="never" nodeType="tmRoot"/>
+      </p:par>
+    </p:tnLst>
+  </p:timing>
 </p:sld>
 </file>
 
@@ -4760,6 +5248,13 @@
   <p:clrMapOvr>
     <a:masterClrMapping/>
   </p:clrMapOvr>
+  <p:timing>
+    <p:tnLst>
+      <p:par>
+        <p:cTn id="1" dur="indefinite" restart="never" nodeType="tmRoot"/>
+      </p:par>
+    </p:tnLst>
+  </p:timing>
 </p:sld>
 </file>
 
@@ -4868,11 +5363,7 @@
             </a:r>
             <a:r>
               <a:rPr lang="en-US" dirty="0" smtClean="0"/>
-              <a:t> </a:t>
-            </a:r>
-            <a:r>
-              <a:rPr lang="en-US" dirty="0" smtClean="0"/>
-              <a:t>Server</a:t>
+              <a:t> Server</a:t>
             </a:r>
           </a:p>
           <a:p>
@@ -5022,6 +5513,13 @@
   <p:clrMapOvr>
     <a:masterClrMapping/>
   </p:clrMapOvr>
+  <p:timing>
+    <p:tnLst>
+      <p:par>
+        <p:cTn id="1" dur="indefinite" restart="never" nodeType="tmRoot"/>
+      </p:par>
+    </p:tnLst>
+  </p:timing>
 </p:sld>
 </file>
 
@@ -5058,10 +5556,18 @@
           <a:lstStyle/>
           <a:p>
             <a:r>
-              <a:rPr lang="en-US" dirty="0" smtClean="0"/>
-              <a:t>User interface</a:t>
-            </a:r>
-            <a:endParaRPr lang="en-US" dirty="0"/>
+              <a:rPr lang="en-GB" dirty="0" err="1" smtClean="0"/>
+              <a:t>Gaten</a:t>
+            </a:r>
+            <a:r>
+              <a:rPr lang="en-GB" dirty="0" smtClean="0"/>
+              <a:t> in de </a:t>
+            </a:r>
+            <a:r>
+              <a:rPr lang="en-GB" dirty="0" err="1" smtClean="0"/>
+              <a:t>beveiliging</a:t>
+            </a:r>
+            <a:endParaRPr lang="nl-NL" dirty="0"/>
           </a:p>
         </p:txBody>
       </p:sp>
@@ -5081,183 +5587,353 @@
           <a:lstStyle/>
           <a:p>
             <a:r>
-              <a:rPr lang="en-US" dirty="0" err="1" smtClean="0"/>
-              <a:t>Duidelijk</a:t>
-            </a:r>
-            <a:endParaRPr lang="en-US" dirty="0" smtClean="0"/>
-          </a:p>
-          <a:p>
-            <a:r>
-              <a:rPr lang="en-US" dirty="0" err="1" smtClean="0"/>
-              <a:t>Opties</a:t>
-            </a:r>
-            <a:r>
-              <a:rPr lang="en-US" dirty="0" smtClean="0"/>
-              <a:t> </a:t>
-            </a:r>
-            <a:r>
-              <a:rPr lang="en-US" dirty="0" err="1" smtClean="0"/>
-              <a:t>voor</a:t>
-            </a:r>
-            <a:r>
-              <a:rPr lang="en-US" dirty="0" smtClean="0"/>
-              <a:t>:</a:t>
-            </a:r>
-          </a:p>
-          <a:p>
-            <a:pPr lvl="1"/>
-            <a:r>
-              <a:rPr lang="en-US" dirty="0" err="1" smtClean="0"/>
-              <a:t>Toevoegen</a:t>
-            </a:r>
-            <a:r>
-              <a:rPr lang="en-US" dirty="0" smtClean="0"/>
-              <a:t>/</a:t>
-            </a:r>
-            <a:r>
-              <a:rPr lang="en-US" dirty="0" err="1" smtClean="0"/>
+              <a:rPr lang="en-GB" dirty="0" err="1" smtClean="0"/>
+              <a:t>Wanneer</a:t>
+            </a:r>
+            <a:r>
+              <a:rPr lang="en-GB" dirty="0" smtClean="0"/>
+              <a:t> de Arduino </a:t>
+            </a:r>
+            <a:r>
+              <a:rPr lang="en-GB" dirty="0" err="1" smtClean="0"/>
+              <a:t>gehackt</a:t>
+            </a:r>
+            <a:r>
+              <a:rPr lang="en-GB" dirty="0" smtClean="0"/>
+              <a:t> </a:t>
+            </a:r>
+            <a:r>
+              <a:rPr lang="en-GB" dirty="0" err="1" smtClean="0"/>
+              <a:t>wordt</a:t>
+            </a:r>
+            <a:r>
+              <a:rPr lang="en-GB" dirty="0" smtClean="0"/>
+              <a:t>, </a:t>
+            </a:r>
+            <a:r>
+              <a:rPr lang="en-GB" dirty="0" err="1" smtClean="0"/>
+              <a:t>kan</a:t>
+            </a:r>
+            <a:r>
+              <a:rPr lang="en-GB" dirty="0" smtClean="0"/>
+              <a:t> de hacker de </a:t>
+            </a:r>
+            <a:r>
+              <a:rPr lang="en-GB" dirty="0" err="1" smtClean="0"/>
+              <a:t>versleuteling</a:t>
+            </a:r>
+            <a:r>
+              <a:rPr lang="en-GB" dirty="0" smtClean="0"/>
+              <a:t> </a:t>
+            </a:r>
+            <a:r>
+              <a:rPr lang="en-GB" dirty="0" err="1" smtClean="0"/>
+              <a:t>inzien</a:t>
+            </a:r>
+            <a:r>
+              <a:rPr lang="en-GB" dirty="0" smtClean="0"/>
+              <a:t> </a:t>
+            </a:r>
+            <a:r>
+              <a:rPr lang="en-GB" dirty="0" err="1" smtClean="0"/>
+              <a:t>en</a:t>
+            </a:r>
+            <a:r>
+              <a:rPr lang="en-GB" dirty="0" smtClean="0"/>
+              <a:t> </a:t>
+            </a:r>
+            <a:r>
+              <a:rPr lang="en-GB" dirty="0" err="1" smtClean="0"/>
+              <a:t>zo</a:t>
+            </a:r>
+            <a:r>
+              <a:rPr lang="en-GB" dirty="0" smtClean="0"/>
+              <a:t> </a:t>
+            </a:r>
+            <a:r>
+              <a:rPr lang="en-GB" dirty="0" err="1" smtClean="0"/>
+              <a:t>alle</a:t>
+            </a:r>
+            <a:r>
+              <a:rPr lang="en-GB" dirty="0" smtClean="0"/>
+              <a:t> </a:t>
+            </a:r>
+            <a:r>
+              <a:rPr lang="en-GB" dirty="0" err="1" smtClean="0"/>
+              <a:t>gewenste</a:t>
+            </a:r>
+            <a:r>
+              <a:rPr lang="en-GB" dirty="0" smtClean="0"/>
+              <a:t> </a:t>
+            </a:r>
+            <a:r>
+              <a:rPr lang="en-GB" dirty="0" err="1" smtClean="0"/>
+              <a:t>deuren</a:t>
+            </a:r>
+            <a:r>
+              <a:rPr lang="en-GB" dirty="0" smtClean="0"/>
+              <a:t> </a:t>
+            </a:r>
+            <a:r>
+              <a:rPr lang="en-GB" dirty="0" err="1" smtClean="0"/>
+              <a:t>openen</a:t>
+            </a:r>
+            <a:r>
+              <a:rPr lang="en-GB" dirty="0" smtClean="0"/>
+              <a:t>.</a:t>
+            </a:r>
+          </a:p>
+          <a:p>
+            <a:r>
+              <a:rPr lang="en-GB" dirty="0" err="1" smtClean="0"/>
+              <a:t>Wanneer</a:t>
+            </a:r>
+            <a:r>
+              <a:rPr lang="en-GB" dirty="0" smtClean="0"/>
+              <a:t> het </a:t>
+            </a:r>
+            <a:r>
+              <a:rPr lang="en-GB" dirty="0" err="1" smtClean="0"/>
+              <a:t>programma</a:t>
+            </a:r>
+            <a:r>
+              <a:rPr lang="en-GB" dirty="0" smtClean="0"/>
+              <a:t> </a:t>
+            </a:r>
+            <a:r>
+              <a:rPr lang="en-GB" dirty="0" err="1" smtClean="0"/>
+              <a:t>zelf</a:t>
+            </a:r>
+            <a:r>
+              <a:rPr lang="en-GB" dirty="0" smtClean="0"/>
+              <a:t> </a:t>
+            </a:r>
+            <a:r>
+              <a:rPr lang="en-GB" dirty="0" err="1" smtClean="0"/>
+              <a:t>gehackt</a:t>
+            </a:r>
+            <a:r>
+              <a:rPr lang="en-GB" dirty="0" smtClean="0"/>
+              <a:t> </a:t>
+            </a:r>
+            <a:r>
+              <a:rPr lang="en-GB" dirty="0" err="1" smtClean="0"/>
+              <a:t>wordt</a:t>
+            </a:r>
+            <a:r>
+              <a:rPr lang="en-GB" dirty="0" smtClean="0"/>
+              <a:t>, </a:t>
+            </a:r>
+            <a:r>
+              <a:rPr lang="en-GB" dirty="0" err="1" smtClean="0"/>
+              <a:t>kan</a:t>
+            </a:r>
+            <a:r>
+              <a:rPr lang="en-GB" dirty="0" smtClean="0"/>
+              <a:t> de hacker </a:t>
+            </a:r>
+            <a:r>
+              <a:rPr lang="en-GB" dirty="0" err="1" smtClean="0"/>
+              <a:t>dat</a:t>
+            </a:r>
+            <a:r>
+              <a:rPr lang="en-GB" dirty="0" smtClean="0"/>
+              <a:t> </a:t>
+            </a:r>
+            <a:r>
+              <a:rPr lang="en-GB" dirty="0" err="1" smtClean="0"/>
+              <a:t>ook</a:t>
+            </a:r>
+            <a:r>
+              <a:rPr lang="en-GB" dirty="0" smtClean="0"/>
+              <a:t>, </a:t>
+            </a:r>
+            <a:r>
+              <a:rPr lang="en-GB" dirty="0" err="1" smtClean="0"/>
+              <a:t>tevens</a:t>
+            </a:r>
+            <a:r>
+              <a:rPr lang="en-GB" dirty="0" smtClean="0"/>
+              <a:t> </a:t>
+            </a:r>
+            <a:r>
+              <a:rPr lang="en-GB" dirty="0" err="1" smtClean="0"/>
+              <a:t>kan</a:t>
+            </a:r>
+            <a:r>
+              <a:rPr lang="en-GB" dirty="0" smtClean="0"/>
+              <a:t> </a:t>
+            </a:r>
+            <a:r>
+              <a:rPr lang="en-GB" dirty="0" err="1" smtClean="0"/>
+              <a:t>hij</a:t>
+            </a:r>
+            <a:r>
+              <a:rPr lang="en-GB" dirty="0" smtClean="0"/>
+              <a:t> user </a:t>
+            </a:r>
+            <a:r>
+              <a:rPr lang="en-GB" dirty="0" err="1" smtClean="0"/>
+              <a:t>aanmaken</a:t>
+            </a:r>
+            <a:r>
+              <a:rPr lang="en-GB" dirty="0" smtClean="0"/>
+              <a:t>, </a:t>
+            </a:r>
+            <a:r>
+              <a:rPr lang="en-GB" dirty="0" err="1" smtClean="0"/>
               <a:t>verwijderen</a:t>
             </a:r>
             <a:r>
-              <a:rPr lang="en-US" dirty="0" smtClean="0"/>
-              <a:t> users</a:t>
-            </a:r>
-          </a:p>
-          <a:p>
-            <a:pPr lvl="1"/>
-            <a:r>
-              <a:rPr lang="en-US" dirty="0" err="1" smtClean="0"/>
-              <a:t>Opvragen</a:t>
-            </a:r>
-            <a:r>
-              <a:rPr lang="en-US" dirty="0" smtClean="0"/>
-              <a:t> data </a:t>
-            </a:r>
-            <a:r>
-              <a:rPr lang="en-US" dirty="0" smtClean="0"/>
-              <a:t>users</a:t>
-            </a:r>
-          </a:p>
-          <a:p>
-            <a:pPr lvl="1"/>
-            <a:r>
-              <a:rPr lang="en-US" dirty="0" smtClean="0"/>
-              <a:t>Alarm!</a:t>
-            </a:r>
-          </a:p>
-          <a:p>
-            <a:pPr lvl="1"/>
-            <a:r>
-              <a:rPr lang="en-US" dirty="0" err="1" smtClean="0"/>
-              <a:t>Activeren</a:t>
-            </a:r>
-            <a:r>
-              <a:rPr lang="en-US" dirty="0" smtClean="0"/>
-              <a:t> en </a:t>
-            </a:r>
-            <a:r>
-              <a:rPr lang="en-US" dirty="0" err="1" smtClean="0"/>
-              <a:t>deactiveren</a:t>
-            </a:r>
-            <a:r>
-              <a:rPr lang="en-US" dirty="0" smtClean="0"/>
-              <a:t> (met User ID of met </a:t>
-            </a:r>
-            <a:r>
-              <a:rPr lang="en-US" dirty="0" err="1" smtClean="0"/>
+              <a:rPr lang="en-GB" dirty="0" smtClean="0"/>
+              <a:t> etc.</a:t>
+            </a:r>
+          </a:p>
+          <a:p>
+            <a:r>
+              <a:rPr lang="en-GB" dirty="0" err="1" smtClean="0"/>
+              <a:t>Wanneer</a:t>
+            </a:r>
+            <a:r>
+              <a:rPr lang="en-GB" dirty="0" smtClean="0"/>
+              <a:t> </a:t>
+            </a:r>
+            <a:r>
+              <a:rPr lang="en-GB" dirty="0" err="1" smtClean="0"/>
+              <a:t>een</a:t>
+            </a:r>
+            <a:r>
+              <a:rPr lang="en-GB" dirty="0" smtClean="0"/>
+              <a:t> </a:t>
+            </a:r>
+            <a:r>
+              <a:rPr lang="en-GB" dirty="0" err="1" smtClean="0"/>
               <a:t>pasje</a:t>
             </a:r>
             <a:r>
-              <a:rPr lang="en-US" dirty="0" smtClean="0"/>
-              <a:t>)</a:t>
-            </a:r>
-          </a:p>
-          <a:p>
-            <a:pPr lvl="1"/>
-            <a:r>
-              <a:rPr lang="en-US" dirty="0" err="1" smtClean="0"/>
-              <a:t>Logbestanden</a:t>
-            </a:r>
-            <a:r>
-              <a:rPr lang="en-US" dirty="0" smtClean="0"/>
-              <a:t> van </a:t>
-            </a:r>
-            <a:r>
-              <a:rPr lang="en-US" dirty="0" err="1" smtClean="0"/>
-              <a:t>openen</a:t>
-            </a:r>
-            <a:r>
-              <a:rPr lang="en-US" dirty="0" smtClean="0"/>
-              <a:t> van </a:t>
-            </a:r>
-            <a:r>
-              <a:rPr lang="en-US" dirty="0" err="1" smtClean="0"/>
-              <a:t>deuren</a:t>
-            </a:r>
-            <a:r>
-              <a:rPr lang="en-US" dirty="0" smtClean="0"/>
-              <a:t> </a:t>
-            </a:r>
-            <a:r>
-              <a:rPr lang="en-US" dirty="0" err="1" smtClean="0"/>
-              <a:t>opvragen</a:t>
-            </a:r>
-            <a:endParaRPr lang="en-US" dirty="0" smtClean="0"/>
-          </a:p>
-          <a:p>
-            <a:pPr lvl="1"/>
-            <a:endParaRPr lang="en-US" dirty="0" smtClean="0"/>
-          </a:p>
-          <a:p>
-            <a:endParaRPr lang="en-US" dirty="0"/>
-          </a:p>
-        </p:txBody>
-      </p:sp>
-      <p:sp>
-        <p:nvSpPr>
-          <p:cNvPr id="4" name="TextBox 3"/>
-          <p:cNvSpPr txBox="1"/>
-          <p:nvPr/>
-        </p:nvSpPr>
-        <p:spPr>
-          <a:xfrm>
-            <a:off x="10630969" y="6442502"/>
-            <a:ext cx="1486968" cy="415498"/>
-          </a:xfrm>
-          <a:prstGeom prst="rect">
-            <a:avLst/>
-          </a:prstGeom>
-          <a:noFill/>
-        </p:spPr>
-        <p:txBody>
-          <a:bodyPr wrap="square" rtlCol="0">
-            <a:spAutoFit/>
-          </a:bodyPr>
-          <a:lstStyle/>
-          <a:p>
-            <a:r>
-              <a:rPr lang="en-US" sz="1050" dirty="0"/>
-              <a:t>©</a:t>
-            </a:r>
-            <a:r>
-              <a:rPr lang="en-US" sz="1050" dirty="0" err="1"/>
-              <a:t>Kampioenen</a:t>
-            </a:r>
-            <a:r>
-              <a:rPr lang="en-US" sz="1050" dirty="0"/>
-              <a:t> 2014</a:t>
-            </a:r>
-            <a:endParaRPr lang="en-US" sz="1100" dirty="0"/>
-          </a:p>
-          <a:p>
-            <a:endParaRPr lang="nl-NL" sz="1050" dirty="0"/>
+              <a:rPr lang="en-GB" dirty="0" smtClean="0"/>
+              <a:t> </a:t>
+            </a:r>
+            <a:r>
+              <a:rPr lang="en-GB" dirty="0" err="1" smtClean="0"/>
+              <a:t>gekopieerd</a:t>
+            </a:r>
+            <a:r>
+              <a:rPr lang="en-GB" dirty="0" smtClean="0"/>
+              <a:t> </a:t>
+            </a:r>
+            <a:r>
+              <a:rPr lang="en-GB" dirty="0" err="1" smtClean="0"/>
+              <a:t>wordt</a:t>
+            </a:r>
+            <a:r>
+              <a:rPr lang="en-GB" dirty="0" smtClean="0"/>
+              <a:t>, is </a:t>
+            </a:r>
+            <a:r>
+              <a:rPr lang="en-GB" dirty="0" err="1" smtClean="0"/>
+              <a:t>dit</a:t>
+            </a:r>
+            <a:r>
+              <a:rPr lang="en-GB" dirty="0" smtClean="0"/>
+              <a:t> </a:t>
+            </a:r>
+            <a:r>
+              <a:rPr lang="en-GB" dirty="0" err="1" smtClean="0"/>
+              <a:t>niet</a:t>
+            </a:r>
+            <a:r>
+              <a:rPr lang="en-GB" dirty="0" smtClean="0"/>
+              <a:t> </a:t>
+            </a:r>
+            <a:r>
+              <a:rPr lang="en-GB" dirty="0" err="1" smtClean="0"/>
+              <a:t>te</a:t>
+            </a:r>
+            <a:r>
+              <a:rPr lang="en-GB" dirty="0" smtClean="0"/>
+              <a:t> </a:t>
+            </a:r>
+            <a:r>
+              <a:rPr lang="en-GB" dirty="0" err="1" smtClean="0"/>
+              <a:t>achterhalen</a:t>
+            </a:r>
+            <a:r>
+              <a:rPr lang="en-GB" dirty="0"/>
+              <a:t> </a:t>
+            </a:r>
+            <a:r>
+              <a:rPr lang="en-GB" dirty="0" err="1" smtClean="0"/>
+              <a:t>en</a:t>
+            </a:r>
+            <a:r>
+              <a:rPr lang="en-GB" dirty="0" smtClean="0"/>
+              <a:t> </a:t>
+            </a:r>
+            <a:r>
+              <a:rPr lang="en-GB" dirty="0" err="1" smtClean="0"/>
+              <a:t>kan</a:t>
+            </a:r>
+            <a:r>
+              <a:rPr lang="en-GB" dirty="0" smtClean="0"/>
+              <a:t> </a:t>
+            </a:r>
+            <a:r>
+              <a:rPr lang="en-GB" dirty="0" err="1" smtClean="0"/>
+              <a:t>dit</a:t>
+            </a:r>
+            <a:r>
+              <a:rPr lang="en-GB" dirty="0" smtClean="0"/>
+              <a:t> </a:t>
+            </a:r>
+            <a:r>
+              <a:rPr lang="en-GB" dirty="0" err="1" smtClean="0"/>
+              <a:t>misbruikt</a:t>
+            </a:r>
+            <a:r>
+              <a:rPr lang="en-GB" dirty="0" smtClean="0"/>
+              <a:t> </a:t>
+            </a:r>
+            <a:r>
+              <a:rPr lang="en-GB" dirty="0" err="1" smtClean="0"/>
+              <a:t>worden</a:t>
+            </a:r>
+            <a:r>
+              <a:rPr lang="en-GB" dirty="0" smtClean="0"/>
+              <a:t>, we </a:t>
+            </a:r>
+            <a:r>
+              <a:rPr lang="en-GB" dirty="0" err="1" smtClean="0"/>
+              <a:t>hebben</a:t>
+            </a:r>
+            <a:r>
+              <a:rPr lang="en-GB" dirty="0" smtClean="0"/>
+              <a:t> </a:t>
+            </a:r>
+            <a:r>
+              <a:rPr lang="en-GB" dirty="0" err="1" smtClean="0"/>
+              <a:t>geen</a:t>
+            </a:r>
+            <a:r>
+              <a:rPr lang="en-GB" dirty="0" smtClean="0"/>
+              <a:t> hashes </a:t>
+            </a:r>
+            <a:r>
+              <a:rPr lang="en-GB" dirty="0" err="1" smtClean="0"/>
+              <a:t>geïmplementeerd</a:t>
+            </a:r>
+            <a:r>
+              <a:rPr lang="en-GB" smtClean="0"/>
+              <a:t>.</a:t>
+            </a:r>
+            <a:endParaRPr lang="nl-NL"/>
           </a:p>
         </p:txBody>
       </p:sp>
     </p:spTree>
     <p:extLst>
       <p:ext uri="{BB962C8B-B14F-4D97-AF65-F5344CB8AC3E}">
-        <p14:creationId xmlns:p14="http://schemas.microsoft.com/office/powerpoint/2010/main" val="2867521908"/>
+        <p14:creationId xmlns:p14="http://schemas.microsoft.com/office/powerpoint/2010/main" val="3307144125"/>
       </p:ext>
     </p:extLst>
   </p:cSld>
@@ -5301,11 +5977,7 @@
           <a:p>
             <a:r>
               <a:rPr lang="en-US" dirty="0" smtClean="0"/>
-              <a:t>Kern van het </a:t>
-            </a:r>
-            <a:r>
-              <a:rPr lang="en-US" dirty="0" err="1" smtClean="0"/>
-              <a:t>systeem</a:t>
+              <a:t>User interface</a:t>
             </a:r>
             <a:endParaRPr lang="en-US" dirty="0"/>
           </a:p>
@@ -5328,23 +6000,33 @@
           <a:p>
             <a:r>
               <a:rPr lang="en-US" dirty="0" err="1" smtClean="0"/>
-              <a:t>Kan</a:t>
-            </a:r>
-            <a:r>
-              <a:rPr lang="en-US" dirty="0" smtClean="0"/>
-              <a:t> </a:t>
-            </a:r>
-            <a:r>
-              <a:rPr lang="en-US" dirty="0" err="1" smtClean="0"/>
-              <a:t>pasjes</a:t>
-            </a:r>
-            <a:r>
-              <a:rPr lang="en-US" dirty="0" smtClean="0"/>
-              <a:t> </a:t>
-            </a:r>
-            <a:r>
-              <a:rPr lang="en-US" dirty="0" err="1" smtClean="0"/>
-              <a:t>activeren</a:t>
+              <a:t>Duidelijk</a:t>
+            </a:r>
+            <a:endParaRPr lang="en-US" dirty="0" smtClean="0"/>
+          </a:p>
+          <a:p>
+            <a:r>
+              <a:rPr lang="en-US" dirty="0" err="1" smtClean="0"/>
+              <a:t>Opties</a:t>
+            </a:r>
+            <a:r>
+              <a:rPr lang="en-US" dirty="0" smtClean="0"/>
+              <a:t> </a:t>
+            </a:r>
+            <a:r>
+              <a:rPr lang="en-US" dirty="0" err="1" smtClean="0"/>
+              <a:t>voor</a:t>
+            </a:r>
+            <a:r>
+              <a:rPr lang="en-US" dirty="0" smtClean="0"/>
+              <a:t>:</a:t>
+            </a:r>
+          </a:p>
+          <a:p>
+            <a:pPr lvl="1"/>
+            <a:r>
+              <a:rPr lang="en-US" dirty="0" err="1" smtClean="0"/>
+              <a:t>Toevoegen</a:t>
             </a:r>
             <a:r>
               <a:rPr lang="en-US" dirty="0" smtClean="0"/>
@@ -5352,106 +6034,93 @@
             </a:r>
             <a:r>
               <a:rPr lang="en-US" dirty="0" err="1" smtClean="0"/>
+              <a:t>verwijderen</a:t>
+            </a:r>
+            <a:r>
+              <a:rPr lang="en-US" dirty="0" smtClean="0"/>
+              <a:t> users</a:t>
+            </a:r>
+          </a:p>
+          <a:p>
+            <a:pPr lvl="1"/>
+            <a:r>
+              <a:rPr lang="en-US" dirty="0" err="1" smtClean="0"/>
+              <a:t>Opvragen</a:t>
+            </a:r>
+            <a:r>
+              <a:rPr lang="en-US" dirty="0" smtClean="0"/>
+              <a:t> data users</a:t>
+            </a:r>
+          </a:p>
+          <a:p>
+            <a:pPr lvl="1"/>
+            <a:r>
+              <a:rPr lang="en-US" dirty="0" smtClean="0"/>
+              <a:t>Alarm!</a:t>
+            </a:r>
+          </a:p>
+          <a:p>
+            <a:pPr lvl="1"/>
+            <a:r>
+              <a:rPr lang="en-US" dirty="0" err="1" smtClean="0"/>
+              <a:t>Activeren</a:t>
+            </a:r>
+            <a:r>
+              <a:rPr lang="en-US" dirty="0" smtClean="0"/>
+              <a:t> en </a:t>
+            </a:r>
+            <a:r>
+              <a:rPr lang="en-US" dirty="0" err="1" smtClean="0"/>
               <a:t>deactiveren</a:t>
             </a:r>
+            <a:r>
+              <a:rPr lang="en-US" dirty="0" smtClean="0"/>
+              <a:t> (met User ID of met </a:t>
+            </a:r>
+            <a:r>
+              <a:rPr lang="en-US" dirty="0" err="1" smtClean="0"/>
+              <a:t>pasje</a:t>
+            </a:r>
+            <a:r>
+              <a:rPr lang="en-US" dirty="0" smtClean="0"/>
+              <a:t>)</a:t>
+            </a:r>
+          </a:p>
+          <a:p>
+            <a:pPr lvl="1"/>
+            <a:r>
+              <a:rPr lang="en-US" dirty="0" err="1" smtClean="0"/>
+              <a:t>Logbestanden</a:t>
+            </a:r>
+            <a:r>
+              <a:rPr lang="en-US" dirty="0" smtClean="0"/>
+              <a:t> van </a:t>
+            </a:r>
+            <a:r>
+              <a:rPr lang="en-US" dirty="0" err="1" smtClean="0"/>
+              <a:t>openen</a:t>
+            </a:r>
+            <a:r>
+              <a:rPr lang="en-US" dirty="0" smtClean="0"/>
+              <a:t> van </a:t>
+            </a:r>
+            <a:r>
+              <a:rPr lang="en-US" dirty="0" err="1" smtClean="0"/>
+              <a:t>deuren</a:t>
+            </a:r>
+            <a:r>
+              <a:rPr lang="en-US" dirty="0" smtClean="0"/>
+              <a:t> </a:t>
+            </a:r>
+            <a:r>
+              <a:rPr lang="en-US" dirty="0" err="1" smtClean="0"/>
+              <a:t>opvragen</a:t>
+            </a:r>
             <a:endParaRPr lang="en-US" dirty="0" smtClean="0"/>
           </a:p>
           <a:p>
-            <a:r>
-              <a:rPr lang="en-US" dirty="0" err="1" smtClean="0"/>
-              <a:t>Kan</a:t>
-            </a:r>
-            <a:r>
-              <a:rPr lang="en-US" dirty="0" smtClean="0"/>
-              <a:t> </a:t>
-            </a:r>
-            <a:r>
-              <a:rPr lang="en-US" dirty="0" err="1" smtClean="0"/>
-              <a:t>pasjes</a:t>
-            </a:r>
-            <a:r>
-              <a:rPr lang="en-US" dirty="0" smtClean="0"/>
-              <a:t> </a:t>
-            </a:r>
-            <a:r>
-              <a:rPr lang="en-US" dirty="0" err="1" smtClean="0"/>
-              <a:t>identificeren</a:t>
-            </a:r>
-            <a:r>
-              <a:rPr lang="en-US" dirty="0" smtClean="0"/>
-              <a:t> en (</a:t>
-            </a:r>
-            <a:r>
-              <a:rPr lang="en-US" dirty="0" err="1" smtClean="0"/>
-              <a:t>geen</a:t>
-            </a:r>
-            <a:r>
-              <a:rPr lang="en-US" dirty="0" smtClean="0"/>
-              <a:t>) </a:t>
-            </a:r>
-            <a:r>
-              <a:rPr lang="en-US" dirty="0" err="1" smtClean="0"/>
-              <a:t>toegang</a:t>
-            </a:r>
-            <a:r>
-              <a:rPr lang="en-US" dirty="0" smtClean="0"/>
-              <a:t> </a:t>
-            </a:r>
-            <a:r>
-              <a:rPr lang="en-US" dirty="0" err="1" smtClean="0"/>
-              <a:t>verlenen</a:t>
-            </a:r>
+            <a:pPr lvl="1"/>
             <a:endParaRPr lang="en-US" dirty="0" smtClean="0"/>
-          </a:p>
-          <a:p>
-            <a:r>
-              <a:rPr lang="en-US" dirty="0" err="1"/>
-              <a:t>Kan</a:t>
-            </a:r>
-            <a:r>
-              <a:rPr lang="en-US" dirty="0"/>
-              <a:t> </a:t>
-            </a:r>
-            <a:r>
-              <a:rPr lang="en-US" dirty="0" err="1"/>
-              <a:t>pasjes</a:t>
-            </a:r>
-            <a:r>
-              <a:rPr lang="en-US" dirty="0"/>
-              <a:t> </a:t>
-            </a:r>
-            <a:r>
-              <a:rPr lang="en-US" dirty="0" err="1"/>
-              <a:t>toevoegen</a:t>
-            </a:r>
-            <a:r>
-              <a:rPr lang="en-US" dirty="0"/>
-              <a:t> </a:t>
-            </a:r>
-            <a:r>
-              <a:rPr lang="en-US" dirty="0" err="1"/>
-              <a:t>dan</a:t>
-            </a:r>
-            <a:r>
-              <a:rPr lang="en-US" dirty="0"/>
-              <a:t> </a:t>
-            </a:r>
-            <a:r>
-              <a:rPr lang="en-US" dirty="0" err="1"/>
-              <a:t>wel</a:t>
-            </a:r>
-            <a:r>
-              <a:rPr lang="en-US" dirty="0"/>
-              <a:t> </a:t>
-            </a:r>
-            <a:r>
-              <a:rPr lang="en-US" dirty="0" err="1"/>
-              <a:t>verwijderen</a:t>
-            </a:r>
-            <a:r>
-              <a:rPr lang="en-US" dirty="0"/>
-              <a:t> van de database</a:t>
-            </a:r>
           </a:p>
           <a:p>
             <a:endParaRPr lang="en-US" dirty="0"/>
@@ -5502,13 +6171,20 @@
     </p:spTree>
     <p:extLst>
       <p:ext uri="{BB962C8B-B14F-4D97-AF65-F5344CB8AC3E}">
-        <p14:creationId xmlns:p14="http://schemas.microsoft.com/office/powerpoint/2010/main" val="2435106487"/>
+        <p14:creationId xmlns:p14="http://schemas.microsoft.com/office/powerpoint/2010/main" val="2867521908"/>
       </p:ext>
     </p:extLst>
   </p:cSld>
   <p:clrMapOvr>
     <a:masterClrMapping/>
   </p:clrMapOvr>
+  <p:timing>
+    <p:tnLst>
+      <p:par>
+        <p:cTn id="1" dur="indefinite" restart="never" nodeType="tmRoot"/>
+      </p:par>
+    </p:tnLst>
+  </p:timing>
 </p:sld>
 </file>
 
@@ -5545,12 +6221,8 @@
           <a:lstStyle/>
           <a:p>
             <a:r>
-              <a:rPr lang="en-US" dirty="0" err="1" smtClean="0"/>
-              <a:t>Volledige</a:t>
-            </a:r>
-            <a:r>
-              <a:rPr lang="en-US" dirty="0" smtClean="0"/>
-              <a:t> </a:t>
+              <a:rPr lang="en-US" dirty="0" smtClean="0"/>
+              <a:t>Kern van het </a:t>
             </a:r>
             <a:r>
               <a:rPr lang="en-US" dirty="0" err="1" smtClean="0"/>
@@ -5572,313 +6244,135 @@
         </p:nvSpPr>
         <p:spPr/>
         <p:txBody>
-          <a:bodyPr>
-            <a:normAutofit/>
-          </a:bodyPr>
-          <a:lstStyle/>
-          <a:p>
-            <a:r>
-              <a:rPr lang="en-US" dirty="0" err="1" smtClean="0"/>
-              <a:t>Heeft</a:t>
-            </a:r>
-            <a:r>
-              <a:rPr lang="en-US" dirty="0" smtClean="0"/>
-              <a:t> </a:t>
-            </a:r>
-            <a:r>
-              <a:rPr lang="en-US" dirty="0" err="1" smtClean="0"/>
-              <a:t>een</a:t>
-            </a:r>
-            <a:r>
-              <a:rPr lang="en-US" dirty="0" smtClean="0"/>
-              <a:t> </a:t>
-            </a:r>
-            <a:r>
-              <a:rPr lang="en-US" dirty="0" err="1" smtClean="0"/>
-              <a:t>alarmknop</a:t>
-            </a:r>
-            <a:r>
-              <a:rPr lang="en-US" dirty="0" smtClean="0"/>
-              <a:t> </a:t>
-            </a:r>
-            <a:r>
-              <a:rPr lang="en-US" dirty="0" err="1" smtClean="0"/>
-              <a:t>waarbij</a:t>
-            </a:r>
-            <a:r>
-              <a:rPr lang="en-US" dirty="0" smtClean="0"/>
-              <a:t> </a:t>
-            </a:r>
-            <a:r>
-              <a:rPr lang="en-US" dirty="0" err="1" smtClean="0"/>
-              <a:t>alle</a:t>
-            </a:r>
-            <a:r>
-              <a:rPr lang="en-US" dirty="0" smtClean="0"/>
-              <a:t> </a:t>
-            </a:r>
-            <a:r>
-              <a:rPr lang="en-US" dirty="0" err="1" smtClean="0"/>
-              <a:t>deuren</a:t>
-            </a:r>
-            <a:r>
-              <a:rPr lang="en-US" dirty="0" smtClean="0"/>
-              <a:t> </a:t>
-            </a:r>
-            <a:r>
-              <a:rPr lang="en-US" dirty="0" err="1" smtClean="0"/>
-              <a:t>openspringen</a:t>
+          <a:bodyPr/>
+          <a:lstStyle/>
+          <a:p>
+            <a:r>
+              <a:rPr lang="en-US" dirty="0" err="1" smtClean="0"/>
+              <a:t>Kan</a:t>
+            </a:r>
+            <a:r>
+              <a:rPr lang="en-US" dirty="0" smtClean="0"/>
+              <a:t> </a:t>
+            </a:r>
+            <a:r>
+              <a:rPr lang="en-US" dirty="0" err="1" smtClean="0"/>
+              <a:t>pasjes</a:t>
+            </a:r>
+            <a:r>
+              <a:rPr lang="en-US" dirty="0" smtClean="0"/>
+              <a:t> </a:t>
+            </a:r>
+            <a:r>
+              <a:rPr lang="en-US" dirty="0" err="1" smtClean="0"/>
+              <a:t>activeren</a:t>
+            </a:r>
+            <a:r>
+              <a:rPr lang="en-US" dirty="0" smtClean="0"/>
+              <a:t>/</a:t>
+            </a:r>
+            <a:r>
+              <a:rPr lang="en-US" dirty="0" err="1" smtClean="0"/>
+              <a:t>deactiveren</a:t>
             </a:r>
             <a:endParaRPr lang="en-US" dirty="0" smtClean="0"/>
           </a:p>
           <a:p>
             <a:r>
               <a:rPr lang="en-US" dirty="0" err="1" smtClean="0"/>
-              <a:t>Heeft</a:t>
-            </a:r>
-            <a:r>
-              <a:rPr lang="en-US" dirty="0" smtClean="0"/>
-              <a:t> </a:t>
-            </a:r>
-            <a:r>
-              <a:rPr lang="en-US" dirty="0" err="1" smtClean="0"/>
-              <a:t>een</a:t>
-            </a:r>
-            <a:r>
-              <a:rPr lang="en-US" dirty="0" smtClean="0"/>
-              <a:t> </a:t>
-            </a:r>
-            <a:r>
-              <a:rPr lang="en-US" dirty="0" err="1" smtClean="0"/>
-              <a:t>mooie</a:t>
-            </a:r>
-            <a:r>
-              <a:rPr lang="en-US" dirty="0" smtClean="0"/>
-              <a:t> GUI</a:t>
-            </a:r>
-          </a:p>
-          <a:p>
-            <a:r>
-              <a:rPr lang="en-US" dirty="0" err="1" smtClean="0"/>
               <a:t>Kan</a:t>
             </a:r>
             <a:r>
               <a:rPr lang="en-US" dirty="0" smtClean="0"/>
-              <a:t> de </a:t>
-            </a:r>
-            <a:r>
-              <a:rPr lang="en-US" dirty="0" err="1" smtClean="0"/>
-              <a:t>gegevens</a:t>
-            </a:r>
-            <a:r>
-              <a:rPr lang="en-US" dirty="0" smtClean="0"/>
-              <a:t> van </a:t>
-            </a:r>
-            <a:r>
-              <a:rPr lang="en-US" dirty="0" err="1" smtClean="0"/>
-              <a:t>eerder</a:t>
-            </a:r>
-            <a:r>
-              <a:rPr lang="en-US" dirty="0" smtClean="0"/>
-              <a:t> </a:t>
-            </a:r>
-            <a:r>
-              <a:rPr lang="en-US" dirty="0" err="1" smtClean="0"/>
-              <a:t>inchecken</a:t>
-            </a:r>
-            <a:r>
-              <a:rPr lang="en-US" dirty="0" smtClean="0"/>
-              <a:t> van </a:t>
-            </a:r>
-            <a:r>
-              <a:rPr lang="en-US" dirty="0" err="1" smtClean="0"/>
-              <a:t>iedereen</a:t>
-            </a:r>
-            <a:r>
-              <a:rPr lang="en-US" dirty="0" smtClean="0"/>
-              <a:t> </a:t>
-            </a:r>
-            <a:r>
-              <a:rPr lang="en-US" dirty="0" err="1" smtClean="0"/>
-              <a:t>opvragen</a:t>
-            </a:r>
-            <a:r>
-              <a:rPr lang="en-US" dirty="0" smtClean="0"/>
-              <a:t> in </a:t>
-            </a:r>
-            <a:r>
-              <a:rPr lang="en-US" dirty="0" err="1" smtClean="0"/>
-              <a:t>geval</a:t>
-            </a:r>
-            <a:r>
-              <a:rPr lang="en-US" dirty="0" smtClean="0"/>
-              <a:t> van </a:t>
-            </a:r>
-            <a:r>
-              <a:rPr lang="en-US" dirty="0" err="1" smtClean="0"/>
-              <a:t>bijv</a:t>
-            </a:r>
-            <a:r>
-              <a:rPr lang="en-US" dirty="0" smtClean="0"/>
-              <a:t>. </a:t>
-            </a:r>
-            <a:r>
-              <a:rPr lang="en-US" dirty="0" err="1" smtClean="0"/>
-              <a:t>diefstal</a:t>
-            </a:r>
-            <a:endParaRPr lang="en-US" dirty="0"/>
-          </a:p>
-          <a:p>
-            <a:r>
-              <a:rPr lang="en-US" dirty="0" smtClean="0"/>
-              <a:t>Men </a:t>
-            </a:r>
-            <a:r>
-              <a:rPr lang="en-US" dirty="0" err="1" smtClean="0"/>
-              <a:t>kan</a:t>
-            </a:r>
-            <a:r>
-              <a:rPr lang="en-US" dirty="0" smtClean="0"/>
-              <a:t> op </a:t>
-            </a:r>
-            <a:r>
-              <a:rPr lang="en-US" dirty="0" err="1" smtClean="0"/>
-              <a:t>naam</a:t>
-            </a:r>
-            <a:r>
-              <a:rPr lang="en-US" dirty="0" smtClean="0"/>
-              <a:t>/Card ID/</a:t>
-            </a:r>
-            <a:r>
-              <a:rPr lang="en-US" dirty="0" err="1" smtClean="0"/>
-              <a:t>Pasje</a:t>
-            </a:r>
-            <a:r>
-              <a:rPr lang="en-US" dirty="0" smtClean="0"/>
-              <a:t> </a:t>
-            </a:r>
-            <a:r>
-              <a:rPr lang="en-US" dirty="0" err="1" smtClean="0"/>
-              <a:t>zoeken</a:t>
-            </a:r>
-            <a:r>
-              <a:rPr lang="en-US" dirty="0" smtClean="0"/>
-              <a:t> </a:t>
-            </a:r>
-            <a:r>
-              <a:rPr lang="en-US" dirty="0" err="1" smtClean="0"/>
-              <a:t>voor</a:t>
-            </a:r>
-            <a:r>
-              <a:rPr lang="en-US" dirty="0" smtClean="0"/>
-              <a:t> </a:t>
-            </a:r>
-            <a:r>
-              <a:rPr lang="en-US" dirty="0" err="1" smtClean="0"/>
-              <a:t>alle</a:t>
-            </a:r>
-            <a:r>
-              <a:rPr lang="en-US" dirty="0" smtClean="0"/>
-              <a:t> </a:t>
-            </a:r>
-            <a:r>
-              <a:rPr lang="en-US" dirty="0" err="1" smtClean="0"/>
-              <a:t>gegevens</a:t>
-            </a:r>
-            <a:r>
-              <a:rPr lang="en-US" dirty="0" smtClean="0"/>
-              <a:t> van </a:t>
-            </a:r>
-            <a:r>
-              <a:rPr lang="en-US" dirty="0" err="1" smtClean="0"/>
-              <a:t>deze</a:t>
-            </a:r>
-            <a:r>
-              <a:rPr lang="en-US" dirty="0" smtClean="0"/>
-              <a:t> </a:t>
-            </a:r>
-            <a:r>
-              <a:rPr lang="en-US" dirty="0" err="1" smtClean="0"/>
-              <a:t>gebruiker</a:t>
+              <a:t> </a:t>
+            </a:r>
+            <a:r>
+              <a:rPr lang="en-US" dirty="0" err="1" smtClean="0"/>
+              <a:t>pasjes</a:t>
+            </a:r>
+            <a:r>
+              <a:rPr lang="en-US" dirty="0" smtClean="0"/>
+              <a:t> </a:t>
+            </a:r>
+            <a:r>
+              <a:rPr lang="en-US" dirty="0" err="1" smtClean="0"/>
+              <a:t>identificeren</a:t>
+            </a:r>
+            <a:r>
+              <a:rPr lang="en-US" dirty="0" smtClean="0"/>
+              <a:t> en (</a:t>
+            </a:r>
+            <a:r>
+              <a:rPr lang="en-US" dirty="0" err="1" smtClean="0"/>
+              <a:t>geen</a:t>
+            </a:r>
+            <a:r>
+              <a:rPr lang="en-US" dirty="0" smtClean="0"/>
+              <a:t>) </a:t>
+            </a:r>
+            <a:r>
+              <a:rPr lang="en-US" dirty="0" err="1" smtClean="0"/>
+              <a:t>toegang</a:t>
+            </a:r>
+            <a:r>
+              <a:rPr lang="en-US" dirty="0" smtClean="0"/>
+              <a:t> </a:t>
+            </a:r>
+            <a:r>
+              <a:rPr lang="en-US" dirty="0" err="1" smtClean="0"/>
+              <a:t>verlenen</a:t>
             </a:r>
             <a:endParaRPr lang="en-US" dirty="0" smtClean="0"/>
           </a:p>
           <a:p>
             <a:r>
-              <a:rPr lang="en-US" dirty="0" err="1" smtClean="0"/>
-              <a:t>Pasjes</a:t>
-            </a:r>
-            <a:r>
-              <a:rPr lang="en-US" dirty="0" smtClean="0"/>
-              <a:t> </a:t>
-            </a:r>
-            <a:r>
-              <a:rPr lang="en-US" dirty="0" err="1" smtClean="0"/>
-              <a:t>kunnen</a:t>
-            </a:r>
-            <a:r>
-              <a:rPr lang="en-US" dirty="0" smtClean="0"/>
-              <a:t> </a:t>
-            </a:r>
-            <a:r>
-              <a:rPr lang="en-US" dirty="0" err="1" smtClean="0"/>
-              <a:t>geactiveerd</a:t>
-            </a:r>
-            <a:r>
-              <a:rPr lang="en-US" dirty="0" smtClean="0"/>
-              <a:t> en </a:t>
-            </a:r>
-            <a:r>
-              <a:rPr lang="en-US" dirty="0" err="1" smtClean="0"/>
-              <a:t>gedeactiveerd</a:t>
-            </a:r>
-            <a:r>
-              <a:rPr lang="en-US" dirty="0" smtClean="0"/>
-              <a:t> </a:t>
-            </a:r>
-            <a:r>
-              <a:rPr lang="en-US" dirty="0" err="1" smtClean="0"/>
-              <a:t>worden</a:t>
-            </a:r>
-            <a:endParaRPr lang="en-US" dirty="0" smtClean="0"/>
-          </a:p>
-          <a:p>
-            <a:pPr marL="0" indent="0">
-              <a:buNone/>
-            </a:pPr>
-            <a:endParaRPr lang="en-US" dirty="0"/>
-          </a:p>
-          <a:p>
-            <a:r>
-              <a:rPr lang="en-US" dirty="0" smtClean="0"/>
-              <a:t>Fancy stuff (</a:t>
-            </a:r>
-            <a:r>
-              <a:rPr lang="en-US" dirty="0" err="1" smtClean="0"/>
-              <a:t>mooie</a:t>
+              <a:rPr lang="en-US" dirty="0" err="1"/>
+              <a:t>Kan</a:t>
             </a:r>
             <a:r>
               <a:rPr lang="en-US" dirty="0"/>
               <a:t> </a:t>
             </a:r>
             <a:r>
-              <a:rPr lang="en-US" dirty="0" err="1" smtClean="0"/>
-              <a:t>deuren</a:t>
-            </a:r>
-            <a:r>
-              <a:rPr lang="en-US" dirty="0" smtClean="0"/>
-              <a:t> </a:t>
-            </a:r>
-            <a:r>
-              <a:rPr lang="en-US" dirty="0" smtClean="0">
-                <a:sym typeface="Wingdings" pitchFamily="2" charset="2"/>
-              </a:rPr>
-              <a:t>)</a:t>
-            </a:r>
-            <a:endParaRPr lang="en-US" dirty="0" smtClean="0"/>
-          </a:p>
-          <a:p>
-            <a:endParaRPr lang="en-US" dirty="0" smtClean="0"/>
+              <a:rPr lang="en-US" dirty="0" err="1"/>
+              <a:t>pasjes</a:t>
+            </a:r>
+            <a:r>
+              <a:rPr lang="en-US" dirty="0"/>
+              <a:t> </a:t>
+            </a:r>
+            <a:r>
+              <a:rPr lang="en-US" dirty="0" err="1"/>
+              <a:t>toevoegen</a:t>
+            </a:r>
+            <a:r>
+              <a:rPr lang="en-US" dirty="0"/>
+              <a:t> </a:t>
+            </a:r>
+            <a:r>
+              <a:rPr lang="en-US" dirty="0" err="1"/>
+              <a:t>dan</a:t>
+            </a:r>
+            <a:r>
+              <a:rPr lang="en-US" dirty="0"/>
+              <a:t> </a:t>
+            </a:r>
+            <a:r>
+              <a:rPr lang="en-US" dirty="0" err="1"/>
+              <a:t>wel</a:t>
+            </a:r>
+            <a:r>
+              <a:rPr lang="en-US" dirty="0"/>
+              <a:t> </a:t>
+            </a:r>
+            <a:r>
+              <a:rPr lang="en-US" dirty="0" err="1"/>
+              <a:t>verwijderen</a:t>
+            </a:r>
+            <a:r>
+              <a:rPr lang="en-US" dirty="0"/>
+              <a:t> van de database</a:t>
+            </a:r>
           </a:p>
           <a:p>
             <a:endParaRPr lang="en-US" dirty="0"/>
@@ -5929,13 +6423,20 @@
     </p:spTree>
     <p:extLst>
       <p:ext uri="{BB962C8B-B14F-4D97-AF65-F5344CB8AC3E}">
-        <p14:creationId xmlns:p14="http://schemas.microsoft.com/office/powerpoint/2010/main" val="1001001099"/>
+        <p14:creationId xmlns:p14="http://schemas.microsoft.com/office/powerpoint/2010/main" val="2435106487"/>
       </p:ext>
     </p:extLst>
   </p:cSld>
   <p:clrMapOvr>
     <a:masterClrMapping/>
   </p:clrMapOvr>
+  <p:timing>
+    <p:tnLst>
+      <p:par>
+        <p:cTn id="1" dur="indefinite" restart="never" nodeType="tmRoot"/>
+      </p:par>
+    </p:tnLst>
+  </p:timing>
 </p:sld>
 </file>
 

--- a/presentatie/Project beveiligde pasjes.pptx
+++ b/presentatie/Project beveiligde pasjes.pptx
@@ -8,15 +8,16 @@
     <p:sldId id="256" r:id="rId2"/>
     <p:sldId id="258" r:id="rId3"/>
     <p:sldId id="257" r:id="rId4"/>
-    <p:sldId id="262" r:id="rId5"/>
-    <p:sldId id="263" r:id="rId6"/>
-    <p:sldId id="264" r:id="rId7"/>
-    <p:sldId id="268" r:id="rId8"/>
-    <p:sldId id="266" r:id="rId9"/>
-    <p:sldId id="260" r:id="rId10"/>
-    <p:sldId id="261" r:id="rId11"/>
-    <p:sldId id="259" r:id="rId12"/>
-    <p:sldId id="267" r:id="rId13"/>
+    <p:sldId id="268" r:id="rId5"/>
+    <p:sldId id="262" r:id="rId6"/>
+    <p:sldId id="263" r:id="rId7"/>
+    <p:sldId id="264" r:id="rId8"/>
+    <p:sldId id="269" r:id="rId9"/>
+    <p:sldId id="266" r:id="rId10"/>
+    <p:sldId id="260" r:id="rId11"/>
+    <p:sldId id="261" r:id="rId12"/>
+    <p:sldId id="259" r:id="rId13"/>
+    <p:sldId id="267" r:id="rId14"/>
   </p:sldIdLst>
   <p:sldSz cx="12192000" cy="6858000"/>
   <p:notesSz cx="6858000" cy="9144000"/>
@@ -3336,13 +3337,6 @@
   <p:clrMapOvr>
     <a:masterClrMapping/>
   </p:clrMapOvr>
-  <p:timing>
-    <p:tnLst>
-      <p:par>
-        <p:cTn id="1" dur="indefinite" restart="never" nodeType="tmRoot"/>
-      </p:par>
-    </p:tnLst>
-  </p:timing>
 </p:sld>
 </file>
 
@@ -3379,12 +3373,8 @@
           <a:lstStyle/>
           <a:p>
             <a:r>
-              <a:rPr lang="en-US" dirty="0" err="1" smtClean="0"/>
-              <a:t>Volledige</a:t>
-            </a:r>
-            <a:r>
-              <a:rPr lang="en-US" dirty="0" smtClean="0"/>
-              <a:t> </a:t>
+              <a:rPr lang="en-US" dirty="0" smtClean="0"/>
+              <a:t>Kern van het </a:t>
             </a:r>
             <a:r>
               <a:rPr lang="en-US" dirty="0" err="1" smtClean="0"/>
@@ -3406,321 +3396,135 @@
         </p:nvSpPr>
         <p:spPr/>
         <p:txBody>
-          <a:bodyPr>
-            <a:normAutofit/>
-          </a:bodyPr>
-          <a:lstStyle/>
-          <a:p>
-            <a:r>
-              <a:rPr lang="en-US" dirty="0" err="1" smtClean="0"/>
-              <a:t>Heeft</a:t>
-            </a:r>
-            <a:r>
-              <a:rPr lang="en-US" dirty="0" smtClean="0"/>
-              <a:t> </a:t>
-            </a:r>
-            <a:r>
-              <a:rPr lang="en-US" dirty="0" err="1" smtClean="0"/>
-              <a:t>een</a:t>
-            </a:r>
-            <a:r>
-              <a:rPr lang="en-US" dirty="0" smtClean="0"/>
-              <a:t> </a:t>
-            </a:r>
-            <a:r>
-              <a:rPr lang="en-US" dirty="0" err="1" smtClean="0"/>
-              <a:t>alarmknop</a:t>
-            </a:r>
-            <a:r>
-              <a:rPr lang="en-US" dirty="0" smtClean="0"/>
-              <a:t> </a:t>
-            </a:r>
-            <a:r>
-              <a:rPr lang="en-US" dirty="0" err="1" smtClean="0"/>
-              <a:t>waarbij</a:t>
-            </a:r>
-            <a:r>
-              <a:rPr lang="en-US" dirty="0" smtClean="0"/>
-              <a:t> </a:t>
-            </a:r>
-            <a:r>
-              <a:rPr lang="en-US" dirty="0" err="1" smtClean="0"/>
-              <a:t>alle</a:t>
-            </a:r>
-            <a:r>
-              <a:rPr lang="en-US" dirty="0" smtClean="0"/>
-              <a:t> </a:t>
-            </a:r>
-            <a:r>
-              <a:rPr lang="en-US" dirty="0" err="1" smtClean="0"/>
-              <a:t>deuren</a:t>
-            </a:r>
-            <a:r>
-              <a:rPr lang="en-US" dirty="0" smtClean="0"/>
-              <a:t> </a:t>
-            </a:r>
-            <a:r>
-              <a:rPr lang="en-US" dirty="0" err="1" smtClean="0"/>
-              <a:t>openspringen</a:t>
+          <a:bodyPr/>
+          <a:lstStyle/>
+          <a:p>
+            <a:r>
+              <a:rPr lang="en-US" dirty="0" err="1" smtClean="0"/>
+              <a:t>Kan</a:t>
+            </a:r>
+            <a:r>
+              <a:rPr lang="en-US" dirty="0" smtClean="0"/>
+              <a:t> </a:t>
+            </a:r>
+            <a:r>
+              <a:rPr lang="en-US" dirty="0" err="1" smtClean="0"/>
+              <a:t>pasjes</a:t>
+            </a:r>
+            <a:r>
+              <a:rPr lang="en-US" dirty="0" smtClean="0"/>
+              <a:t> </a:t>
+            </a:r>
+            <a:r>
+              <a:rPr lang="en-US" dirty="0" err="1" smtClean="0"/>
+              <a:t>activeren</a:t>
+            </a:r>
+            <a:r>
+              <a:rPr lang="en-US" dirty="0" smtClean="0"/>
+              <a:t>/</a:t>
+            </a:r>
+            <a:r>
+              <a:rPr lang="en-US" dirty="0" err="1" smtClean="0"/>
+              <a:t>deactiveren</a:t>
             </a:r>
             <a:endParaRPr lang="en-US" dirty="0" smtClean="0"/>
           </a:p>
           <a:p>
             <a:r>
               <a:rPr lang="en-US" dirty="0" err="1" smtClean="0"/>
-              <a:t>Heeft</a:t>
-            </a:r>
-            <a:r>
-              <a:rPr lang="en-US" dirty="0" smtClean="0"/>
-              <a:t> </a:t>
-            </a:r>
-            <a:r>
-              <a:rPr lang="en-US" dirty="0" err="1" smtClean="0"/>
-              <a:t>een</a:t>
-            </a:r>
-            <a:r>
-              <a:rPr lang="en-US" dirty="0" smtClean="0"/>
-              <a:t> </a:t>
-            </a:r>
-            <a:r>
-              <a:rPr lang="en-US" dirty="0" smtClean="0"/>
-              <a:t>‘</a:t>
-            </a:r>
-            <a:r>
-              <a:rPr lang="en-US" dirty="0" err="1" smtClean="0"/>
-              <a:t>mooie</a:t>
-            </a:r>
-            <a:r>
-              <a:rPr lang="en-US" dirty="0" smtClean="0"/>
-              <a:t>’ </a:t>
-            </a:r>
-            <a:r>
-              <a:rPr lang="en-US" dirty="0" smtClean="0"/>
-              <a:t>GUI</a:t>
-            </a:r>
-          </a:p>
-          <a:p>
-            <a:r>
-              <a:rPr lang="en-US" dirty="0" err="1" smtClean="0"/>
               <a:t>Kan</a:t>
             </a:r>
             <a:r>
               <a:rPr lang="en-US" dirty="0" smtClean="0"/>
-              <a:t> de </a:t>
-            </a:r>
-            <a:r>
-              <a:rPr lang="en-US" dirty="0" err="1" smtClean="0"/>
-              <a:t>gegevens</a:t>
-            </a:r>
-            <a:r>
-              <a:rPr lang="en-US" dirty="0" smtClean="0"/>
-              <a:t> van </a:t>
-            </a:r>
-            <a:r>
-              <a:rPr lang="en-US" dirty="0" err="1" smtClean="0"/>
-              <a:t>eerder</a:t>
-            </a:r>
-            <a:r>
-              <a:rPr lang="en-US" dirty="0" smtClean="0"/>
-              <a:t> </a:t>
-            </a:r>
-            <a:r>
-              <a:rPr lang="en-US" dirty="0" err="1" smtClean="0"/>
-              <a:t>inchecken</a:t>
-            </a:r>
-            <a:r>
-              <a:rPr lang="en-US" dirty="0" smtClean="0"/>
-              <a:t> van </a:t>
-            </a:r>
-            <a:r>
-              <a:rPr lang="en-US" dirty="0" err="1" smtClean="0"/>
-              <a:t>iedereen</a:t>
-            </a:r>
-            <a:r>
-              <a:rPr lang="en-US" dirty="0" smtClean="0"/>
-              <a:t> </a:t>
-            </a:r>
-            <a:r>
-              <a:rPr lang="en-US" dirty="0" err="1" smtClean="0"/>
-              <a:t>opvragen</a:t>
-            </a:r>
-            <a:r>
-              <a:rPr lang="en-US" dirty="0" smtClean="0"/>
-              <a:t> in </a:t>
-            </a:r>
-            <a:r>
-              <a:rPr lang="en-US" dirty="0" err="1" smtClean="0"/>
-              <a:t>geval</a:t>
-            </a:r>
-            <a:r>
-              <a:rPr lang="en-US" dirty="0" smtClean="0"/>
-              <a:t> van </a:t>
-            </a:r>
-            <a:r>
-              <a:rPr lang="en-US" dirty="0" err="1" smtClean="0"/>
-              <a:t>bijv</a:t>
-            </a:r>
-            <a:r>
-              <a:rPr lang="en-US" dirty="0" smtClean="0"/>
-              <a:t>. </a:t>
-            </a:r>
-            <a:r>
-              <a:rPr lang="en-US" dirty="0" err="1" smtClean="0"/>
-              <a:t>diefstal</a:t>
-            </a:r>
-            <a:endParaRPr lang="en-US" dirty="0"/>
-          </a:p>
-          <a:p>
-            <a:r>
-              <a:rPr lang="en-US" dirty="0" smtClean="0"/>
-              <a:t>Men </a:t>
-            </a:r>
-            <a:r>
-              <a:rPr lang="en-US" dirty="0" err="1" smtClean="0"/>
-              <a:t>kan</a:t>
-            </a:r>
-            <a:r>
-              <a:rPr lang="en-US" dirty="0" smtClean="0"/>
-              <a:t> op </a:t>
-            </a:r>
-            <a:r>
-              <a:rPr lang="en-US" dirty="0" err="1" smtClean="0"/>
-              <a:t>naam</a:t>
-            </a:r>
-            <a:r>
-              <a:rPr lang="en-US" dirty="0" smtClean="0"/>
-              <a:t>/Card ID/</a:t>
-            </a:r>
-            <a:r>
-              <a:rPr lang="en-US" dirty="0" err="1" smtClean="0"/>
-              <a:t>Pasje</a:t>
-            </a:r>
-            <a:r>
-              <a:rPr lang="en-US" dirty="0" smtClean="0"/>
-              <a:t> </a:t>
-            </a:r>
-            <a:r>
-              <a:rPr lang="en-US" dirty="0" err="1" smtClean="0"/>
-              <a:t>zoeken</a:t>
-            </a:r>
-            <a:r>
-              <a:rPr lang="en-US" dirty="0" smtClean="0"/>
-              <a:t> </a:t>
-            </a:r>
-            <a:r>
-              <a:rPr lang="en-US" dirty="0" err="1" smtClean="0"/>
-              <a:t>voor</a:t>
-            </a:r>
-            <a:r>
-              <a:rPr lang="en-US" dirty="0" smtClean="0"/>
-              <a:t> </a:t>
-            </a:r>
-            <a:r>
-              <a:rPr lang="en-US" dirty="0" err="1" smtClean="0"/>
-              <a:t>alle</a:t>
-            </a:r>
-            <a:r>
-              <a:rPr lang="en-US" dirty="0" smtClean="0"/>
-              <a:t> </a:t>
-            </a:r>
-            <a:r>
-              <a:rPr lang="en-US" dirty="0" err="1" smtClean="0"/>
-              <a:t>gegevens</a:t>
-            </a:r>
-            <a:r>
-              <a:rPr lang="en-US" dirty="0" smtClean="0"/>
-              <a:t> van </a:t>
-            </a:r>
-            <a:r>
-              <a:rPr lang="en-US" dirty="0" err="1" smtClean="0"/>
-              <a:t>deze</a:t>
-            </a:r>
-            <a:r>
-              <a:rPr lang="en-US" dirty="0" smtClean="0"/>
-              <a:t> </a:t>
-            </a:r>
-            <a:r>
-              <a:rPr lang="en-US" dirty="0" err="1" smtClean="0"/>
-              <a:t>gebruiker</a:t>
+              <a:t> </a:t>
+            </a:r>
+            <a:r>
+              <a:rPr lang="en-US" dirty="0" err="1" smtClean="0"/>
+              <a:t>pasjes</a:t>
+            </a:r>
+            <a:r>
+              <a:rPr lang="en-US" dirty="0" smtClean="0"/>
+              <a:t> </a:t>
+            </a:r>
+            <a:r>
+              <a:rPr lang="en-US" dirty="0" err="1" smtClean="0"/>
+              <a:t>identificeren</a:t>
+            </a:r>
+            <a:r>
+              <a:rPr lang="en-US" dirty="0" smtClean="0"/>
+              <a:t> en (</a:t>
+            </a:r>
+            <a:r>
+              <a:rPr lang="en-US" dirty="0" err="1" smtClean="0"/>
+              <a:t>geen</a:t>
+            </a:r>
+            <a:r>
+              <a:rPr lang="en-US" dirty="0" smtClean="0"/>
+              <a:t>) </a:t>
+            </a:r>
+            <a:r>
+              <a:rPr lang="en-US" dirty="0" err="1" smtClean="0"/>
+              <a:t>toegang</a:t>
+            </a:r>
+            <a:r>
+              <a:rPr lang="en-US" dirty="0" smtClean="0"/>
+              <a:t> </a:t>
+            </a:r>
+            <a:r>
+              <a:rPr lang="en-US" dirty="0" err="1" smtClean="0"/>
+              <a:t>verlenen</a:t>
             </a:r>
             <a:endParaRPr lang="en-US" dirty="0" smtClean="0"/>
           </a:p>
           <a:p>
             <a:r>
-              <a:rPr lang="en-US" dirty="0" err="1" smtClean="0"/>
-              <a:t>Pasjes</a:t>
-            </a:r>
-            <a:r>
-              <a:rPr lang="en-US" dirty="0" smtClean="0"/>
-              <a:t> </a:t>
-            </a:r>
-            <a:r>
-              <a:rPr lang="en-US" dirty="0" err="1" smtClean="0"/>
-              <a:t>kunnen</a:t>
-            </a:r>
-            <a:r>
-              <a:rPr lang="en-US" dirty="0" smtClean="0"/>
-              <a:t> </a:t>
-            </a:r>
-            <a:r>
-              <a:rPr lang="en-US" dirty="0" err="1" smtClean="0"/>
-              <a:t>geactiveerd</a:t>
-            </a:r>
-            <a:r>
-              <a:rPr lang="en-US" dirty="0" smtClean="0"/>
-              <a:t> en </a:t>
-            </a:r>
-            <a:r>
-              <a:rPr lang="en-US" dirty="0" err="1" smtClean="0"/>
-              <a:t>gedeactiveerd</a:t>
-            </a:r>
-            <a:r>
-              <a:rPr lang="en-US" dirty="0" smtClean="0"/>
-              <a:t> </a:t>
-            </a:r>
-            <a:r>
-              <a:rPr lang="en-US" dirty="0" err="1" smtClean="0"/>
-              <a:t>worden</a:t>
-            </a:r>
-            <a:endParaRPr lang="en-US" dirty="0" smtClean="0"/>
-          </a:p>
-          <a:p>
-            <a:pPr marL="0" indent="0">
-              <a:buNone/>
-            </a:pPr>
-            <a:endParaRPr lang="en-US" dirty="0"/>
-          </a:p>
-          <a:p>
-            <a:r>
-              <a:rPr lang="en-US" dirty="0" smtClean="0"/>
-              <a:t>Fancy stuff (</a:t>
-            </a:r>
-            <a:r>
-              <a:rPr lang="en-US" dirty="0" err="1" smtClean="0"/>
-              <a:t>mooie</a:t>
+              <a:rPr lang="en-US" dirty="0" err="1"/>
+              <a:t>Kan</a:t>
             </a:r>
             <a:r>
               <a:rPr lang="en-US" dirty="0"/>
               <a:t> </a:t>
             </a:r>
             <a:r>
-              <a:rPr lang="en-US" dirty="0" err="1" smtClean="0"/>
-              <a:t>deuren</a:t>
-            </a:r>
-            <a:r>
-              <a:rPr lang="en-US" dirty="0" smtClean="0"/>
-              <a:t> </a:t>
-            </a:r>
-            <a:r>
-              <a:rPr lang="en-US" dirty="0" smtClean="0">
-                <a:sym typeface="Wingdings" pitchFamily="2" charset="2"/>
-              </a:rPr>
-              <a:t>)</a:t>
-            </a:r>
-            <a:endParaRPr lang="en-US" dirty="0" smtClean="0"/>
-          </a:p>
-          <a:p>
-            <a:endParaRPr lang="en-US" dirty="0" smtClean="0"/>
+              <a:rPr lang="en-US" dirty="0" err="1"/>
+              <a:t>pasjes</a:t>
+            </a:r>
+            <a:r>
+              <a:rPr lang="en-US" dirty="0"/>
+              <a:t> </a:t>
+            </a:r>
+            <a:r>
+              <a:rPr lang="en-US" dirty="0" err="1"/>
+              <a:t>toevoegen</a:t>
+            </a:r>
+            <a:r>
+              <a:rPr lang="en-US" dirty="0"/>
+              <a:t> </a:t>
+            </a:r>
+            <a:r>
+              <a:rPr lang="en-US" dirty="0" err="1"/>
+              <a:t>dan</a:t>
+            </a:r>
+            <a:r>
+              <a:rPr lang="en-US" dirty="0"/>
+              <a:t> </a:t>
+            </a:r>
+            <a:r>
+              <a:rPr lang="en-US" dirty="0" err="1"/>
+              <a:t>wel</a:t>
+            </a:r>
+            <a:r>
+              <a:rPr lang="en-US" dirty="0"/>
+              <a:t> </a:t>
+            </a:r>
+            <a:r>
+              <a:rPr lang="en-US" dirty="0" err="1"/>
+              <a:t>verwijderen</a:t>
+            </a:r>
+            <a:r>
+              <a:rPr lang="en-US" dirty="0"/>
+              <a:t> van de database</a:t>
+            </a:r>
           </a:p>
           <a:p>
             <a:endParaRPr lang="en-US" dirty="0"/>
@@ -3771,20 +3575,13 @@
     </p:spTree>
     <p:extLst>
       <p:ext uri="{BB962C8B-B14F-4D97-AF65-F5344CB8AC3E}">
-        <p14:creationId xmlns:p14="http://schemas.microsoft.com/office/powerpoint/2010/main" val="1001001099"/>
+        <p14:creationId xmlns:p14="http://schemas.microsoft.com/office/powerpoint/2010/main" val="2435106487"/>
       </p:ext>
     </p:extLst>
   </p:cSld>
   <p:clrMapOvr>
     <a:masterClrMapping/>
   </p:clrMapOvr>
-  <p:timing>
-    <p:tnLst>
-      <p:par>
-        <p:cTn id="1" dur="indefinite" restart="never" nodeType="tmRoot"/>
-      </p:par>
-    </p:tnLst>
-  </p:timing>
 </p:sld>
 </file>
 
@@ -3822,7 +3619,15 @@
           <a:p>
             <a:r>
               <a:rPr lang="en-US" dirty="0" err="1" smtClean="0"/>
-              <a:t>Problemen</a:t>
+              <a:t>Volledige</a:t>
+            </a:r>
+            <a:r>
+              <a:rPr lang="en-US" dirty="0" smtClean="0"/>
+              <a:t> </a:t>
+            </a:r>
+            <a:r>
+              <a:rPr lang="en-US" dirty="0" err="1" smtClean="0"/>
+              <a:t>systeem</a:t>
             </a:r>
             <a:endParaRPr lang="en-US" dirty="0"/>
           </a:p>
@@ -3840,113 +3645,315 @@
         </p:nvSpPr>
         <p:spPr/>
         <p:txBody>
-          <a:bodyPr/>
-          <a:lstStyle/>
-          <a:p>
-            <a:r>
-              <a:rPr lang="en-US" dirty="0" err="1" smtClean="0"/>
-              <a:t>Communicatie</a:t>
-            </a:r>
-            <a:r>
-              <a:rPr lang="en-US" dirty="0" smtClean="0"/>
-              <a:t> </a:t>
-            </a:r>
-            <a:r>
-              <a:rPr lang="en-US" dirty="0" err="1" smtClean="0"/>
-              <a:t>tussen</a:t>
-            </a:r>
-            <a:r>
-              <a:rPr lang="en-US" dirty="0" smtClean="0"/>
-              <a:t> Arduino en python</a:t>
-            </a:r>
-          </a:p>
-          <a:p>
-            <a:r>
-              <a:rPr lang="en-US" dirty="0" smtClean="0"/>
-              <a:t>De </a:t>
-            </a:r>
-            <a:r>
-              <a:rPr lang="en-US" dirty="0" err="1" smtClean="0"/>
-              <a:t>versleuteling</a:t>
-            </a:r>
-            <a:r>
-              <a:rPr lang="en-US" dirty="0" smtClean="0"/>
-              <a:t> op de </a:t>
-            </a:r>
-            <a:r>
-              <a:rPr lang="en-US" dirty="0" err="1" smtClean="0"/>
-              <a:t>Arduino</a:t>
+          <a:bodyPr>
+            <a:normAutofit/>
+          </a:bodyPr>
+          <a:lstStyle/>
+          <a:p>
+            <a:r>
+              <a:rPr lang="en-US" dirty="0" err="1" smtClean="0"/>
+              <a:t>Heeft</a:t>
+            </a:r>
+            <a:r>
+              <a:rPr lang="en-US" dirty="0" smtClean="0"/>
+              <a:t> </a:t>
+            </a:r>
+            <a:r>
+              <a:rPr lang="en-US" dirty="0" err="1" smtClean="0"/>
+              <a:t>een</a:t>
+            </a:r>
+            <a:r>
+              <a:rPr lang="en-US" dirty="0" smtClean="0"/>
+              <a:t> </a:t>
+            </a:r>
+            <a:r>
+              <a:rPr lang="en-US" dirty="0" err="1" smtClean="0"/>
+              <a:t>alarmknop</a:t>
+            </a:r>
+            <a:r>
+              <a:rPr lang="en-US" dirty="0" smtClean="0"/>
+              <a:t> </a:t>
+            </a:r>
+            <a:r>
+              <a:rPr lang="en-US" dirty="0" err="1" smtClean="0"/>
+              <a:t>waarbij</a:t>
+            </a:r>
+            <a:r>
+              <a:rPr lang="en-US" dirty="0" smtClean="0"/>
+              <a:t> </a:t>
+            </a:r>
+            <a:r>
+              <a:rPr lang="en-US" dirty="0" err="1" smtClean="0"/>
+              <a:t>alle</a:t>
+            </a:r>
+            <a:r>
+              <a:rPr lang="en-US" dirty="0" smtClean="0"/>
+              <a:t> </a:t>
+            </a:r>
+            <a:r>
+              <a:rPr lang="en-US" dirty="0" err="1" smtClean="0"/>
+              <a:t>deuren</a:t>
+            </a:r>
+            <a:r>
+              <a:rPr lang="en-US" dirty="0" smtClean="0"/>
+              <a:t> </a:t>
+            </a:r>
+            <a:r>
+              <a:rPr lang="en-US" dirty="0" err="1" smtClean="0"/>
+              <a:t>openspringen</a:t>
             </a:r>
             <a:endParaRPr lang="en-US" dirty="0" smtClean="0"/>
           </a:p>
           <a:p>
-            <a:pPr lvl="1"/>
-            <a:r>
-              <a:rPr lang="en-US" dirty="0" err="1" smtClean="0"/>
-              <a:t>Arduino</a:t>
-            </a:r>
-            <a:r>
-              <a:rPr lang="en-US" dirty="0" smtClean="0"/>
-              <a:t> </a:t>
-            </a:r>
-            <a:r>
-              <a:rPr lang="en-US" dirty="0" err="1" smtClean="0"/>
-              <a:t>werkt</a:t>
-            </a:r>
-            <a:r>
-              <a:rPr lang="en-US" dirty="0" smtClean="0"/>
-              <a:t> met bytes, Python </a:t>
-            </a:r>
-            <a:r>
-              <a:rPr lang="en-US" dirty="0" err="1" smtClean="0"/>
-              <a:t>wil</a:t>
-            </a:r>
-            <a:r>
-              <a:rPr lang="en-US" dirty="0" smtClean="0"/>
-              <a:t> </a:t>
-            </a:r>
-            <a:r>
-              <a:rPr lang="en-US" dirty="0" err="1" smtClean="0"/>
-              <a:t>alleen</a:t>
-            </a:r>
-            <a:r>
-              <a:rPr lang="en-US" dirty="0" smtClean="0"/>
-              <a:t> met integers </a:t>
-            </a:r>
-            <a:r>
-              <a:rPr lang="en-US" dirty="0" err="1" smtClean="0"/>
-              <a:t>rekenen</a:t>
+            <a:r>
+              <a:rPr lang="en-US" dirty="0" err="1" smtClean="0"/>
+              <a:t>Heeft</a:t>
+            </a:r>
+            <a:r>
+              <a:rPr lang="en-US" dirty="0" smtClean="0"/>
+              <a:t> </a:t>
+            </a:r>
+            <a:r>
+              <a:rPr lang="en-US" dirty="0" err="1" smtClean="0"/>
+              <a:t>een</a:t>
+            </a:r>
+            <a:r>
+              <a:rPr lang="en-US" dirty="0" smtClean="0"/>
+              <a:t> </a:t>
+            </a:r>
+            <a:r>
+              <a:rPr lang="en-US" dirty="0" err="1" smtClean="0"/>
+              <a:t>mooie</a:t>
+            </a:r>
+            <a:r>
+              <a:rPr lang="en-US" dirty="0" smtClean="0"/>
+              <a:t> GUI</a:t>
+            </a:r>
+          </a:p>
+          <a:p>
+            <a:r>
+              <a:rPr lang="en-US" dirty="0" err="1" smtClean="0"/>
+              <a:t>Kan</a:t>
+            </a:r>
+            <a:r>
+              <a:rPr lang="en-US" dirty="0" smtClean="0"/>
+              <a:t> de </a:t>
+            </a:r>
+            <a:r>
+              <a:rPr lang="en-US" dirty="0" err="1" smtClean="0"/>
+              <a:t>gegevens</a:t>
+            </a:r>
+            <a:r>
+              <a:rPr lang="en-US" dirty="0" smtClean="0"/>
+              <a:t> van </a:t>
+            </a:r>
+            <a:r>
+              <a:rPr lang="en-US" dirty="0" err="1" smtClean="0"/>
+              <a:t>eerder</a:t>
+            </a:r>
+            <a:r>
+              <a:rPr lang="en-US" dirty="0" smtClean="0"/>
+              <a:t> </a:t>
+            </a:r>
+            <a:r>
+              <a:rPr lang="en-US" dirty="0" err="1" smtClean="0"/>
+              <a:t>inchecken</a:t>
+            </a:r>
+            <a:r>
+              <a:rPr lang="en-US" dirty="0" smtClean="0"/>
+              <a:t> van </a:t>
+            </a:r>
+            <a:r>
+              <a:rPr lang="en-US" dirty="0" err="1" smtClean="0"/>
+              <a:t>iedereen</a:t>
+            </a:r>
+            <a:r>
+              <a:rPr lang="en-US" dirty="0" smtClean="0"/>
+              <a:t> </a:t>
+            </a:r>
+            <a:r>
+              <a:rPr lang="en-US" dirty="0" err="1" smtClean="0"/>
+              <a:t>opvragen</a:t>
+            </a:r>
+            <a:r>
+              <a:rPr lang="en-US" dirty="0" smtClean="0"/>
+              <a:t> in </a:t>
+            </a:r>
+            <a:r>
+              <a:rPr lang="en-US" dirty="0" err="1" smtClean="0"/>
+              <a:t>geval</a:t>
+            </a:r>
+            <a:r>
+              <a:rPr lang="en-US" dirty="0" smtClean="0"/>
+              <a:t> van </a:t>
+            </a:r>
+            <a:r>
+              <a:rPr lang="en-US" dirty="0" err="1" smtClean="0"/>
+              <a:t>bijv</a:t>
+            </a:r>
+            <a:r>
+              <a:rPr lang="en-US" dirty="0" smtClean="0"/>
+              <a:t>. </a:t>
+            </a:r>
+            <a:r>
+              <a:rPr lang="en-US" dirty="0" err="1" smtClean="0"/>
+              <a:t>diefstal</a:t>
+            </a:r>
+            <a:endParaRPr lang="en-US" dirty="0"/>
+          </a:p>
+          <a:p>
+            <a:r>
+              <a:rPr lang="en-US" dirty="0" smtClean="0"/>
+              <a:t>Men </a:t>
+            </a:r>
+            <a:r>
+              <a:rPr lang="en-US" dirty="0" err="1" smtClean="0"/>
+              <a:t>kan</a:t>
+            </a:r>
+            <a:r>
+              <a:rPr lang="en-US" dirty="0" smtClean="0"/>
+              <a:t> op </a:t>
+            </a:r>
+            <a:r>
+              <a:rPr lang="en-US" dirty="0" err="1" smtClean="0"/>
+              <a:t>naam</a:t>
+            </a:r>
+            <a:r>
+              <a:rPr lang="en-US" dirty="0" smtClean="0"/>
+              <a:t>/Card ID/</a:t>
+            </a:r>
+            <a:r>
+              <a:rPr lang="en-US" dirty="0" err="1" smtClean="0"/>
+              <a:t>Pasje</a:t>
+            </a:r>
+            <a:r>
+              <a:rPr lang="en-US" dirty="0" smtClean="0"/>
+              <a:t> </a:t>
+            </a:r>
+            <a:r>
+              <a:rPr lang="en-US" dirty="0" err="1" smtClean="0"/>
+              <a:t>zoeken</a:t>
+            </a:r>
+            <a:r>
+              <a:rPr lang="en-US" dirty="0" smtClean="0"/>
+              <a:t> </a:t>
+            </a:r>
+            <a:r>
+              <a:rPr lang="en-US" dirty="0" err="1" smtClean="0"/>
+              <a:t>voor</a:t>
+            </a:r>
+            <a:r>
+              <a:rPr lang="en-US" dirty="0" smtClean="0"/>
+              <a:t> </a:t>
+            </a:r>
+            <a:r>
+              <a:rPr lang="en-US" dirty="0" err="1" smtClean="0"/>
+              <a:t>alle</a:t>
+            </a:r>
+            <a:r>
+              <a:rPr lang="en-US" dirty="0" smtClean="0"/>
+              <a:t> </a:t>
+            </a:r>
+            <a:r>
+              <a:rPr lang="en-US" dirty="0" err="1" smtClean="0"/>
+              <a:t>gegevens</a:t>
+            </a:r>
+            <a:r>
+              <a:rPr lang="en-US" dirty="0" smtClean="0"/>
+              <a:t> van </a:t>
+            </a:r>
+            <a:r>
+              <a:rPr lang="en-US" dirty="0" err="1" smtClean="0"/>
+              <a:t>deze</a:t>
+            </a:r>
+            <a:r>
+              <a:rPr lang="en-US" dirty="0" smtClean="0"/>
+              <a:t> </a:t>
+            </a:r>
+            <a:r>
+              <a:rPr lang="en-US" dirty="0" err="1" smtClean="0"/>
+              <a:t>gebruiker</a:t>
             </a:r>
             <a:endParaRPr lang="en-US" dirty="0" smtClean="0"/>
           </a:p>
           <a:p>
+            <a:r>
+              <a:rPr lang="en-US" dirty="0" err="1" smtClean="0"/>
+              <a:t>Pasjes</a:t>
+            </a:r>
+            <a:r>
+              <a:rPr lang="en-US" dirty="0" smtClean="0"/>
+              <a:t> </a:t>
+            </a:r>
+            <a:r>
+              <a:rPr lang="en-US" dirty="0" err="1" smtClean="0"/>
+              <a:t>kunnen</a:t>
+            </a:r>
+            <a:r>
+              <a:rPr lang="en-US" dirty="0" smtClean="0"/>
+              <a:t> </a:t>
+            </a:r>
+            <a:r>
+              <a:rPr lang="en-US" dirty="0" err="1" smtClean="0"/>
+              <a:t>geactiveerd</a:t>
+            </a:r>
+            <a:r>
+              <a:rPr lang="en-US" dirty="0" smtClean="0"/>
+              <a:t> en </a:t>
+            </a:r>
+            <a:r>
+              <a:rPr lang="en-US" dirty="0" err="1" smtClean="0"/>
+              <a:t>gedeactiveerd</a:t>
+            </a:r>
+            <a:r>
+              <a:rPr lang="en-US" dirty="0" smtClean="0"/>
+              <a:t> </a:t>
+            </a:r>
+            <a:r>
+              <a:rPr lang="en-US" dirty="0" err="1" smtClean="0"/>
+              <a:t>worden</a:t>
+            </a:r>
             <a:endParaRPr lang="en-US" dirty="0" smtClean="0"/>
           </a:p>
           <a:p>
-            <a:r>
-              <a:rPr lang="en-US" dirty="0" err="1" smtClean="0"/>
-              <a:t>Heeeeeeeeeeeeeeeeeeel</a:t>
-            </a:r>
-            <a:r>
-              <a:rPr lang="en-US" dirty="0" smtClean="0"/>
-              <a:t> </a:t>
-            </a:r>
-            <a:r>
-              <a:rPr lang="en-US" dirty="0" err="1" smtClean="0"/>
-              <a:t>veel</a:t>
-            </a:r>
-            <a:r>
-              <a:rPr lang="en-US" dirty="0" smtClean="0"/>
-              <a:t> </a:t>
-            </a:r>
-            <a:r>
-              <a:rPr lang="en-US" dirty="0" err="1" smtClean="0"/>
-              <a:t>kleine</a:t>
-            </a:r>
-            <a:r>
-              <a:rPr lang="en-US" dirty="0" smtClean="0"/>
-              <a:t> bugs</a:t>
-            </a:r>
+            <a:pPr marL="0" indent="0">
+              <a:buNone/>
+            </a:pPr>
+            <a:endParaRPr lang="en-US" dirty="0"/>
+          </a:p>
+          <a:p>
+            <a:r>
+              <a:rPr lang="en-US" dirty="0" smtClean="0"/>
+              <a:t>Fancy stuff (</a:t>
+            </a:r>
+            <a:r>
+              <a:rPr lang="en-US" dirty="0" err="1" smtClean="0"/>
+              <a:t>mooie</a:t>
+            </a:r>
+            <a:r>
+              <a:rPr lang="en-US" dirty="0"/>
+              <a:t> </a:t>
+            </a:r>
+            <a:r>
+              <a:rPr lang="en-US" dirty="0" err="1" smtClean="0"/>
+              <a:t>deuren</a:t>
+            </a:r>
+            <a:r>
+              <a:rPr lang="en-US" dirty="0" smtClean="0"/>
+              <a:t> </a:t>
+            </a:r>
+            <a:r>
+              <a:rPr lang="en-US" dirty="0" smtClean="0">
+                <a:sym typeface="Wingdings" pitchFamily="2" charset="2"/>
+              </a:rPr>
+              <a:t>)</a:t>
+            </a:r>
+            <a:endParaRPr lang="en-US" dirty="0" smtClean="0"/>
+          </a:p>
+          <a:p>
+            <a:endParaRPr lang="en-US" dirty="0" smtClean="0"/>
+          </a:p>
+          <a:p>
             <a:endParaRPr lang="en-US" dirty="0"/>
           </a:p>
         </p:txBody>
@@ -3995,20 +4002,13 @@
     </p:spTree>
     <p:extLst>
       <p:ext uri="{BB962C8B-B14F-4D97-AF65-F5344CB8AC3E}">
-        <p14:creationId xmlns:p14="http://schemas.microsoft.com/office/powerpoint/2010/main" val="2589485214"/>
+        <p14:creationId xmlns:p14="http://schemas.microsoft.com/office/powerpoint/2010/main" val="1001001099"/>
       </p:ext>
     </p:extLst>
   </p:cSld>
   <p:clrMapOvr>
     <a:masterClrMapping/>
   </p:clrMapOvr>
-  <p:timing>
-    <p:tnLst>
-      <p:par>
-        <p:cTn id="1" dur="indefinite" restart="never" nodeType="tmRoot"/>
-      </p:par>
-    </p:tnLst>
-  </p:timing>
 </p:sld>
 </file>
 
@@ -4046,6 +4046,239 @@
           <a:p>
             <a:r>
               <a:rPr lang="en-US" dirty="0" err="1" smtClean="0"/>
+              <a:t>Problemen</a:t>
+            </a:r>
+            <a:endParaRPr lang="en-US" dirty="0"/>
+          </a:p>
+        </p:txBody>
+      </p:sp>
+      <p:sp>
+        <p:nvSpPr>
+          <p:cNvPr id="3" name="Content Placeholder 2"/>
+          <p:cNvSpPr>
+            <a:spLocks noGrp="1"/>
+          </p:cNvSpPr>
+          <p:nvPr>
+            <p:ph idx="1"/>
+          </p:nvPr>
+        </p:nvSpPr>
+        <p:spPr/>
+        <p:txBody>
+          <a:bodyPr/>
+          <a:lstStyle/>
+          <a:p>
+            <a:r>
+              <a:rPr lang="en-US" dirty="0" err="1" smtClean="0"/>
+              <a:t>Communicatie</a:t>
+            </a:r>
+            <a:r>
+              <a:rPr lang="en-US" dirty="0" smtClean="0"/>
+              <a:t> </a:t>
+            </a:r>
+            <a:r>
+              <a:rPr lang="en-US" dirty="0" err="1" smtClean="0"/>
+              <a:t>tussen</a:t>
+            </a:r>
+            <a:r>
+              <a:rPr lang="en-US" dirty="0" smtClean="0"/>
+              <a:t> Arduino en python</a:t>
+            </a:r>
+          </a:p>
+          <a:p>
+            <a:r>
+              <a:rPr lang="en-US" dirty="0" smtClean="0"/>
+              <a:t>De </a:t>
+            </a:r>
+            <a:r>
+              <a:rPr lang="en-US" dirty="0" err="1" smtClean="0"/>
+              <a:t>versleuteling</a:t>
+            </a:r>
+            <a:r>
+              <a:rPr lang="en-US" dirty="0" smtClean="0"/>
+              <a:t> op de </a:t>
+            </a:r>
+            <a:r>
+              <a:rPr lang="en-US" dirty="0" err="1" smtClean="0"/>
+              <a:t>Arduino</a:t>
+            </a:r>
+            <a:endParaRPr lang="en-US" dirty="0" smtClean="0"/>
+          </a:p>
+          <a:p>
+            <a:pPr lvl="1"/>
+            <a:r>
+              <a:rPr lang="en-US" dirty="0" err="1" smtClean="0"/>
+              <a:t>Arduino</a:t>
+            </a:r>
+            <a:r>
+              <a:rPr lang="en-US" dirty="0" smtClean="0"/>
+              <a:t> </a:t>
+            </a:r>
+            <a:r>
+              <a:rPr lang="en-US" dirty="0" err="1" smtClean="0"/>
+              <a:t>werkt</a:t>
+            </a:r>
+            <a:r>
+              <a:rPr lang="en-US" dirty="0" smtClean="0"/>
+              <a:t> met bytes, Python </a:t>
+            </a:r>
+            <a:r>
+              <a:rPr lang="en-US" dirty="0" err="1" smtClean="0"/>
+              <a:t>wil</a:t>
+            </a:r>
+            <a:r>
+              <a:rPr lang="en-US" dirty="0" smtClean="0"/>
+              <a:t> </a:t>
+            </a:r>
+            <a:r>
+              <a:rPr lang="en-US" dirty="0" err="1" smtClean="0"/>
+              <a:t>alleen</a:t>
+            </a:r>
+            <a:r>
+              <a:rPr lang="en-US" dirty="0" smtClean="0"/>
+              <a:t> met integers </a:t>
+            </a:r>
+            <a:r>
+              <a:rPr lang="en-US" dirty="0" err="1" smtClean="0"/>
+              <a:t>rekenen</a:t>
+            </a:r>
+            <a:endParaRPr lang="en-US" dirty="0" smtClean="0"/>
+          </a:p>
+          <a:p>
+            <a:r>
+              <a:rPr lang="en-US" dirty="0" err="1" smtClean="0"/>
+              <a:t>Limitaties</a:t>
+            </a:r>
+            <a:r>
+              <a:rPr lang="en-US" dirty="0" smtClean="0"/>
+              <a:t> </a:t>
+            </a:r>
+            <a:r>
+              <a:rPr lang="en-US" dirty="0" err="1" smtClean="0"/>
+              <a:t>aan</a:t>
+            </a:r>
+            <a:r>
+              <a:rPr lang="en-US" dirty="0" smtClean="0"/>
+              <a:t> de Arduino</a:t>
+            </a:r>
+            <a:endParaRPr lang="en-US" dirty="0" smtClean="0"/>
+          </a:p>
+          <a:p>
+            <a:r>
+              <a:rPr lang="en-US" dirty="0" err="1" smtClean="0"/>
+              <a:t>Heeeeeeeeeeeeeeeeeeel</a:t>
+            </a:r>
+            <a:r>
+              <a:rPr lang="en-US" dirty="0" smtClean="0"/>
+              <a:t> </a:t>
+            </a:r>
+            <a:r>
+              <a:rPr lang="en-US" dirty="0" err="1" smtClean="0"/>
+              <a:t>veel</a:t>
+            </a:r>
+            <a:r>
+              <a:rPr lang="en-US" dirty="0" smtClean="0"/>
+              <a:t> </a:t>
+            </a:r>
+            <a:r>
+              <a:rPr lang="en-US" dirty="0" err="1" smtClean="0"/>
+              <a:t>kleine</a:t>
+            </a:r>
+            <a:r>
+              <a:rPr lang="en-US" dirty="0" smtClean="0"/>
+              <a:t> bugs</a:t>
+            </a:r>
+            <a:endParaRPr lang="en-US" dirty="0"/>
+          </a:p>
+        </p:txBody>
+      </p:sp>
+      <p:sp>
+        <p:nvSpPr>
+          <p:cNvPr id="4" name="TextBox 3"/>
+          <p:cNvSpPr txBox="1"/>
+          <p:nvPr/>
+        </p:nvSpPr>
+        <p:spPr>
+          <a:xfrm>
+            <a:off x="10630969" y="6442502"/>
+            <a:ext cx="1486968" cy="415498"/>
+          </a:xfrm>
+          <a:prstGeom prst="rect">
+            <a:avLst/>
+          </a:prstGeom>
+          <a:noFill/>
+        </p:spPr>
+        <p:txBody>
+          <a:bodyPr wrap="square" rtlCol="0">
+            <a:spAutoFit/>
+          </a:bodyPr>
+          <a:lstStyle/>
+          <a:p>
+            <a:r>
+              <a:rPr lang="en-US" sz="1050" dirty="0"/>
+              <a:t>©</a:t>
+            </a:r>
+            <a:r>
+              <a:rPr lang="en-US" sz="1050" dirty="0" err="1"/>
+              <a:t>Kampioenen</a:t>
+            </a:r>
+            <a:r>
+              <a:rPr lang="en-US" sz="1050" dirty="0"/>
+              <a:t> 2014</a:t>
+            </a:r>
+            <a:endParaRPr lang="en-US" sz="1100" dirty="0"/>
+          </a:p>
+          <a:p>
+            <a:endParaRPr lang="nl-NL" sz="1050" dirty="0"/>
+          </a:p>
+        </p:txBody>
+      </p:sp>
+    </p:spTree>
+    <p:extLst>
+      <p:ext uri="{BB962C8B-B14F-4D97-AF65-F5344CB8AC3E}">
+        <p14:creationId xmlns:p14="http://schemas.microsoft.com/office/powerpoint/2010/main" val="2589485214"/>
+      </p:ext>
+    </p:extLst>
+  </p:cSld>
+  <p:clrMapOvr>
+    <a:masterClrMapping/>
+  </p:clrMapOvr>
+</p:sld>
+</file>
+
+<file path=ppt/slides/slide13.xml><?xml version="1.0" encoding="utf-8"?>
+<p:sld xmlns:a="http://schemas.openxmlformats.org/drawingml/2006/main" xmlns:r="http://schemas.openxmlformats.org/officeDocument/2006/relationships" xmlns:p="http://schemas.openxmlformats.org/presentationml/2006/main">
+  <p:cSld>
+    <p:spTree>
+      <p:nvGrpSpPr>
+        <p:cNvPr id="1" name=""/>
+        <p:cNvGrpSpPr/>
+        <p:nvPr/>
+      </p:nvGrpSpPr>
+      <p:grpSpPr>
+        <a:xfrm>
+          <a:off x="0" y="0"/>
+          <a:ext cx="0" cy="0"/>
+          <a:chOff x="0" y="0"/>
+          <a:chExt cx="0" cy="0"/>
+        </a:xfrm>
+      </p:grpSpPr>
+      <p:sp>
+        <p:nvSpPr>
+          <p:cNvPr id="2" name="Title 1"/>
+          <p:cNvSpPr>
+            <a:spLocks noGrp="1"/>
+          </p:cNvSpPr>
+          <p:nvPr>
+            <p:ph type="title"/>
+          </p:nvPr>
+        </p:nvSpPr>
+        <p:spPr/>
+        <p:txBody>
+          <a:bodyPr/>
+          <a:lstStyle/>
+          <a:p>
+            <a:r>
+              <a:rPr lang="en-US" dirty="0" err="1" smtClean="0"/>
               <a:t>Discussie</a:t>
             </a:r>
             <a:endParaRPr lang="nl-NL" dirty="0"/>
@@ -4193,6 +4426,42 @@
           </a:p>
           <a:p>
             <a:pPr lvl="1"/>
+            <a:r>
+              <a:rPr lang="en-US" dirty="0" err="1" smtClean="0"/>
+              <a:t>Een</a:t>
+            </a:r>
+            <a:r>
+              <a:rPr lang="en-US" dirty="0" smtClean="0"/>
+              <a:t> </a:t>
+            </a:r>
+            <a:r>
+              <a:rPr lang="en-US" dirty="0" err="1" smtClean="0"/>
+              <a:t>geldstroom</a:t>
+            </a:r>
+            <a:r>
+              <a:rPr lang="en-US" dirty="0" smtClean="0"/>
+              <a:t> met </a:t>
+            </a:r>
+            <a:r>
+              <a:rPr lang="en-US" dirty="0" err="1" smtClean="0"/>
+              <a:t>behulp</a:t>
+            </a:r>
+            <a:r>
+              <a:rPr lang="en-US" dirty="0" smtClean="0"/>
+              <a:t> van de </a:t>
+            </a:r>
+            <a:r>
+              <a:rPr lang="en-US" dirty="0" err="1" smtClean="0"/>
+              <a:t>gebruikte</a:t>
+            </a:r>
+            <a:r>
+              <a:rPr lang="en-US" dirty="0" smtClean="0"/>
+              <a:t> </a:t>
+            </a:r>
+            <a:r>
+              <a:rPr lang="en-US" dirty="0" err="1" smtClean="0"/>
+              <a:t>pasjes</a:t>
+            </a:r>
             <a:endParaRPr lang="en-US" dirty="0" smtClean="0"/>
           </a:p>
           <a:p>
@@ -4323,13 +4592,6 @@
   <p:clrMapOvr>
     <a:masterClrMapping/>
   </p:clrMapOvr>
-  <p:timing>
-    <p:tnLst>
-      <p:par>
-        <p:cTn id="1" dur="indefinite" restart="never" nodeType="tmRoot"/>
-      </p:par>
-    </p:tnLst>
-  </p:timing>
 </p:sld>
 </file>
 
@@ -4395,6 +4657,21 @@
             <a:r>
               <a:rPr lang="en-US" dirty="0" err="1" smtClean="0"/>
               <a:t>idee</a:t>
+            </a:r>
+            <a:endParaRPr lang="en-US" dirty="0" smtClean="0"/>
+          </a:p>
+          <a:p>
+            <a:r>
+              <a:rPr lang="en-US" dirty="0" err="1" smtClean="0"/>
+              <a:t>Gebruikte</a:t>
+            </a:r>
+            <a:r>
+              <a:rPr lang="en-US" dirty="0" smtClean="0"/>
+              <a:t> </a:t>
+            </a:r>
+            <a:r>
+              <a:rPr lang="en-US" dirty="0" err="1" smtClean="0"/>
+              <a:t>middelen</a:t>
             </a:r>
             <a:endParaRPr lang="en-US" dirty="0" smtClean="0"/>
           </a:p>
@@ -4561,13 +4838,6 @@
   <p:clrMapOvr>
     <a:masterClrMapping/>
   </p:clrMapOvr>
-  <p:timing>
-    <p:tnLst>
-      <p:par>
-        <p:cTn id="1" dur="indefinite" restart="never" nodeType="tmRoot"/>
-      </p:par>
-    </p:tnLst>
-  </p:timing>
 </p:sld>
 </file>
 
@@ -4816,13 +5086,6 @@
   <p:clrMapOvr>
     <a:masterClrMapping/>
   </p:clrMapOvr>
-  <p:timing>
-    <p:tnLst>
-      <p:par>
-        <p:cTn id="1" dur="indefinite" restart="never" nodeType="tmRoot"/>
-      </p:par>
-    </p:tnLst>
-  </p:timing>
 </p:sld>
 </file>
 
@@ -4859,16 +5122,16 @@
           <a:lstStyle/>
           <a:p>
             <a:r>
-              <a:rPr lang="en-US" dirty="0" smtClean="0"/>
-              <a:t>Project </a:t>
-            </a:r>
-            <a:r>
-              <a:rPr lang="en-US" dirty="0" err="1"/>
-              <a:t>e</a:t>
-            </a:r>
-            <a:r>
-              <a:rPr lang="en-US" dirty="0" err="1" smtClean="0"/>
-              <a:t>isen</a:t>
+              <a:rPr lang="en-US" dirty="0" err="1" smtClean="0"/>
+              <a:t>Gebruikte</a:t>
+            </a:r>
+            <a:r>
+              <a:rPr lang="en-US" dirty="0" smtClean="0"/>
+              <a:t> </a:t>
+            </a:r>
+            <a:r>
+              <a:rPr lang="en-US" dirty="0" err="1" smtClean="0"/>
+              <a:t>middelen</a:t>
             </a:r>
             <a:endParaRPr lang="en-US" dirty="0"/>
           </a:p>
@@ -4890,142 +5153,55 @@
           <a:lstStyle/>
           <a:p>
             <a:r>
-              <a:rPr lang="nl-NL" dirty="0" smtClean="0"/>
-              <a:t>RFID-tags </a:t>
-            </a:r>
-            <a:r>
-              <a:rPr lang="nl-NL" dirty="0"/>
-              <a:t>kunnen </a:t>
-            </a:r>
-            <a:r>
-              <a:rPr lang="nl-NL" dirty="0" smtClean="0"/>
-              <a:t>uitlezen</a:t>
-            </a:r>
-          </a:p>
-          <a:p>
-            <a:r>
-              <a:rPr lang="nl-NL" dirty="0" smtClean="0"/>
-              <a:t>Het ID </a:t>
-            </a:r>
-            <a:r>
-              <a:rPr lang="nl-NL" dirty="0"/>
-              <a:t>van een RFID-tag beveiligd naar een computer kunnen </a:t>
-            </a:r>
-            <a:r>
-              <a:rPr lang="nl-NL" dirty="0" smtClean="0"/>
-              <a:t>versturen</a:t>
-            </a:r>
-            <a:endParaRPr lang="nl-NL" dirty="0"/>
-          </a:p>
-          <a:p>
-            <a:r>
-              <a:rPr lang="nl-NL" dirty="0" smtClean="0"/>
-              <a:t>ID </a:t>
-            </a:r>
-            <a:r>
-              <a:rPr lang="nl-NL" dirty="0"/>
-              <a:t>van een RFID-tag kunnen vergelijken met opgeslagen </a:t>
-            </a:r>
-            <a:r>
-              <a:rPr lang="nl-NL" dirty="0" smtClean="0"/>
-              <a:t>User IDs </a:t>
-            </a:r>
-            <a:r>
-              <a:rPr lang="nl-NL" dirty="0"/>
-              <a:t>in een database om te </a:t>
-            </a:r>
-            <a:r>
-              <a:rPr lang="nl-NL" dirty="0" smtClean="0"/>
-              <a:t>bepalen </a:t>
-            </a:r>
-            <a:r>
-              <a:rPr lang="nl-NL" dirty="0"/>
-              <a:t>of deze geautoriseerd </a:t>
-            </a:r>
-            <a:r>
-              <a:rPr lang="nl-NL" dirty="0" smtClean="0"/>
-              <a:t>is</a:t>
-            </a:r>
-            <a:endParaRPr lang="nl-NL" dirty="0"/>
-          </a:p>
-          <a:p>
-            <a:r>
-              <a:rPr lang="nl-NL" dirty="0" smtClean="0"/>
-              <a:t>de User ID </a:t>
-            </a:r>
-            <a:r>
-              <a:rPr lang="nl-NL" dirty="0"/>
-              <a:t>van een RFID-tag opslaan in of verwijderen uit de </a:t>
-            </a:r>
-            <a:r>
-              <a:rPr lang="nl-NL" dirty="0" smtClean="0"/>
-              <a:t>database</a:t>
-            </a:r>
-            <a:endParaRPr lang="nl-NL" dirty="0"/>
-          </a:p>
-          <a:p>
-            <a:endParaRPr lang="en-US" dirty="0"/>
-          </a:p>
-        </p:txBody>
-      </p:sp>
-      <p:sp>
-        <p:nvSpPr>
-          <p:cNvPr id="4" name="TextBox 3"/>
-          <p:cNvSpPr txBox="1"/>
-          <p:nvPr/>
-        </p:nvSpPr>
-        <p:spPr>
-          <a:xfrm>
-            <a:off x="10630969" y="6442502"/>
-            <a:ext cx="1486968" cy="415498"/>
-          </a:xfrm>
-          <a:prstGeom prst="rect">
-            <a:avLst/>
-          </a:prstGeom>
-          <a:noFill/>
-        </p:spPr>
-        <p:txBody>
-          <a:bodyPr wrap="square" rtlCol="0">
-            <a:spAutoFit/>
-          </a:bodyPr>
-          <a:lstStyle/>
-          <a:p>
-            <a:r>
-              <a:rPr lang="en-US" sz="1050" dirty="0"/>
-              <a:t>©</a:t>
-            </a:r>
-            <a:r>
-              <a:rPr lang="en-US" sz="1050" dirty="0" err="1"/>
-              <a:t>Kampioenen</a:t>
-            </a:r>
-            <a:r>
-              <a:rPr lang="en-US" sz="1050" dirty="0"/>
-              <a:t> 2014</a:t>
-            </a:r>
-            <a:endParaRPr lang="en-US" sz="1100" dirty="0"/>
-          </a:p>
-          <a:p>
-            <a:endParaRPr lang="nl-NL" sz="1050" dirty="0"/>
+              <a:rPr lang="en-US" dirty="0" smtClean="0"/>
+              <a:t>Arduino</a:t>
+            </a:r>
+          </a:p>
+          <a:p>
+            <a:r>
+              <a:rPr lang="en-US" dirty="0" smtClean="0"/>
+              <a:t>RFID reader/writer</a:t>
+            </a:r>
+          </a:p>
+          <a:p>
+            <a:r>
+              <a:rPr lang="en-US" dirty="0" smtClean="0"/>
+              <a:t>Software </a:t>
+            </a:r>
+            <a:r>
+              <a:rPr lang="en-US" dirty="0" err="1" smtClean="0"/>
+              <a:t>voor</a:t>
+            </a:r>
+            <a:r>
+              <a:rPr lang="en-US" dirty="0" smtClean="0"/>
+              <a:t> Arduino</a:t>
+            </a:r>
+          </a:p>
+          <a:p>
+            <a:r>
+              <a:rPr lang="en-US" dirty="0" smtClean="0"/>
+              <a:t>Python</a:t>
+            </a:r>
+          </a:p>
+          <a:p>
+            <a:r>
+              <a:rPr lang="en-US" smtClean="0"/>
+              <a:t>SQlite3</a:t>
+            </a:r>
+            <a:endParaRPr lang="en-US" dirty="0" smtClean="0"/>
           </a:p>
         </p:txBody>
       </p:sp>
     </p:spTree>
     <p:extLst>
       <p:ext uri="{BB962C8B-B14F-4D97-AF65-F5344CB8AC3E}">
-        <p14:creationId xmlns:p14="http://schemas.microsoft.com/office/powerpoint/2010/main" val="2560782880"/>
+        <p14:creationId xmlns:p14="http://schemas.microsoft.com/office/powerpoint/2010/main" val="239992434"/>
       </p:ext>
     </p:extLst>
   </p:cSld>
   <p:clrMapOvr>
     <a:masterClrMapping/>
   </p:clrMapOvr>
-  <p:timing>
-    <p:tnLst>
-      <p:par>
-        <p:cTn id="1" dur="indefinite" restart="never" nodeType="tmRoot"/>
-      </p:par>
-    </p:tnLst>
-  </p:timing>
 </p:sld>
 </file>
 
@@ -5062,16 +5238,16 @@
           <a:lstStyle/>
           <a:p>
             <a:r>
-              <a:rPr lang="en-US" dirty="0" err="1" smtClean="0"/>
-              <a:t>Additionele</a:t>
-            </a:r>
-            <a:r>
-              <a:rPr lang="en-US" dirty="0" smtClean="0"/>
-              <a:t> </a:t>
-            </a:r>
-            <a:r>
-              <a:rPr lang="en-US" dirty="0" err="1" smtClean="0"/>
-              <a:t>eisen</a:t>
+              <a:rPr lang="en-US" dirty="0" smtClean="0"/>
+              <a:t>Project </a:t>
+            </a:r>
+            <a:r>
+              <a:rPr lang="en-US" dirty="0" err="1"/>
+              <a:t>e</a:t>
+            </a:r>
+            <a:r>
+              <a:rPr lang="en-US" dirty="0" err="1" smtClean="0"/>
+              <a:t>isen</a:t>
             </a:r>
             <a:endParaRPr lang="en-US" dirty="0"/>
           </a:p>
@@ -5093,107 +5269,81 @@
           <a:lstStyle/>
           <a:p>
             <a:r>
-              <a:rPr lang="en-US" dirty="0" err="1" smtClean="0"/>
-              <a:t>Meerdere</a:t>
-            </a:r>
-            <a:r>
-              <a:rPr lang="en-US" dirty="0" smtClean="0"/>
-              <a:t> users</a:t>
-            </a:r>
-          </a:p>
-          <a:p>
-            <a:r>
-              <a:rPr lang="en-US" dirty="0" err="1" smtClean="0"/>
-              <a:t>Meerdere</a:t>
-            </a:r>
-            <a:r>
-              <a:rPr lang="en-US" dirty="0" smtClean="0"/>
-              <a:t> </a:t>
-            </a:r>
-            <a:r>
-              <a:rPr lang="en-US" dirty="0" err="1" smtClean="0"/>
-              <a:t>lagen</a:t>
-            </a:r>
-            <a:r>
-              <a:rPr lang="en-US" dirty="0" smtClean="0"/>
-              <a:t> van </a:t>
-            </a:r>
-            <a:r>
-              <a:rPr lang="en-US" dirty="0" err="1" smtClean="0"/>
-              <a:t>autoriteiten</a:t>
-            </a:r>
-            <a:endParaRPr lang="en-US" dirty="0" smtClean="0"/>
-          </a:p>
-          <a:p>
-            <a:r>
-              <a:rPr lang="en-US" dirty="0" err="1" smtClean="0"/>
-              <a:t>Meerdere</a:t>
-            </a:r>
-            <a:r>
-              <a:rPr lang="en-US" dirty="0" smtClean="0"/>
-              <a:t> </a:t>
-            </a:r>
-            <a:r>
-              <a:rPr lang="en-US" dirty="0" err="1" smtClean="0"/>
-              <a:t>kamers</a:t>
-            </a:r>
-            <a:endParaRPr lang="en-US" dirty="0" smtClean="0"/>
-          </a:p>
-          <a:p>
-            <a:r>
-              <a:rPr lang="en-US" dirty="0" smtClean="0"/>
-              <a:t>Emergency knop</a:t>
-            </a:r>
-          </a:p>
-          <a:p>
-            <a:r>
-              <a:rPr lang="en-US" dirty="0" err="1" smtClean="0"/>
-              <a:t>Een</a:t>
-            </a:r>
-            <a:r>
-              <a:rPr lang="en-US" dirty="0" smtClean="0"/>
-              <a:t> log van </a:t>
-            </a:r>
-            <a:r>
-              <a:rPr lang="en-US" dirty="0" err="1" smtClean="0"/>
-              <a:t>wie</a:t>
-            </a:r>
-            <a:r>
-              <a:rPr lang="en-US" dirty="0" smtClean="0"/>
-              <a:t> </a:t>
-            </a:r>
-            <a:r>
-              <a:rPr lang="en-US" dirty="0" err="1" smtClean="0"/>
-              <a:t>wanneer</a:t>
-            </a:r>
-            <a:r>
-              <a:rPr lang="en-US" dirty="0" smtClean="0"/>
-              <a:t> </a:t>
-            </a:r>
-            <a:r>
-              <a:rPr lang="en-US" dirty="0" err="1" smtClean="0"/>
-              <a:t>een</a:t>
-            </a:r>
-            <a:r>
-              <a:rPr lang="en-US" dirty="0" smtClean="0"/>
-              <a:t> </a:t>
-            </a:r>
-            <a:r>
-              <a:rPr lang="en-US" dirty="0" err="1" smtClean="0"/>
-              <a:t>kamer</a:t>
-            </a:r>
-            <a:r>
-              <a:rPr lang="en-US" dirty="0" smtClean="0"/>
-              <a:t> in </a:t>
-            </a:r>
-            <a:r>
-              <a:rPr lang="en-US" dirty="0" err="1" smtClean="0"/>
-              <a:t>gaat</a:t>
-            </a:r>
-            <a:endParaRPr lang="en-US" dirty="0" smtClean="0"/>
-          </a:p>
-          <a:p>
-            <a:endParaRPr lang="en-US" dirty="0" smtClean="0"/>
+              <a:rPr lang="nl-NL" dirty="0" smtClean="0"/>
+              <a:t>RFID-tags </a:t>
+            </a:r>
+            <a:r>
+              <a:rPr lang="nl-NL" dirty="0"/>
+              <a:t>kunnen </a:t>
+            </a:r>
+            <a:r>
+              <a:rPr lang="nl-NL" dirty="0" smtClean="0"/>
+              <a:t>uitlezen</a:t>
+            </a:r>
+          </a:p>
+          <a:p>
+            <a:r>
+              <a:rPr lang="nl-NL" dirty="0" smtClean="0"/>
+              <a:t>Het ID </a:t>
+            </a:r>
+            <a:r>
+              <a:rPr lang="nl-NL" dirty="0"/>
+              <a:t>van een RFID-tag beveiligd naar een computer kunnen </a:t>
+            </a:r>
+            <a:r>
+              <a:rPr lang="nl-NL" dirty="0" smtClean="0"/>
+              <a:t>versturen</a:t>
+            </a:r>
+            <a:endParaRPr lang="nl-NL" dirty="0"/>
+          </a:p>
+          <a:p>
+            <a:r>
+              <a:rPr lang="nl-NL" dirty="0" smtClean="0"/>
+              <a:t>ID </a:t>
+            </a:r>
+            <a:r>
+              <a:rPr lang="nl-NL" dirty="0"/>
+              <a:t>van een RFID-tag kunnen vergelijken met opgeslagen </a:t>
+            </a:r>
+            <a:r>
+              <a:rPr lang="nl-NL" dirty="0" smtClean="0"/>
+              <a:t>User IDs </a:t>
+            </a:r>
+            <a:r>
+              <a:rPr lang="nl-NL" dirty="0"/>
+              <a:t>in een database om te </a:t>
+            </a:r>
+            <a:r>
+              <a:rPr lang="nl-NL" dirty="0" smtClean="0"/>
+              <a:t>bepalen </a:t>
+            </a:r>
+            <a:r>
+              <a:rPr lang="nl-NL" dirty="0"/>
+              <a:t>of deze geautoriseerd </a:t>
+            </a:r>
+            <a:r>
+              <a:rPr lang="nl-NL" dirty="0" smtClean="0"/>
+              <a:t>is</a:t>
+            </a:r>
+            <a:endParaRPr lang="nl-NL" dirty="0"/>
+          </a:p>
+          <a:p>
+            <a:r>
+              <a:rPr lang="nl-NL" dirty="0" smtClean="0"/>
+              <a:t>de User ID </a:t>
+            </a:r>
+            <a:r>
+              <a:rPr lang="nl-NL" dirty="0"/>
+              <a:t>van een RFID-tag opslaan in of verwijderen uit de </a:t>
+            </a:r>
+            <a:r>
+              <a:rPr lang="nl-NL" dirty="0" smtClean="0"/>
+              <a:t>database</a:t>
+            </a:r>
+            <a:endParaRPr lang="nl-NL" dirty="0"/>
+          </a:p>
+          <a:p>
+            <a:endParaRPr lang="en-US" dirty="0"/>
           </a:p>
         </p:txBody>
       </p:sp>
@@ -5241,20 +5391,13 @@
     </p:spTree>
     <p:extLst>
       <p:ext uri="{BB962C8B-B14F-4D97-AF65-F5344CB8AC3E}">
-        <p14:creationId xmlns:p14="http://schemas.microsoft.com/office/powerpoint/2010/main" val="930118598"/>
+        <p14:creationId xmlns:p14="http://schemas.microsoft.com/office/powerpoint/2010/main" val="2560782880"/>
       </p:ext>
     </p:extLst>
   </p:cSld>
   <p:clrMapOvr>
     <a:masterClrMapping/>
   </p:clrMapOvr>
-  <p:timing>
-    <p:tnLst>
-      <p:par>
-        <p:cTn id="1" dur="indefinite" restart="never" nodeType="tmRoot"/>
-      </p:par>
-    </p:tnLst>
-  </p:timing>
 </p:sld>
 </file>
 
@@ -5292,7 +5435,241 @@
           <a:p>
             <a:r>
               <a:rPr lang="en-US" dirty="0" err="1" smtClean="0"/>
-              <a:t>Beveiliging</a:t>
+              <a:t>Additionele</a:t>
+            </a:r>
+            <a:r>
+              <a:rPr lang="en-US" dirty="0" smtClean="0"/>
+              <a:t> </a:t>
+            </a:r>
+            <a:r>
+              <a:rPr lang="en-US" dirty="0" err="1" smtClean="0"/>
+              <a:t>eisen</a:t>
+            </a:r>
+            <a:endParaRPr lang="en-US" dirty="0"/>
+          </a:p>
+        </p:txBody>
+      </p:sp>
+      <p:sp>
+        <p:nvSpPr>
+          <p:cNvPr id="3" name="Content Placeholder 2"/>
+          <p:cNvSpPr>
+            <a:spLocks noGrp="1"/>
+          </p:cNvSpPr>
+          <p:nvPr>
+            <p:ph idx="1"/>
+          </p:nvPr>
+        </p:nvSpPr>
+        <p:spPr/>
+        <p:txBody>
+          <a:bodyPr/>
+          <a:lstStyle/>
+          <a:p>
+            <a:r>
+              <a:rPr lang="en-US" dirty="0" err="1" smtClean="0"/>
+              <a:t>Meerdere</a:t>
+            </a:r>
+            <a:r>
+              <a:rPr lang="en-US" dirty="0" smtClean="0"/>
+              <a:t> users</a:t>
+            </a:r>
+          </a:p>
+          <a:p>
+            <a:r>
+              <a:rPr lang="en-US" dirty="0" err="1" smtClean="0"/>
+              <a:t>Meerdere</a:t>
+            </a:r>
+            <a:r>
+              <a:rPr lang="en-US" dirty="0" smtClean="0"/>
+              <a:t> </a:t>
+            </a:r>
+            <a:r>
+              <a:rPr lang="en-US" dirty="0" err="1" smtClean="0"/>
+              <a:t>lagen</a:t>
+            </a:r>
+            <a:r>
+              <a:rPr lang="en-US" dirty="0" smtClean="0"/>
+              <a:t> van </a:t>
+            </a:r>
+            <a:r>
+              <a:rPr lang="en-US" dirty="0" err="1" smtClean="0"/>
+              <a:t>autoriteiten</a:t>
+            </a:r>
+            <a:endParaRPr lang="en-US" dirty="0" smtClean="0"/>
+          </a:p>
+          <a:p>
+            <a:r>
+              <a:rPr lang="en-US" dirty="0" err="1" smtClean="0"/>
+              <a:t>Meerdere</a:t>
+            </a:r>
+            <a:r>
+              <a:rPr lang="en-US" dirty="0" smtClean="0"/>
+              <a:t> </a:t>
+            </a:r>
+            <a:r>
+              <a:rPr lang="en-US" dirty="0" err="1" smtClean="0"/>
+              <a:t>kamers</a:t>
+            </a:r>
+            <a:endParaRPr lang="en-US" dirty="0" smtClean="0"/>
+          </a:p>
+          <a:p>
+            <a:r>
+              <a:rPr lang="en-US" dirty="0" smtClean="0"/>
+              <a:t>Emergency knop</a:t>
+            </a:r>
+          </a:p>
+          <a:p>
+            <a:r>
+              <a:rPr lang="en-US" dirty="0" err="1" smtClean="0"/>
+              <a:t>Een</a:t>
+            </a:r>
+            <a:r>
+              <a:rPr lang="en-US" dirty="0" smtClean="0"/>
+              <a:t> log van </a:t>
+            </a:r>
+            <a:r>
+              <a:rPr lang="en-US" dirty="0" err="1" smtClean="0"/>
+              <a:t>wie</a:t>
+            </a:r>
+            <a:r>
+              <a:rPr lang="en-US" dirty="0" smtClean="0"/>
+              <a:t> </a:t>
+            </a:r>
+            <a:r>
+              <a:rPr lang="en-US" dirty="0" err="1" smtClean="0"/>
+              <a:t>wanneer</a:t>
+            </a:r>
+            <a:r>
+              <a:rPr lang="en-US" dirty="0" smtClean="0"/>
+              <a:t> </a:t>
+            </a:r>
+            <a:r>
+              <a:rPr lang="en-US" dirty="0" err="1" smtClean="0"/>
+              <a:t>een</a:t>
+            </a:r>
+            <a:r>
+              <a:rPr lang="en-US" dirty="0" smtClean="0"/>
+              <a:t> </a:t>
+            </a:r>
+            <a:r>
+              <a:rPr lang="en-US" dirty="0" err="1" smtClean="0"/>
+              <a:t>kamer</a:t>
+            </a:r>
+            <a:r>
+              <a:rPr lang="en-US" dirty="0" smtClean="0"/>
+              <a:t> in </a:t>
+            </a:r>
+            <a:r>
+              <a:rPr lang="en-US" dirty="0" err="1" smtClean="0"/>
+              <a:t>gaat</a:t>
+            </a:r>
+            <a:endParaRPr lang="en-US" dirty="0" smtClean="0"/>
+          </a:p>
+          <a:p>
+            <a:endParaRPr lang="en-US" dirty="0" smtClean="0"/>
+          </a:p>
+        </p:txBody>
+      </p:sp>
+      <p:sp>
+        <p:nvSpPr>
+          <p:cNvPr id="4" name="TextBox 3"/>
+          <p:cNvSpPr txBox="1"/>
+          <p:nvPr/>
+        </p:nvSpPr>
+        <p:spPr>
+          <a:xfrm>
+            <a:off x="10630969" y="6442502"/>
+            <a:ext cx="1486968" cy="415498"/>
+          </a:xfrm>
+          <a:prstGeom prst="rect">
+            <a:avLst/>
+          </a:prstGeom>
+          <a:noFill/>
+        </p:spPr>
+        <p:txBody>
+          <a:bodyPr wrap="square" rtlCol="0">
+            <a:spAutoFit/>
+          </a:bodyPr>
+          <a:lstStyle/>
+          <a:p>
+            <a:r>
+              <a:rPr lang="en-US" sz="1050" dirty="0"/>
+              <a:t>©</a:t>
+            </a:r>
+            <a:r>
+              <a:rPr lang="en-US" sz="1050" dirty="0" err="1"/>
+              <a:t>Kampioenen</a:t>
+            </a:r>
+            <a:r>
+              <a:rPr lang="en-US" sz="1050" dirty="0"/>
+              <a:t> 2014</a:t>
+            </a:r>
+            <a:endParaRPr lang="en-US" sz="1100" dirty="0"/>
+          </a:p>
+          <a:p>
+            <a:endParaRPr lang="nl-NL" sz="1050" dirty="0"/>
+          </a:p>
+        </p:txBody>
+      </p:sp>
+    </p:spTree>
+    <p:extLst>
+      <p:ext uri="{BB962C8B-B14F-4D97-AF65-F5344CB8AC3E}">
+        <p14:creationId xmlns:p14="http://schemas.microsoft.com/office/powerpoint/2010/main" val="930118598"/>
+      </p:ext>
+    </p:extLst>
+  </p:cSld>
+  <p:clrMapOvr>
+    <a:masterClrMapping/>
+  </p:clrMapOvr>
+</p:sld>
+</file>
+
+<file path=ppt/slides/slide7.xml><?xml version="1.0" encoding="utf-8"?>
+<p:sld xmlns:a="http://schemas.openxmlformats.org/drawingml/2006/main" xmlns:r="http://schemas.openxmlformats.org/officeDocument/2006/relationships" xmlns:p="http://schemas.openxmlformats.org/presentationml/2006/main">
+  <p:cSld>
+    <p:spTree>
+      <p:nvGrpSpPr>
+        <p:cNvPr id="1" name=""/>
+        <p:cNvGrpSpPr/>
+        <p:nvPr/>
+      </p:nvGrpSpPr>
+      <p:grpSpPr>
+        <a:xfrm>
+          <a:off x="0" y="0"/>
+          <a:ext cx="0" cy="0"/>
+          <a:chOff x="0" y="0"/>
+          <a:chExt cx="0" cy="0"/>
+        </a:xfrm>
+      </p:grpSpPr>
+      <p:sp>
+        <p:nvSpPr>
+          <p:cNvPr id="2" name="Title 1"/>
+          <p:cNvSpPr>
+            <a:spLocks noGrp="1"/>
+          </p:cNvSpPr>
+          <p:nvPr>
+            <p:ph type="title"/>
+          </p:nvPr>
+        </p:nvSpPr>
+        <p:spPr/>
+        <p:txBody>
+          <a:bodyPr/>
+          <a:lstStyle/>
+          <a:p>
+            <a:r>
+              <a:rPr lang="en-US" dirty="0" err="1" smtClean="0"/>
+              <a:t>Werking</a:t>
+            </a:r>
+            <a:r>
+              <a:rPr lang="en-US" dirty="0" smtClean="0"/>
+              <a:t> </a:t>
+            </a:r>
+            <a:r>
+              <a:rPr lang="en-US" dirty="0" err="1"/>
+              <a:t>b</a:t>
+            </a:r>
+            <a:r>
+              <a:rPr lang="en-US" dirty="0" err="1" smtClean="0"/>
+              <a:t>eveiliging</a:t>
             </a:r>
             <a:endParaRPr lang="en-US" dirty="0"/>
           </a:p>
@@ -5507,433 +5884,6 @@
     <p:extLst>
       <p:ext uri="{BB962C8B-B14F-4D97-AF65-F5344CB8AC3E}">
         <p14:creationId xmlns:p14="http://schemas.microsoft.com/office/powerpoint/2010/main" val="2584724382"/>
-      </p:ext>
-    </p:extLst>
-  </p:cSld>
-  <p:clrMapOvr>
-    <a:masterClrMapping/>
-  </p:clrMapOvr>
-  <p:timing>
-    <p:tnLst>
-      <p:par>
-        <p:cTn id="1" dur="indefinite" restart="never" nodeType="tmRoot"/>
-      </p:par>
-    </p:tnLst>
-  </p:timing>
-</p:sld>
-</file>
-
-<file path=ppt/slides/slide7.xml><?xml version="1.0" encoding="utf-8"?>
-<p:sld xmlns:a="http://schemas.openxmlformats.org/drawingml/2006/main" xmlns:r="http://schemas.openxmlformats.org/officeDocument/2006/relationships" xmlns:p="http://schemas.openxmlformats.org/presentationml/2006/main">
-  <p:cSld>
-    <p:spTree>
-      <p:nvGrpSpPr>
-        <p:cNvPr id="1" name=""/>
-        <p:cNvGrpSpPr/>
-        <p:nvPr/>
-      </p:nvGrpSpPr>
-      <p:grpSpPr>
-        <a:xfrm>
-          <a:off x="0" y="0"/>
-          <a:ext cx="0" cy="0"/>
-          <a:chOff x="0" y="0"/>
-          <a:chExt cx="0" cy="0"/>
-        </a:xfrm>
-      </p:grpSpPr>
-      <p:sp>
-        <p:nvSpPr>
-          <p:cNvPr id="2" name="Title 1"/>
-          <p:cNvSpPr>
-            <a:spLocks noGrp="1"/>
-          </p:cNvSpPr>
-          <p:nvPr>
-            <p:ph type="title"/>
-          </p:nvPr>
-        </p:nvSpPr>
-        <p:spPr/>
-        <p:txBody>
-          <a:bodyPr/>
-          <a:lstStyle/>
-          <a:p>
-            <a:r>
-              <a:rPr lang="en-GB" dirty="0" err="1" smtClean="0"/>
-              <a:t>Gaten</a:t>
-            </a:r>
-            <a:r>
-              <a:rPr lang="en-GB" dirty="0" smtClean="0"/>
-              <a:t> in de </a:t>
-            </a:r>
-            <a:r>
-              <a:rPr lang="en-GB" dirty="0" err="1" smtClean="0"/>
-              <a:t>beveiliging</a:t>
-            </a:r>
-            <a:endParaRPr lang="nl-NL" dirty="0"/>
-          </a:p>
-        </p:txBody>
-      </p:sp>
-      <p:sp>
-        <p:nvSpPr>
-          <p:cNvPr id="3" name="Content Placeholder 2"/>
-          <p:cNvSpPr>
-            <a:spLocks noGrp="1"/>
-          </p:cNvSpPr>
-          <p:nvPr>
-            <p:ph idx="1"/>
-          </p:nvPr>
-        </p:nvSpPr>
-        <p:spPr/>
-        <p:txBody>
-          <a:bodyPr/>
-          <a:lstStyle/>
-          <a:p>
-            <a:r>
-              <a:rPr lang="en-GB" dirty="0" err="1" smtClean="0"/>
-              <a:t>Wanneer</a:t>
-            </a:r>
-            <a:r>
-              <a:rPr lang="en-GB" dirty="0" smtClean="0"/>
-              <a:t> de Arduino </a:t>
-            </a:r>
-            <a:r>
-              <a:rPr lang="en-GB" dirty="0" err="1" smtClean="0"/>
-              <a:t>gehackt</a:t>
-            </a:r>
-            <a:r>
-              <a:rPr lang="en-GB" dirty="0" smtClean="0"/>
-              <a:t> </a:t>
-            </a:r>
-            <a:r>
-              <a:rPr lang="en-GB" dirty="0" err="1" smtClean="0"/>
-              <a:t>wordt</a:t>
-            </a:r>
-            <a:r>
-              <a:rPr lang="en-GB" dirty="0" smtClean="0"/>
-              <a:t>, </a:t>
-            </a:r>
-            <a:r>
-              <a:rPr lang="en-GB" dirty="0" err="1" smtClean="0"/>
-              <a:t>kan</a:t>
-            </a:r>
-            <a:r>
-              <a:rPr lang="en-GB" dirty="0" smtClean="0"/>
-              <a:t> de hacker de </a:t>
-            </a:r>
-            <a:r>
-              <a:rPr lang="en-GB" dirty="0" err="1" smtClean="0"/>
-              <a:t>versleuteling</a:t>
-            </a:r>
-            <a:r>
-              <a:rPr lang="en-GB" dirty="0" smtClean="0"/>
-              <a:t> </a:t>
-            </a:r>
-            <a:r>
-              <a:rPr lang="en-GB" dirty="0" err="1" smtClean="0"/>
-              <a:t>inzien</a:t>
-            </a:r>
-            <a:r>
-              <a:rPr lang="en-GB" dirty="0" smtClean="0"/>
-              <a:t> </a:t>
-            </a:r>
-            <a:r>
-              <a:rPr lang="en-GB" dirty="0" err="1" smtClean="0"/>
-              <a:t>en</a:t>
-            </a:r>
-            <a:r>
-              <a:rPr lang="en-GB" dirty="0" smtClean="0"/>
-              <a:t> </a:t>
-            </a:r>
-            <a:r>
-              <a:rPr lang="en-GB" dirty="0" err="1" smtClean="0"/>
-              <a:t>zo</a:t>
-            </a:r>
-            <a:r>
-              <a:rPr lang="en-GB" dirty="0" smtClean="0"/>
-              <a:t> </a:t>
-            </a:r>
-            <a:r>
-              <a:rPr lang="en-GB" dirty="0" err="1" smtClean="0"/>
-              <a:t>alle</a:t>
-            </a:r>
-            <a:r>
-              <a:rPr lang="en-GB" dirty="0" smtClean="0"/>
-              <a:t> </a:t>
-            </a:r>
-            <a:r>
-              <a:rPr lang="en-GB" dirty="0" err="1" smtClean="0"/>
-              <a:t>gewenste</a:t>
-            </a:r>
-            <a:r>
-              <a:rPr lang="en-GB" dirty="0" smtClean="0"/>
-              <a:t> </a:t>
-            </a:r>
-            <a:r>
-              <a:rPr lang="en-GB" dirty="0" err="1" smtClean="0"/>
-              <a:t>deuren</a:t>
-            </a:r>
-            <a:r>
-              <a:rPr lang="en-GB" dirty="0" smtClean="0"/>
-              <a:t> </a:t>
-            </a:r>
-            <a:r>
-              <a:rPr lang="en-GB" dirty="0" err="1" smtClean="0"/>
-              <a:t>openen</a:t>
-            </a:r>
-            <a:r>
-              <a:rPr lang="en-GB" dirty="0" smtClean="0"/>
-              <a:t>.</a:t>
-            </a:r>
-          </a:p>
-          <a:p>
-            <a:r>
-              <a:rPr lang="en-GB" dirty="0" err="1" smtClean="0"/>
-              <a:t>Wanneer</a:t>
-            </a:r>
-            <a:r>
-              <a:rPr lang="en-GB" dirty="0" smtClean="0"/>
-              <a:t> het </a:t>
-            </a:r>
-            <a:r>
-              <a:rPr lang="en-GB" dirty="0" err="1" smtClean="0"/>
-              <a:t>programma</a:t>
-            </a:r>
-            <a:r>
-              <a:rPr lang="en-GB" dirty="0" smtClean="0"/>
-              <a:t> </a:t>
-            </a:r>
-            <a:r>
-              <a:rPr lang="en-GB" dirty="0" err="1" smtClean="0"/>
-              <a:t>zelf</a:t>
-            </a:r>
-            <a:r>
-              <a:rPr lang="en-GB" dirty="0" smtClean="0"/>
-              <a:t> </a:t>
-            </a:r>
-            <a:r>
-              <a:rPr lang="en-GB" dirty="0" err="1" smtClean="0"/>
-              <a:t>gehackt</a:t>
-            </a:r>
-            <a:r>
-              <a:rPr lang="en-GB" dirty="0" smtClean="0"/>
-              <a:t> </a:t>
-            </a:r>
-            <a:r>
-              <a:rPr lang="en-GB" dirty="0" err="1" smtClean="0"/>
-              <a:t>wordt</a:t>
-            </a:r>
-            <a:r>
-              <a:rPr lang="en-GB" dirty="0" smtClean="0"/>
-              <a:t>, </a:t>
-            </a:r>
-            <a:r>
-              <a:rPr lang="en-GB" dirty="0" err="1" smtClean="0"/>
-              <a:t>kan</a:t>
-            </a:r>
-            <a:r>
-              <a:rPr lang="en-GB" dirty="0" smtClean="0"/>
-              <a:t> de hacker </a:t>
-            </a:r>
-            <a:r>
-              <a:rPr lang="en-GB" dirty="0" err="1" smtClean="0"/>
-              <a:t>dat</a:t>
-            </a:r>
-            <a:r>
-              <a:rPr lang="en-GB" dirty="0" smtClean="0"/>
-              <a:t> </a:t>
-            </a:r>
-            <a:r>
-              <a:rPr lang="en-GB" dirty="0" err="1" smtClean="0"/>
-              <a:t>ook</a:t>
-            </a:r>
-            <a:r>
-              <a:rPr lang="en-GB" dirty="0" smtClean="0"/>
-              <a:t>, </a:t>
-            </a:r>
-            <a:r>
-              <a:rPr lang="en-GB" dirty="0" err="1" smtClean="0"/>
-              <a:t>tevens</a:t>
-            </a:r>
-            <a:r>
-              <a:rPr lang="en-GB" dirty="0" smtClean="0"/>
-              <a:t> </a:t>
-            </a:r>
-            <a:r>
-              <a:rPr lang="en-GB" dirty="0" err="1" smtClean="0"/>
-              <a:t>kan</a:t>
-            </a:r>
-            <a:r>
-              <a:rPr lang="en-GB" dirty="0" smtClean="0"/>
-              <a:t> </a:t>
-            </a:r>
-            <a:r>
-              <a:rPr lang="en-GB" dirty="0" err="1" smtClean="0"/>
-              <a:t>hij</a:t>
-            </a:r>
-            <a:r>
-              <a:rPr lang="en-GB" dirty="0" smtClean="0"/>
-              <a:t> user </a:t>
-            </a:r>
-            <a:r>
-              <a:rPr lang="en-GB" dirty="0" err="1" smtClean="0"/>
-              <a:t>aanmaken</a:t>
-            </a:r>
-            <a:r>
-              <a:rPr lang="en-GB" dirty="0" smtClean="0"/>
-              <a:t>, </a:t>
-            </a:r>
-            <a:r>
-              <a:rPr lang="en-GB" dirty="0" err="1" smtClean="0"/>
-              <a:t>verwijderen</a:t>
-            </a:r>
-            <a:r>
-              <a:rPr lang="en-GB" dirty="0" smtClean="0"/>
-              <a:t> etc.</a:t>
-            </a:r>
-          </a:p>
-          <a:p>
-            <a:r>
-              <a:rPr lang="en-GB" dirty="0" err="1" smtClean="0"/>
-              <a:t>Wanneer</a:t>
-            </a:r>
-            <a:r>
-              <a:rPr lang="en-GB" dirty="0" smtClean="0"/>
-              <a:t> </a:t>
-            </a:r>
-            <a:r>
-              <a:rPr lang="en-GB" dirty="0" err="1" smtClean="0"/>
-              <a:t>een</a:t>
-            </a:r>
-            <a:r>
-              <a:rPr lang="en-GB" dirty="0" smtClean="0"/>
-              <a:t> </a:t>
-            </a:r>
-            <a:r>
-              <a:rPr lang="en-GB" dirty="0" err="1" smtClean="0"/>
-              <a:t>pasje</a:t>
-            </a:r>
-            <a:r>
-              <a:rPr lang="en-GB" dirty="0" smtClean="0"/>
-              <a:t> </a:t>
-            </a:r>
-            <a:r>
-              <a:rPr lang="en-GB" dirty="0" err="1" smtClean="0"/>
-              <a:t>gekopieerd</a:t>
-            </a:r>
-            <a:r>
-              <a:rPr lang="en-GB" dirty="0" smtClean="0"/>
-              <a:t> </a:t>
-            </a:r>
-            <a:r>
-              <a:rPr lang="en-GB" dirty="0" err="1" smtClean="0"/>
-              <a:t>wordt</a:t>
-            </a:r>
-            <a:r>
-              <a:rPr lang="en-GB" dirty="0" smtClean="0"/>
-              <a:t>, is </a:t>
-            </a:r>
-            <a:r>
-              <a:rPr lang="en-GB" dirty="0" err="1" smtClean="0"/>
-              <a:t>dit</a:t>
-            </a:r>
-            <a:r>
-              <a:rPr lang="en-GB" dirty="0" smtClean="0"/>
-              <a:t> </a:t>
-            </a:r>
-            <a:r>
-              <a:rPr lang="en-GB" dirty="0" err="1" smtClean="0"/>
-              <a:t>niet</a:t>
-            </a:r>
-            <a:r>
-              <a:rPr lang="en-GB" dirty="0" smtClean="0"/>
-              <a:t> </a:t>
-            </a:r>
-            <a:r>
-              <a:rPr lang="en-GB" dirty="0" err="1" smtClean="0"/>
-              <a:t>te</a:t>
-            </a:r>
-            <a:r>
-              <a:rPr lang="en-GB" dirty="0" smtClean="0"/>
-              <a:t> </a:t>
-            </a:r>
-            <a:r>
-              <a:rPr lang="en-GB" dirty="0" err="1" smtClean="0"/>
-              <a:t>achterhalen</a:t>
-            </a:r>
-            <a:r>
-              <a:rPr lang="en-GB" dirty="0"/>
-              <a:t> </a:t>
-            </a:r>
-            <a:r>
-              <a:rPr lang="en-GB" dirty="0" err="1" smtClean="0"/>
-              <a:t>en</a:t>
-            </a:r>
-            <a:r>
-              <a:rPr lang="en-GB" dirty="0" smtClean="0"/>
-              <a:t> </a:t>
-            </a:r>
-            <a:r>
-              <a:rPr lang="en-GB" dirty="0" err="1" smtClean="0"/>
-              <a:t>kan</a:t>
-            </a:r>
-            <a:r>
-              <a:rPr lang="en-GB" dirty="0" smtClean="0"/>
-              <a:t> </a:t>
-            </a:r>
-            <a:r>
-              <a:rPr lang="en-GB" dirty="0" err="1" smtClean="0"/>
-              <a:t>dit</a:t>
-            </a:r>
-            <a:r>
-              <a:rPr lang="en-GB" dirty="0" smtClean="0"/>
-              <a:t> </a:t>
-            </a:r>
-            <a:r>
-              <a:rPr lang="en-GB" dirty="0" err="1" smtClean="0"/>
-              <a:t>misbruikt</a:t>
-            </a:r>
-            <a:r>
-              <a:rPr lang="en-GB" dirty="0" smtClean="0"/>
-              <a:t> </a:t>
-            </a:r>
-            <a:r>
-              <a:rPr lang="en-GB" dirty="0" err="1" smtClean="0"/>
-              <a:t>worden</a:t>
-            </a:r>
-            <a:r>
-              <a:rPr lang="en-GB" dirty="0" smtClean="0"/>
-              <a:t>, we </a:t>
-            </a:r>
-            <a:r>
-              <a:rPr lang="en-GB" dirty="0" err="1" smtClean="0"/>
-              <a:t>hebben</a:t>
-            </a:r>
-            <a:r>
-              <a:rPr lang="en-GB" dirty="0" smtClean="0"/>
-              <a:t> </a:t>
-            </a:r>
-            <a:r>
-              <a:rPr lang="en-GB" dirty="0" err="1" smtClean="0"/>
-              <a:t>geen</a:t>
-            </a:r>
-            <a:r>
-              <a:rPr lang="en-GB" dirty="0" smtClean="0"/>
-              <a:t> hashes </a:t>
-            </a:r>
-            <a:r>
-              <a:rPr lang="en-GB" dirty="0" err="1" smtClean="0"/>
-              <a:t>geïmplementeerd</a:t>
-            </a:r>
-            <a:r>
-              <a:rPr lang="en-GB" smtClean="0"/>
-              <a:t>.</a:t>
-            </a:r>
-            <a:endParaRPr lang="nl-NL"/>
-          </a:p>
-        </p:txBody>
-      </p:sp>
-    </p:spTree>
-    <p:extLst>
-      <p:ext uri="{BB962C8B-B14F-4D97-AF65-F5344CB8AC3E}">
-        <p14:creationId xmlns:p14="http://schemas.microsoft.com/office/powerpoint/2010/main" val="3307144125"/>
       </p:ext>
     </p:extLst>
   </p:cSld>
@@ -5976,8 +5926,16 @@
           <a:lstStyle/>
           <a:p>
             <a:r>
-              <a:rPr lang="en-US" dirty="0" smtClean="0"/>
-              <a:t>User interface</a:t>
+              <a:rPr lang="en-US" dirty="0" err="1" smtClean="0"/>
+              <a:t>Effectiefheid</a:t>
+            </a:r>
+            <a:r>
+              <a:rPr lang="en-US" dirty="0" smtClean="0"/>
+              <a:t> </a:t>
+            </a:r>
+            <a:r>
+              <a:rPr lang="en-US" dirty="0" err="1" smtClean="0"/>
+              <a:t>beveiliging</a:t>
             </a:r>
             <a:endParaRPr lang="en-US" dirty="0"/>
           </a:p>
@@ -5999,192 +5957,112 @@
           <a:lstStyle/>
           <a:p>
             <a:r>
-              <a:rPr lang="en-US" dirty="0" err="1" smtClean="0"/>
-              <a:t>Duidelijk</a:t>
+              <a:rPr lang="en-US" dirty="0" smtClean="0"/>
+              <a:t>Database </a:t>
+            </a:r>
+            <a:r>
+              <a:rPr lang="en-US" dirty="0" err="1" smtClean="0"/>
+              <a:t>niet</a:t>
+            </a:r>
+            <a:r>
+              <a:rPr lang="en-US" dirty="0" smtClean="0"/>
+              <a:t> </a:t>
+            </a:r>
+            <a:r>
+              <a:rPr lang="en-US" dirty="0" err="1" smtClean="0"/>
+              <a:t>beveiligd</a:t>
             </a:r>
             <a:endParaRPr lang="en-US" dirty="0" smtClean="0"/>
           </a:p>
           <a:p>
             <a:r>
-              <a:rPr lang="en-US" dirty="0" err="1" smtClean="0"/>
-              <a:t>Opties</a:t>
-            </a:r>
-            <a:r>
-              <a:rPr lang="en-US" dirty="0" smtClean="0"/>
-              <a:t> </a:t>
-            </a:r>
-            <a:r>
-              <a:rPr lang="en-US" dirty="0" err="1" smtClean="0"/>
-              <a:t>voor</a:t>
-            </a:r>
-            <a:r>
-              <a:rPr lang="en-US" dirty="0" smtClean="0"/>
-              <a:t>:</a:t>
-            </a:r>
-          </a:p>
-          <a:p>
-            <a:pPr lvl="1"/>
-            <a:r>
-              <a:rPr lang="en-US" dirty="0" err="1" smtClean="0"/>
-              <a:t>Toevoegen</a:t>
-            </a:r>
-            <a:r>
-              <a:rPr lang="en-US" dirty="0" smtClean="0"/>
-              <a:t>/</a:t>
-            </a:r>
-            <a:r>
-              <a:rPr lang="en-US" dirty="0" err="1" smtClean="0"/>
-              <a:t>verwijderen</a:t>
-            </a:r>
-            <a:r>
-              <a:rPr lang="en-US" dirty="0" smtClean="0"/>
-              <a:t> users</a:t>
-            </a:r>
-          </a:p>
-          <a:p>
-            <a:pPr lvl="1"/>
-            <a:r>
-              <a:rPr lang="en-US" dirty="0" err="1" smtClean="0"/>
-              <a:t>Opvragen</a:t>
-            </a:r>
-            <a:r>
-              <a:rPr lang="en-US" dirty="0" smtClean="0"/>
-              <a:t> data users</a:t>
-            </a:r>
-          </a:p>
-          <a:p>
-            <a:pPr lvl="1"/>
-            <a:r>
-              <a:rPr lang="en-US" dirty="0" smtClean="0"/>
-              <a:t>Alarm!</a:t>
-            </a:r>
-          </a:p>
-          <a:p>
-            <a:pPr lvl="1"/>
-            <a:r>
-              <a:rPr lang="en-US" dirty="0" err="1" smtClean="0"/>
-              <a:t>Activeren</a:t>
-            </a:r>
-            <a:r>
-              <a:rPr lang="en-US" dirty="0" smtClean="0"/>
-              <a:t> en </a:t>
-            </a:r>
-            <a:r>
-              <a:rPr lang="en-US" dirty="0" err="1" smtClean="0"/>
-              <a:t>deactiveren</a:t>
-            </a:r>
-            <a:r>
-              <a:rPr lang="en-US" dirty="0" smtClean="0"/>
-              <a:t> (met User ID of met </a:t>
-            </a:r>
-            <a:r>
-              <a:rPr lang="en-US" dirty="0" err="1" smtClean="0"/>
-              <a:t>pasje</a:t>
-            </a:r>
-            <a:r>
-              <a:rPr lang="en-US" dirty="0" smtClean="0"/>
-              <a:t>)</a:t>
-            </a:r>
-          </a:p>
-          <a:p>
-            <a:pPr lvl="1"/>
-            <a:r>
-              <a:rPr lang="en-US" dirty="0" err="1" smtClean="0"/>
-              <a:t>Logbestanden</a:t>
-            </a:r>
-            <a:r>
-              <a:rPr lang="en-US" dirty="0" smtClean="0"/>
-              <a:t> van </a:t>
-            </a:r>
-            <a:r>
-              <a:rPr lang="en-US" dirty="0" err="1" smtClean="0"/>
-              <a:t>openen</a:t>
-            </a:r>
-            <a:r>
-              <a:rPr lang="en-US" dirty="0" smtClean="0"/>
-              <a:t> van </a:t>
-            </a:r>
-            <a:r>
-              <a:rPr lang="en-US" dirty="0" err="1" smtClean="0"/>
-              <a:t>deuren</a:t>
-            </a:r>
-            <a:r>
-              <a:rPr lang="en-US" dirty="0" smtClean="0"/>
-              <a:t> </a:t>
-            </a:r>
-            <a:r>
-              <a:rPr lang="en-US" dirty="0" err="1" smtClean="0"/>
-              <a:t>opvragen</a:t>
+              <a:rPr lang="en-US" dirty="0" smtClean="0"/>
+              <a:t>User interface </a:t>
+            </a:r>
+            <a:r>
+              <a:rPr lang="en-US" dirty="0" err="1" smtClean="0"/>
+              <a:t>wel</a:t>
+            </a:r>
+            <a:r>
+              <a:rPr lang="en-US" dirty="0" smtClean="0"/>
+              <a:t> </a:t>
+            </a:r>
+            <a:r>
+              <a:rPr lang="en-US" dirty="0" err="1" smtClean="0"/>
+              <a:t>beveiligd</a:t>
+            </a:r>
+            <a:r>
+              <a:rPr lang="en-US" dirty="0" smtClean="0"/>
+              <a:t>, maar </a:t>
+            </a:r>
+            <a:r>
+              <a:rPr lang="en-US" dirty="0" err="1" smtClean="0"/>
+              <a:t>zonder</a:t>
+            </a:r>
+            <a:r>
+              <a:rPr lang="en-US" dirty="0" smtClean="0"/>
+              <a:t> </a:t>
+            </a:r>
+            <a:r>
+              <a:rPr lang="en-US" dirty="0" err="1" smtClean="0"/>
+              <a:t>encryptie</a:t>
             </a:r>
             <a:endParaRPr lang="en-US" dirty="0" smtClean="0"/>
           </a:p>
           <a:p>
-            <a:pPr lvl="1"/>
+            <a:r>
+              <a:rPr lang="en-US" dirty="0" err="1" smtClean="0"/>
+              <a:t>Verbinding</a:t>
+            </a:r>
+            <a:r>
+              <a:rPr lang="en-US" dirty="0" smtClean="0"/>
+              <a:t> server-Arduino </a:t>
+            </a:r>
+            <a:r>
+              <a:rPr lang="en-US" dirty="0" err="1" smtClean="0"/>
+              <a:t>niet</a:t>
+            </a:r>
+            <a:r>
+              <a:rPr lang="en-US" dirty="0" smtClean="0"/>
+              <a:t> </a:t>
+            </a:r>
+            <a:r>
+              <a:rPr lang="en-US" dirty="0" err="1" smtClean="0"/>
+              <a:t>zeer</a:t>
+            </a:r>
+            <a:r>
+              <a:rPr lang="en-US" dirty="0" smtClean="0"/>
+              <a:t> </a:t>
+            </a:r>
+            <a:r>
+              <a:rPr lang="en-US" dirty="0" err="1" smtClean="0"/>
+              <a:t>goed</a:t>
+            </a:r>
+            <a:r>
+              <a:rPr lang="en-US" dirty="0" smtClean="0"/>
+              <a:t> </a:t>
+            </a:r>
+            <a:r>
+              <a:rPr lang="en-US" dirty="0" err="1" smtClean="0"/>
+              <a:t>beveiligd</a:t>
+            </a:r>
             <a:endParaRPr lang="en-US" dirty="0" smtClean="0"/>
           </a:p>
           <a:p>
             <a:endParaRPr lang="en-US" dirty="0"/>
-          </a:p>
-        </p:txBody>
-      </p:sp>
-      <p:sp>
-        <p:nvSpPr>
-          <p:cNvPr id="4" name="TextBox 3"/>
-          <p:cNvSpPr txBox="1"/>
-          <p:nvPr/>
-        </p:nvSpPr>
-        <p:spPr>
-          <a:xfrm>
-            <a:off x="10630969" y="6442502"/>
-            <a:ext cx="1486968" cy="415498"/>
-          </a:xfrm>
-          <a:prstGeom prst="rect">
-            <a:avLst/>
-          </a:prstGeom>
-          <a:noFill/>
-        </p:spPr>
-        <p:txBody>
-          <a:bodyPr wrap="square" rtlCol="0">
-            <a:spAutoFit/>
-          </a:bodyPr>
-          <a:lstStyle/>
-          <a:p>
-            <a:r>
-              <a:rPr lang="en-US" sz="1050" dirty="0"/>
-              <a:t>©</a:t>
-            </a:r>
-            <a:r>
-              <a:rPr lang="en-US" sz="1050" dirty="0" err="1"/>
-              <a:t>Kampioenen</a:t>
-            </a:r>
-            <a:r>
-              <a:rPr lang="en-US" sz="1050" dirty="0"/>
-              <a:t> 2014</a:t>
-            </a:r>
-            <a:endParaRPr lang="en-US" sz="1100" dirty="0"/>
-          </a:p>
-          <a:p>
-            <a:endParaRPr lang="nl-NL" sz="1050" dirty="0"/>
           </a:p>
         </p:txBody>
       </p:sp>
     </p:spTree>
     <p:extLst>
       <p:ext uri="{BB962C8B-B14F-4D97-AF65-F5344CB8AC3E}">
-        <p14:creationId xmlns:p14="http://schemas.microsoft.com/office/powerpoint/2010/main" val="2867521908"/>
+        <p14:creationId xmlns:p14="http://schemas.microsoft.com/office/powerpoint/2010/main" val="4253558893"/>
       </p:ext>
     </p:extLst>
   </p:cSld>
   <p:clrMapOvr>
     <a:masterClrMapping/>
   </p:clrMapOvr>
-  <p:timing>
-    <p:tnLst>
-      <p:par>
-        <p:cTn id="1" dur="indefinite" restart="never" nodeType="tmRoot"/>
-      </p:par>
-    </p:tnLst>
-  </p:timing>
 </p:sld>
 </file>
 
@@ -6222,11 +6100,7 @@
           <a:p>
             <a:r>
               <a:rPr lang="en-US" dirty="0" smtClean="0"/>
-              <a:t>Kern van het </a:t>
-            </a:r>
-            <a:r>
-              <a:rPr lang="en-US" dirty="0" err="1" smtClean="0"/>
-              <a:t>systeem</a:t>
+              <a:t>User interface</a:t>
             </a:r>
             <a:endParaRPr lang="en-US" dirty="0"/>
           </a:p>
@@ -6249,23 +6123,33 @@
           <a:p>
             <a:r>
               <a:rPr lang="en-US" dirty="0" err="1" smtClean="0"/>
-              <a:t>Kan</a:t>
-            </a:r>
-            <a:r>
-              <a:rPr lang="en-US" dirty="0" smtClean="0"/>
-              <a:t> </a:t>
-            </a:r>
-            <a:r>
-              <a:rPr lang="en-US" dirty="0" err="1" smtClean="0"/>
-              <a:t>pasjes</a:t>
-            </a:r>
-            <a:r>
-              <a:rPr lang="en-US" dirty="0" smtClean="0"/>
-              <a:t> </a:t>
-            </a:r>
-            <a:r>
-              <a:rPr lang="en-US" dirty="0" err="1" smtClean="0"/>
-              <a:t>activeren</a:t>
+              <a:t>Duidelijk</a:t>
+            </a:r>
+            <a:endParaRPr lang="en-US" dirty="0" smtClean="0"/>
+          </a:p>
+          <a:p>
+            <a:r>
+              <a:rPr lang="en-US" dirty="0" err="1" smtClean="0"/>
+              <a:t>Opties</a:t>
+            </a:r>
+            <a:r>
+              <a:rPr lang="en-US" dirty="0" smtClean="0"/>
+              <a:t> </a:t>
+            </a:r>
+            <a:r>
+              <a:rPr lang="en-US" dirty="0" err="1" smtClean="0"/>
+              <a:t>voor</a:t>
+            </a:r>
+            <a:r>
+              <a:rPr lang="en-US" dirty="0" smtClean="0"/>
+              <a:t>:</a:t>
+            </a:r>
+          </a:p>
+          <a:p>
+            <a:pPr lvl="1"/>
+            <a:r>
+              <a:rPr lang="en-US" dirty="0" err="1" smtClean="0"/>
+              <a:t>Toevoegen</a:t>
             </a:r>
             <a:r>
               <a:rPr lang="en-US" dirty="0" smtClean="0"/>
@@ -6273,106 +6157,109 @@
             </a:r>
             <a:r>
               <a:rPr lang="en-US" dirty="0" err="1" smtClean="0"/>
+              <a:t>verwijderen</a:t>
+            </a:r>
+            <a:r>
+              <a:rPr lang="en-US" dirty="0" smtClean="0"/>
+              <a:t> users</a:t>
+            </a:r>
+          </a:p>
+          <a:p>
+            <a:pPr lvl="1"/>
+            <a:r>
+              <a:rPr lang="en-US" dirty="0" err="1" smtClean="0"/>
+              <a:t>Opvragen</a:t>
+            </a:r>
+            <a:r>
+              <a:rPr lang="en-US" dirty="0" smtClean="0"/>
+              <a:t> data users</a:t>
+            </a:r>
+          </a:p>
+          <a:p>
+            <a:pPr lvl="1"/>
+            <a:r>
+              <a:rPr lang="en-US" dirty="0" smtClean="0"/>
+              <a:t>Alarm!</a:t>
+            </a:r>
+          </a:p>
+          <a:p>
+            <a:pPr lvl="1"/>
+            <a:r>
+              <a:rPr lang="en-US" dirty="0" err="1" smtClean="0"/>
+              <a:t>Activeren</a:t>
+            </a:r>
+            <a:r>
+              <a:rPr lang="en-US" dirty="0" smtClean="0"/>
+              <a:t> en </a:t>
+            </a:r>
+            <a:r>
+              <a:rPr lang="en-US" dirty="0" err="1" smtClean="0"/>
               <a:t>deactiveren</a:t>
             </a:r>
+            <a:r>
+              <a:rPr lang="en-US" dirty="0" smtClean="0"/>
+              <a:t> (met User ID of met </a:t>
+            </a:r>
+            <a:r>
+              <a:rPr lang="en-US" dirty="0" err="1" smtClean="0"/>
+              <a:t>pasje</a:t>
+            </a:r>
+            <a:r>
+              <a:rPr lang="en-US" dirty="0" smtClean="0"/>
+              <a:t>)</a:t>
+            </a:r>
+          </a:p>
+          <a:p>
+            <a:pPr lvl="1"/>
+            <a:r>
+              <a:rPr lang="en-US" dirty="0" err="1" smtClean="0"/>
+              <a:t>Logbestanden</a:t>
+            </a:r>
+            <a:r>
+              <a:rPr lang="en-US" dirty="0" smtClean="0"/>
+              <a:t> van </a:t>
+            </a:r>
+            <a:r>
+              <a:rPr lang="en-US" dirty="0" err="1" smtClean="0"/>
+              <a:t>openen</a:t>
+            </a:r>
+            <a:r>
+              <a:rPr lang="en-US" dirty="0" smtClean="0"/>
+              <a:t> van </a:t>
+            </a:r>
+            <a:r>
+              <a:rPr lang="en-US" dirty="0" err="1" smtClean="0"/>
+              <a:t>deuren</a:t>
+            </a:r>
+            <a:r>
+              <a:rPr lang="en-US" dirty="0" smtClean="0"/>
+              <a:t> </a:t>
+            </a:r>
+            <a:r>
+              <a:rPr lang="en-US" dirty="0" err="1" smtClean="0"/>
+              <a:t>opvragen</a:t>
+            </a:r>
             <a:endParaRPr lang="en-US" dirty="0" smtClean="0"/>
           </a:p>
           <a:p>
-            <a:r>
-              <a:rPr lang="en-US" dirty="0" err="1" smtClean="0"/>
-              <a:t>Kan</a:t>
-            </a:r>
-            <a:r>
-              <a:rPr lang="en-US" dirty="0" smtClean="0"/>
-              <a:t> </a:t>
-            </a:r>
-            <a:r>
-              <a:rPr lang="en-US" dirty="0" err="1" smtClean="0"/>
-              <a:t>pasjes</a:t>
-            </a:r>
-            <a:r>
-              <a:rPr lang="en-US" dirty="0" smtClean="0"/>
-              <a:t> </a:t>
-            </a:r>
-            <a:r>
-              <a:rPr lang="en-US" dirty="0" err="1" smtClean="0"/>
-              <a:t>identificeren</a:t>
-            </a:r>
-            <a:r>
-              <a:rPr lang="en-US" dirty="0" smtClean="0"/>
-              <a:t> en (</a:t>
-            </a:r>
-            <a:r>
-              <a:rPr lang="en-US" dirty="0" err="1" smtClean="0"/>
-              <a:t>geen</a:t>
-            </a:r>
-            <a:r>
-              <a:rPr lang="en-US" dirty="0" smtClean="0"/>
-              <a:t>) </a:t>
-            </a:r>
-            <a:r>
-              <a:rPr lang="en-US" dirty="0" err="1" smtClean="0"/>
-              <a:t>toegang</a:t>
-            </a:r>
-            <a:r>
-              <a:rPr lang="en-US" dirty="0" smtClean="0"/>
-              <a:t> </a:t>
-            </a:r>
-            <a:r>
-              <a:rPr lang="en-US" dirty="0" err="1" smtClean="0"/>
-              <a:t>verlenen</a:t>
+            <a:pPr lvl="1"/>
+            <a:r>
+              <a:rPr lang="en-US" dirty="0" err="1" smtClean="0"/>
+              <a:t>Zoeken</a:t>
+            </a:r>
+            <a:r>
+              <a:rPr lang="en-US" dirty="0" smtClean="0"/>
+              <a:t> </a:t>
+            </a:r>
+            <a:r>
+              <a:rPr lang="en-US" dirty="0" err="1" smtClean="0"/>
+              <a:t>naar</a:t>
+            </a:r>
+            <a:r>
+              <a:rPr lang="en-US" dirty="0" smtClean="0"/>
+              <a:t> users</a:t>
             </a:r>
             <a:endParaRPr lang="en-US" dirty="0" smtClean="0"/>
-          </a:p>
-          <a:p>
-            <a:r>
-              <a:rPr lang="en-US" dirty="0" err="1"/>
-              <a:t>Kan</a:t>
-            </a:r>
-            <a:r>
-              <a:rPr lang="en-US" dirty="0"/>
-              <a:t> </a:t>
-            </a:r>
-            <a:r>
-              <a:rPr lang="en-US" dirty="0" err="1"/>
-              <a:t>pasjes</a:t>
-            </a:r>
-            <a:r>
-              <a:rPr lang="en-US" dirty="0"/>
-              <a:t> </a:t>
-            </a:r>
-            <a:r>
-              <a:rPr lang="en-US" dirty="0" err="1"/>
-              <a:t>toevoegen</a:t>
-            </a:r>
-            <a:r>
-              <a:rPr lang="en-US" dirty="0"/>
-              <a:t> </a:t>
-            </a:r>
-            <a:r>
-              <a:rPr lang="en-US" dirty="0" err="1"/>
-              <a:t>dan</a:t>
-            </a:r>
-            <a:r>
-              <a:rPr lang="en-US" dirty="0"/>
-              <a:t> </a:t>
-            </a:r>
-            <a:r>
-              <a:rPr lang="en-US" dirty="0" err="1"/>
-              <a:t>wel</a:t>
-            </a:r>
-            <a:r>
-              <a:rPr lang="en-US" dirty="0"/>
-              <a:t> </a:t>
-            </a:r>
-            <a:r>
-              <a:rPr lang="en-US" dirty="0" err="1"/>
-              <a:t>verwijderen</a:t>
-            </a:r>
-            <a:r>
-              <a:rPr lang="en-US" dirty="0"/>
-              <a:t> van de database</a:t>
-            </a:r>
           </a:p>
           <a:p>
             <a:endParaRPr lang="en-US" dirty="0"/>
@@ -6423,20 +6310,13 @@
     </p:spTree>
     <p:extLst>
       <p:ext uri="{BB962C8B-B14F-4D97-AF65-F5344CB8AC3E}">
-        <p14:creationId xmlns:p14="http://schemas.microsoft.com/office/powerpoint/2010/main" val="2435106487"/>
+        <p14:creationId xmlns:p14="http://schemas.microsoft.com/office/powerpoint/2010/main" val="2867521908"/>
       </p:ext>
     </p:extLst>
   </p:cSld>
   <p:clrMapOvr>
     <a:masterClrMapping/>
   </p:clrMapOvr>
-  <p:timing>
-    <p:tnLst>
-      <p:par>
-        <p:cTn id="1" dur="indefinite" restart="never" nodeType="tmRoot"/>
-      </p:par>
-    </p:tnLst>
-  </p:timing>
 </p:sld>
 </file>
 

--- a/presentatie/Project beveiligde pasjes.pptx
+++ b/presentatie/Project beveiligde pasjes.pptx
@@ -8,16 +8,15 @@
     <p:sldId id="256" r:id="rId2"/>
     <p:sldId id="258" r:id="rId3"/>
     <p:sldId id="257" r:id="rId4"/>
-    <p:sldId id="268" r:id="rId5"/>
-    <p:sldId id="262" r:id="rId6"/>
-    <p:sldId id="263" r:id="rId7"/>
-    <p:sldId id="264" r:id="rId8"/>
-    <p:sldId id="269" r:id="rId9"/>
-    <p:sldId id="266" r:id="rId10"/>
-    <p:sldId id="260" r:id="rId11"/>
-    <p:sldId id="261" r:id="rId12"/>
-    <p:sldId id="259" r:id="rId13"/>
-    <p:sldId id="267" r:id="rId14"/>
+    <p:sldId id="262" r:id="rId5"/>
+    <p:sldId id="263" r:id="rId6"/>
+    <p:sldId id="264" r:id="rId7"/>
+    <p:sldId id="268" r:id="rId8"/>
+    <p:sldId id="260" r:id="rId9"/>
+    <p:sldId id="261" r:id="rId10"/>
+    <p:sldId id="266" r:id="rId11"/>
+    <p:sldId id="259" r:id="rId12"/>
+    <p:sldId id="267" r:id="rId13"/>
   </p:sldIdLst>
   <p:sldSz cx="12192000" cy="6858000"/>
   <p:notesSz cx="6858000" cy="9144000"/>
@@ -246,7 +245,7 @@
           <a:p>
             <a:fld id="{3FE76D54-7934-4EE1-AFA7-F26B6E4B41C7}" type="datetimeFigureOut">
               <a:rPr lang="en-US" smtClean="0"/>
-              <a:t>10/30/2014</a:t>
+              <a:t>10/31/2014</a:t>
             </a:fld>
             <a:endParaRPr lang="en-US"/>
           </a:p>
@@ -472,7 +471,7 @@
           <a:p>
             <a:fld id="{3FE76D54-7934-4EE1-AFA7-F26B6E4B41C7}" type="datetimeFigureOut">
               <a:rPr lang="en-US" smtClean="0"/>
-              <a:t>10/30/2014</a:t>
+              <a:t>10/31/2014</a:t>
             </a:fld>
             <a:endParaRPr lang="en-US"/>
           </a:p>
@@ -647,7 +646,7 @@
           <a:p>
             <a:fld id="{3FE76D54-7934-4EE1-AFA7-F26B6E4B41C7}" type="datetimeFigureOut">
               <a:rPr lang="en-US" smtClean="0"/>
-              <a:t>10/30/2014</a:t>
+              <a:t>10/31/2014</a:t>
             </a:fld>
             <a:endParaRPr lang="en-US"/>
           </a:p>
@@ -812,7 +811,7 @@
           <a:p>
             <a:fld id="{3FE76D54-7934-4EE1-AFA7-F26B6E4B41C7}" type="datetimeFigureOut">
               <a:rPr lang="en-US" smtClean="0"/>
-              <a:t>10/30/2014</a:t>
+              <a:t>10/31/2014</a:t>
             </a:fld>
             <a:endParaRPr lang="en-US"/>
           </a:p>
@@ -1056,7 +1055,7 @@
           <a:p>
             <a:fld id="{3FE76D54-7934-4EE1-AFA7-F26B6E4B41C7}" type="datetimeFigureOut">
               <a:rPr lang="en-US" smtClean="0"/>
-              <a:t>10/30/2014</a:t>
+              <a:t>10/31/2014</a:t>
             </a:fld>
             <a:endParaRPr lang="en-US"/>
           </a:p>
@@ -1320,7 +1319,7 @@
           <a:p>
             <a:fld id="{3FE76D54-7934-4EE1-AFA7-F26B6E4B41C7}" type="datetimeFigureOut">
               <a:rPr lang="en-US" smtClean="0"/>
-              <a:t>10/30/2014</a:t>
+              <a:t>10/31/2014</a:t>
             </a:fld>
             <a:endParaRPr lang="en-US"/>
           </a:p>
@@ -1694,7 +1693,7 @@
           <a:p>
             <a:fld id="{3FE76D54-7934-4EE1-AFA7-F26B6E4B41C7}" type="datetimeFigureOut">
               <a:rPr lang="en-US" smtClean="0"/>
-              <a:t>10/30/2014</a:t>
+              <a:t>10/31/2014</a:t>
             </a:fld>
             <a:endParaRPr lang="en-US"/>
           </a:p>
@@ -1807,7 +1806,7 @@
           <a:p>
             <a:fld id="{3FE76D54-7934-4EE1-AFA7-F26B6E4B41C7}" type="datetimeFigureOut">
               <a:rPr lang="en-US" smtClean="0"/>
-              <a:t>10/30/2014</a:t>
+              <a:t>10/31/2014</a:t>
             </a:fld>
             <a:endParaRPr lang="en-US"/>
           </a:p>
@@ -1897,7 +1896,7 @@
           <a:p>
             <a:fld id="{3FE76D54-7934-4EE1-AFA7-F26B6E4B41C7}" type="datetimeFigureOut">
               <a:rPr lang="en-US" smtClean="0"/>
-              <a:t>10/30/2014</a:t>
+              <a:t>10/31/2014</a:t>
             </a:fld>
             <a:endParaRPr lang="en-US"/>
           </a:p>
@@ -2155,7 +2154,7 @@
           <a:p>
             <a:fld id="{3FE76D54-7934-4EE1-AFA7-F26B6E4B41C7}" type="datetimeFigureOut">
               <a:rPr lang="en-US" smtClean="0"/>
-              <a:t>10/30/2014</a:t>
+              <a:t>10/31/2014</a:t>
             </a:fld>
             <a:endParaRPr lang="en-US"/>
           </a:p>
@@ -2419,7 +2418,7 @@
           <a:p>
             <a:fld id="{3FE76D54-7934-4EE1-AFA7-F26B6E4B41C7}" type="datetimeFigureOut">
               <a:rPr lang="en-US" smtClean="0"/>
-              <a:t>10/30/2014</a:t>
+              <a:t>10/31/2014</a:t>
             </a:fld>
             <a:endParaRPr lang="en-US"/>
           </a:p>
@@ -2636,7 +2635,7 @@
           <a:p>
             <a:fld id="{3FE76D54-7934-4EE1-AFA7-F26B6E4B41C7}" type="datetimeFigureOut">
               <a:rPr lang="en-US" smtClean="0"/>
-              <a:t>10/30/2014</a:t>
+              <a:t>10/31/2014</a:t>
             </a:fld>
             <a:endParaRPr lang="en-US"/>
           </a:p>
@@ -3263,70 +3262,6 @@
           </a:p>
         </p:txBody>
       </p:sp>
-      <p:pic>
-        <p:nvPicPr>
-          <p:cNvPr id="5126" name="Picture 6"/>
-          <p:cNvPicPr>
-            <a:picLocks noChangeAspect="1" noChangeArrowheads="1"/>
-          </p:cNvPicPr>
-          <p:nvPr/>
-        </p:nvPicPr>
-        <p:blipFill>
-          <a:blip r:embed="rId2" cstate="print">
-            <a:extLst>
-              <a:ext uri="{28A0092B-C50C-407E-A947-70E740481C1C}">
-                <a14:useLocalDpi xmlns:a14="http://schemas.microsoft.com/office/drawing/2010/main" val="0"/>
-              </a:ext>
-            </a:extLst>
-          </a:blip>
-          <a:srcRect/>
-          <a:stretch>
-            <a:fillRect/>
-          </a:stretch>
-        </p:blipFill>
-        <p:spPr bwMode="auto">
-          <a:xfrm>
-            <a:off x="4604818" y="3769507"/>
-            <a:ext cx="1561001" cy="2350905"/>
-          </a:xfrm>
-          <a:prstGeom prst="rect">
-            <a:avLst/>
-          </a:prstGeom>
-          <a:noFill/>
-          <a:ln>
-            <a:noFill/>
-          </a:ln>
-          <a:effectLst/>
-          <a:extLst>
-            <a:ext uri="{909E8E84-426E-40DD-AFC4-6F175D3DCCD1}">
-              <a14:hiddenFill xmlns:a14="http://schemas.microsoft.com/office/drawing/2010/main">
-                <a:solidFill>
-                  <a:schemeClr val="accent1"/>
-                </a:solidFill>
-              </a14:hiddenFill>
-            </a:ext>
-            <a:ext uri="{91240B29-F687-4F45-9708-019B960494DF}">
-              <a14:hiddenLine xmlns:a14="http://schemas.microsoft.com/office/drawing/2010/main" w="9525">
-                <a:solidFill>
-                  <a:schemeClr val="tx1"/>
-                </a:solidFill>
-                <a:miter lim="800000"/>
-                <a:headEnd/>
-                <a:tailEnd/>
-              </a14:hiddenLine>
-            </a:ext>
-            <a:ext uri="{AF507438-7753-43E0-B8FC-AC1667EBCBE1}">
-              <a14:hiddenEffects xmlns:a14="http://schemas.microsoft.com/office/drawing/2010/main">
-                <a:effectLst>
-                  <a:outerShdw dist="35921" dir="2700000" algn="ctr" rotWithShape="0">
-                    <a:schemeClr val="bg2"/>
-                  </a:outerShdw>
-                </a:effectLst>
-              </a14:hiddenEffects>
-            </a:ext>
-          </a:extLst>
-        </p:spPr>
-      </p:pic>
     </p:spTree>
     <p:extLst>
       <p:ext uri="{BB962C8B-B14F-4D97-AF65-F5344CB8AC3E}">
@@ -3337,6 +3272,13 @@
   <p:clrMapOvr>
     <a:masterClrMapping/>
   </p:clrMapOvr>
+  <p:timing>
+    <p:tnLst>
+      <p:par>
+        <p:cTn id="1" dur="indefinite" restart="never" nodeType="tmRoot"/>
+      </p:par>
+    </p:tnLst>
+  </p:timing>
 </p:sld>
 </file>
 
@@ -3374,11 +3316,7 @@
           <a:p>
             <a:r>
               <a:rPr lang="en-US" dirty="0" smtClean="0"/>
-              <a:t>Kern van het </a:t>
-            </a:r>
-            <a:r>
-              <a:rPr lang="en-US" dirty="0" err="1" smtClean="0"/>
-              <a:t>systeem</a:t>
+              <a:t>User interface</a:t>
             </a:r>
             <a:endParaRPr lang="en-US" dirty="0"/>
           </a:p>
@@ -3399,132 +3337,8 @@
           <a:bodyPr/>
           <a:lstStyle/>
           <a:p>
-            <a:r>
-              <a:rPr lang="en-US" dirty="0" err="1" smtClean="0"/>
-              <a:t>Kan</a:t>
-            </a:r>
-            <a:r>
-              <a:rPr lang="en-US" dirty="0" smtClean="0"/>
-              <a:t> </a:t>
-            </a:r>
-            <a:r>
-              <a:rPr lang="en-US" dirty="0" err="1" smtClean="0"/>
-              <a:t>pasjes</a:t>
-            </a:r>
-            <a:r>
-              <a:rPr lang="en-US" dirty="0" smtClean="0"/>
-              <a:t> </a:t>
-            </a:r>
-            <a:r>
-              <a:rPr lang="en-US" dirty="0" err="1" smtClean="0"/>
-              <a:t>activeren</a:t>
-            </a:r>
-            <a:r>
-              <a:rPr lang="en-US" dirty="0" smtClean="0"/>
-              <a:t>/</a:t>
-            </a:r>
-            <a:r>
-              <a:rPr lang="en-US" dirty="0" err="1" smtClean="0"/>
-              <a:t>deactiveren</a:t>
-            </a:r>
+            <a:pPr lvl="1"/>
             <a:endParaRPr lang="en-US" dirty="0" smtClean="0"/>
-          </a:p>
-          <a:p>
-            <a:r>
-              <a:rPr lang="en-US" dirty="0" err="1" smtClean="0"/>
-              <a:t>Kan</a:t>
-            </a:r>
-            <a:r>
-              <a:rPr lang="en-US" dirty="0" smtClean="0"/>
-              <a:t> </a:t>
-            </a:r>
-            <a:r>
-              <a:rPr lang="en-US" dirty="0" err="1" smtClean="0"/>
-              <a:t>pasjes</a:t>
-            </a:r>
-            <a:r>
-              <a:rPr lang="en-US" dirty="0" smtClean="0"/>
-              <a:t> </a:t>
-            </a:r>
-            <a:r>
-              <a:rPr lang="en-US" dirty="0" err="1" smtClean="0"/>
-              <a:t>identificeren</a:t>
-            </a:r>
-            <a:r>
-              <a:rPr lang="en-US" dirty="0" smtClean="0"/>
-              <a:t> en (</a:t>
-            </a:r>
-            <a:r>
-              <a:rPr lang="en-US" dirty="0" err="1" smtClean="0"/>
-              <a:t>geen</a:t>
-            </a:r>
-            <a:r>
-              <a:rPr lang="en-US" dirty="0" smtClean="0"/>
-              <a:t>) </a:t>
-            </a:r>
-            <a:r>
-              <a:rPr lang="en-US" dirty="0" err="1" smtClean="0"/>
-              <a:t>toegang</a:t>
-            </a:r>
-            <a:r>
-              <a:rPr lang="en-US" dirty="0" smtClean="0"/>
-              <a:t> </a:t>
-            </a:r>
-            <a:r>
-              <a:rPr lang="en-US" dirty="0" err="1" smtClean="0"/>
-              <a:t>verlenen</a:t>
-            </a:r>
-            <a:endParaRPr lang="en-US" dirty="0" smtClean="0"/>
-          </a:p>
-          <a:p>
-            <a:r>
-              <a:rPr lang="en-US" dirty="0" err="1"/>
-              <a:t>Kan</a:t>
-            </a:r>
-            <a:r>
-              <a:rPr lang="en-US" dirty="0"/>
-              <a:t> </a:t>
-            </a:r>
-            <a:r>
-              <a:rPr lang="en-US" dirty="0" err="1"/>
-              <a:t>pasjes</a:t>
-            </a:r>
-            <a:r>
-              <a:rPr lang="en-US" dirty="0"/>
-              <a:t> </a:t>
-            </a:r>
-            <a:r>
-              <a:rPr lang="en-US" dirty="0" err="1"/>
-              <a:t>toevoegen</a:t>
-            </a:r>
-            <a:r>
-              <a:rPr lang="en-US" dirty="0"/>
-              <a:t> </a:t>
-            </a:r>
-            <a:r>
-              <a:rPr lang="en-US" dirty="0" err="1"/>
-              <a:t>dan</a:t>
-            </a:r>
-            <a:r>
-              <a:rPr lang="en-US" dirty="0"/>
-              <a:t> </a:t>
-            </a:r>
-            <a:r>
-              <a:rPr lang="en-US" dirty="0" err="1"/>
-              <a:t>wel</a:t>
-            </a:r>
-            <a:r>
-              <a:rPr lang="en-US" dirty="0"/>
-              <a:t> </a:t>
-            </a:r>
-            <a:r>
-              <a:rPr lang="en-US" dirty="0" err="1"/>
-              <a:t>verwijderen</a:t>
-            </a:r>
-            <a:r>
-              <a:rPr lang="en-US" dirty="0"/>
-              <a:t> van de database</a:t>
-            </a:r>
           </a:p>
           <a:p>
             <a:endParaRPr lang="en-US" dirty="0"/>
@@ -3572,16 +3386,47 @@
           </a:p>
         </p:txBody>
       </p:sp>
+      <p:pic>
+        <p:nvPicPr>
+          <p:cNvPr id="5" name="Picture 4"/>
+          <p:cNvPicPr>
+            <a:picLocks noChangeAspect="1"/>
+          </p:cNvPicPr>
+          <p:nvPr/>
+        </p:nvPicPr>
+        <p:blipFill>
+          <a:blip r:embed="rId2"/>
+          <a:stretch>
+            <a:fillRect/>
+          </a:stretch>
+        </p:blipFill>
+        <p:spPr>
+          <a:xfrm>
+            <a:off x="3907161" y="1351211"/>
+            <a:ext cx="4377677" cy="5506789"/>
+          </a:xfrm>
+          <a:prstGeom prst="rect">
+            <a:avLst/>
+          </a:prstGeom>
+        </p:spPr>
+      </p:pic>
     </p:spTree>
     <p:extLst>
       <p:ext uri="{BB962C8B-B14F-4D97-AF65-F5344CB8AC3E}">
-        <p14:creationId xmlns:p14="http://schemas.microsoft.com/office/powerpoint/2010/main" val="2435106487"/>
+        <p14:creationId xmlns:p14="http://schemas.microsoft.com/office/powerpoint/2010/main" val="2867521908"/>
       </p:ext>
     </p:extLst>
   </p:cSld>
   <p:clrMapOvr>
     <a:masterClrMapping/>
   </p:clrMapOvr>
+  <p:timing>
+    <p:tnLst>
+      <p:par>
+        <p:cTn id="1" dur="indefinite" restart="never" nodeType="tmRoot"/>
+      </p:par>
+    </p:tnLst>
+  </p:timing>
 </p:sld>
 </file>
 
@@ -3619,7 +3464,30 @@
           <a:p>
             <a:r>
               <a:rPr lang="en-US" dirty="0" err="1" smtClean="0"/>
-              <a:t>Volledige</a:t>
+              <a:t>Problemen</a:t>
+            </a:r>
+            <a:endParaRPr lang="en-US" dirty="0"/>
+          </a:p>
+        </p:txBody>
+      </p:sp>
+      <p:sp>
+        <p:nvSpPr>
+          <p:cNvPr id="3" name="Content Placeholder 2"/>
+          <p:cNvSpPr>
+            <a:spLocks noGrp="1"/>
+          </p:cNvSpPr>
+          <p:nvPr>
+            <p:ph idx="1"/>
+          </p:nvPr>
+        </p:nvSpPr>
+        <p:spPr/>
+        <p:txBody>
+          <a:bodyPr/>
+          <a:lstStyle/>
+          <a:p>
+            <a:r>
+              <a:rPr lang="en-US" dirty="0" err="1" smtClean="0"/>
+              <a:t>Communicatie</a:t>
             </a:r>
             <a:r>
               <a:rPr lang="en-US" dirty="0" smtClean="0"/>
@@ -3627,32 +3495,46 @@
             </a:r>
             <a:r>
               <a:rPr lang="en-US" dirty="0" err="1" smtClean="0"/>
-              <a:t>systeem</a:t>
-            </a:r>
-            <a:endParaRPr lang="en-US" dirty="0"/>
-          </a:p>
-        </p:txBody>
-      </p:sp>
-      <p:sp>
-        <p:nvSpPr>
-          <p:cNvPr id="3" name="Content Placeholder 2"/>
-          <p:cNvSpPr>
-            <a:spLocks noGrp="1"/>
-          </p:cNvSpPr>
-          <p:nvPr>
-            <p:ph idx="1"/>
-          </p:nvPr>
-        </p:nvSpPr>
-        <p:spPr/>
-        <p:txBody>
-          <a:bodyPr>
-            <a:normAutofit/>
-          </a:bodyPr>
-          <a:lstStyle/>
-          <a:p>
-            <a:r>
-              <a:rPr lang="en-US" dirty="0" err="1" smtClean="0"/>
-              <a:t>Heeft</a:t>
+              <a:t>tussen</a:t>
+            </a:r>
+            <a:r>
+              <a:rPr lang="en-US" dirty="0" smtClean="0"/>
+              <a:t> Arduino en python</a:t>
+            </a:r>
+          </a:p>
+          <a:p>
+            <a:r>
+              <a:rPr lang="en-US" dirty="0" smtClean="0"/>
+              <a:t>De </a:t>
+            </a:r>
+            <a:r>
+              <a:rPr lang="en-US" dirty="0" err="1" smtClean="0"/>
+              <a:t>versleuteling</a:t>
+            </a:r>
+            <a:r>
+              <a:rPr lang="en-US" dirty="0" smtClean="0"/>
+              <a:t> op de </a:t>
+            </a:r>
+            <a:r>
+              <a:rPr lang="en-US" dirty="0" smtClean="0"/>
+              <a:t>Arduino</a:t>
+            </a:r>
+          </a:p>
+          <a:p>
+            <a:r>
+              <a:rPr lang="en-US" dirty="0" err="1" smtClean="0"/>
+              <a:t>Connectie</a:t>
+            </a:r>
+            <a:r>
+              <a:rPr lang="en-US" dirty="0" smtClean="0"/>
+              <a:t> Arduino - Laptop</a:t>
+            </a:r>
+            <a:endParaRPr lang="en-US" dirty="0" smtClean="0"/>
+          </a:p>
+          <a:p>
+            <a:r>
+              <a:rPr lang="en-US" dirty="0" err="1" smtClean="0"/>
+              <a:t>Veel</a:t>
             </a:r>
             <a:r>
               <a:rPr lang="en-US" dirty="0" smtClean="0"/>
@@ -3660,300 +3542,16 @@
             </a:r>
             <a:r>
               <a:rPr lang="en-US" dirty="0" err="1" smtClean="0"/>
-              <a:t>een</a:t>
+              <a:t>kleine</a:t>
             </a:r>
             <a:r>
               <a:rPr lang="en-US" dirty="0" smtClean="0"/>
               <a:t> </a:t>
             </a:r>
             <a:r>
-              <a:rPr lang="en-US" dirty="0" err="1" smtClean="0"/>
-              <a:t>alarmknop</a:t>
-            </a:r>
-            <a:r>
               <a:rPr lang="en-US" dirty="0" smtClean="0"/>
-              <a:t> </a:t>
-            </a:r>
-            <a:r>
-              <a:rPr lang="en-US" dirty="0" err="1" smtClean="0"/>
-              <a:t>waarbij</a:t>
-            </a:r>
-            <a:r>
-              <a:rPr lang="en-US" dirty="0" smtClean="0"/>
-              <a:t> </a:t>
-            </a:r>
-            <a:r>
-              <a:rPr lang="en-US" dirty="0" err="1" smtClean="0"/>
-              <a:t>alle</a:t>
-            </a:r>
-            <a:r>
-              <a:rPr lang="en-US" dirty="0" smtClean="0"/>
-              <a:t> </a:t>
-            </a:r>
-            <a:r>
-              <a:rPr lang="en-US" dirty="0" err="1" smtClean="0"/>
-              <a:t>deuren</a:t>
-            </a:r>
-            <a:r>
-              <a:rPr lang="en-US" dirty="0" smtClean="0"/>
-              <a:t> </a:t>
-            </a:r>
-            <a:r>
-              <a:rPr lang="en-US" dirty="0" err="1" smtClean="0"/>
-              <a:t>openspringen</a:t>
-            </a:r>
-            <a:endParaRPr lang="en-US" dirty="0" smtClean="0"/>
-          </a:p>
-          <a:p>
-            <a:r>
-              <a:rPr lang="en-US" dirty="0" err="1" smtClean="0"/>
-              <a:t>Heeft</a:t>
-            </a:r>
-            <a:r>
-              <a:rPr lang="en-US" dirty="0" smtClean="0"/>
-              <a:t> </a:t>
-            </a:r>
-            <a:r>
-              <a:rPr lang="en-US" dirty="0" err="1" smtClean="0"/>
-              <a:t>een</a:t>
-            </a:r>
-            <a:r>
-              <a:rPr lang="en-US" dirty="0" smtClean="0"/>
-              <a:t> </a:t>
-            </a:r>
-            <a:r>
-              <a:rPr lang="en-US" dirty="0" err="1" smtClean="0"/>
-              <a:t>mooie</a:t>
-            </a:r>
-            <a:r>
-              <a:rPr lang="en-US" dirty="0" smtClean="0"/>
-              <a:t> GUI</a:t>
-            </a:r>
-          </a:p>
-          <a:p>
-            <a:r>
-              <a:rPr lang="en-US" dirty="0" err="1" smtClean="0"/>
-              <a:t>Kan</a:t>
-            </a:r>
-            <a:r>
-              <a:rPr lang="en-US" dirty="0" smtClean="0"/>
-              <a:t> de </a:t>
-            </a:r>
-            <a:r>
-              <a:rPr lang="en-US" dirty="0" err="1" smtClean="0"/>
-              <a:t>gegevens</a:t>
-            </a:r>
-            <a:r>
-              <a:rPr lang="en-US" dirty="0" smtClean="0"/>
-              <a:t> van </a:t>
-            </a:r>
-            <a:r>
-              <a:rPr lang="en-US" dirty="0" err="1" smtClean="0"/>
-              <a:t>eerder</a:t>
-            </a:r>
-            <a:r>
-              <a:rPr lang="en-US" dirty="0" smtClean="0"/>
-              <a:t> </a:t>
-            </a:r>
-            <a:r>
-              <a:rPr lang="en-US" dirty="0" err="1" smtClean="0"/>
-              <a:t>inchecken</a:t>
-            </a:r>
-            <a:r>
-              <a:rPr lang="en-US" dirty="0" smtClean="0"/>
-              <a:t> van </a:t>
-            </a:r>
-            <a:r>
-              <a:rPr lang="en-US" dirty="0" err="1" smtClean="0"/>
-              <a:t>iedereen</a:t>
-            </a:r>
-            <a:r>
-              <a:rPr lang="en-US" dirty="0" smtClean="0"/>
-              <a:t> </a:t>
-            </a:r>
-            <a:r>
-              <a:rPr lang="en-US" dirty="0" err="1" smtClean="0"/>
-              <a:t>opvragen</a:t>
-            </a:r>
-            <a:r>
-              <a:rPr lang="en-US" dirty="0" smtClean="0"/>
-              <a:t> in </a:t>
-            </a:r>
-            <a:r>
-              <a:rPr lang="en-US" dirty="0" err="1" smtClean="0"/>
-              <a:t>geval</a:t>
-            </a:r>
-            <a:r>
-              <a:rPr lang="en-US" dirty="0" smtClean="0"/>
-              <a:t> van </a:t>
-            </a:r>
-            <a:r>
-              <a:rPr lang="en-US" dirty="0" err="1" smtClean="0"/>
-              <a:t>bijv</a:t>
-            </a:r>
-            <a:r>
-              <a:rPr lang="en-US" dirty="0" smtClean="0"/>
-              <a:t>. </a:t>
-            </a:r>
-            <a:r>
-              <a:rPr lang="en-US" dirty="0" err="1" smtClean="0"/>
-              <a:t>diefstal</a:t>
-            </a:r>
-            <a:endParaRPr lang="en-US" dirty="0"/>
-          </a:p>
-          <a:p>
-            <a:r>
-              <a:rPr lang="en-US" dirty="0" smtClean="0"/>
-              <a:t>Men </a:t>
-            </a:r>
-            <a:r>
-              <a:rPr lang="en-US" dirty="0" err="1" smtClean="0"/>
-              <a:t>kan</a:t>
-            </a:r>
-            <a:r>
-              <a:rPr lang="en-US" dirty="0" smtClean="0"/>
-              <a:t> op </a:t>
-            </a:r>
-            <a:r>
-              <a:rPr lang="en-US" dirty="0" err="1" smtClean="0"/>
-              <a:t>naam</a:t>
-            </a:r>
-            <a:r>
-              <a:rPr lang="en-US" dirty="0" smtClean="0"/>
-              <a:t>/Card ID/</a:t>
-            </a:r>
-            <a:r>
-              <a:rPr lang="en-US" dirty="0" err="1" smtClean="0"/>
-              <a:t>Pasje</a:t>
-            </a:r>
-            <a:r>
-              <a:rPr lang="en-US" dirty="0" smtClean="0"/>
-              <a:t> </a:t>
-            </a:r>
-            <a:r>
-              <a:rPr lang="en-US" dirty="0" err="1" smtClean="0"/>
-              <a:t>zoeken</a:t>
-            </a:r>
-            <a:r>
-              <a:rPr lang="en-US" dirty="0" smtClean="0"/>
-              <a:t> </a:t>
-            </a:r>
-            <a:r>
-              <a:rPr lang="en-US" dirty="0" err="1" smtClean="0"/>
-              <a:t>voor</a:t>
-            </a:r>
-            <a:r>
-              <a:rPr lang="en-US" dirty="0" smtClean="0"/>
-              <a:t> </a:t>
-            </a:r>
-            <a:r>
-              <a:rPr lang="en-US" dirty="0" err="1" smtClean="0"/>
-              <a:t>alle</a:t>
-            </a:r>
-            <a:r>
-              <a:rPr lang="en-US" dirty="0" smtClean="0"/>
-              <a:t> </a:t>
-            </a:r>
-            <a:r>
-              <a:rPr lang="en-US" dirty="0" err="1" smtClean="0"/>
-              <a:t>gegevens</a:t>
-            </a:r>
-            <a:r>
-              <a:rPr lang="en-US" dirty="0" smtClean="0"/>
-              <a:t> van </a:t>
-            </a:r>
-            <a:r>
-              <a:rPr lang="en-US" dirty="0" err="1" smtClean="0"/>
-              <a:t>deze</a:t>
-            </a:r>
-            <a:r>
-              <a:rPr lang="en-US" dirty="0" smtClean="0"/>
-              <a:t> </a:t>
-            </a:r>
-            <a:r>
-              <a:rPr lang="en-US" dirty="0" err="1" smtClean="0"/>
-              <a:t>gebruiker</a:t>
-            </a:r>
-            <a:endParaRPr lang="en-US" dirty="0" smtClean="0"/>
-          </a:p>
-          <a:p>
-            <a:r>
-              <a:rPr lang="en-US" dirty="0" err="1" smtClean="0"/>
-              <a:t>Pasjes</a:t>
-            </a:r>
-            <a:r>
-              <a:rPr lang="en-US" dirty="0" smtClean="0"/>
-              <a:t> </a:t>
-            </a:r>
-            <a:r>
-              <a:rPr lang="en-US" dirty="0" err="1" smtClean="0"/>
-              <a:t>kunnen</a:t>
-            </a:r>
-            <a:r>
-              <a:rPr lang="en-US" dirty="0" smtClean="0"/>
-              <a:t> </a:t>
-            </a:r>
-            <a:r>
-              <a:rPr lang="en-US" dirty="0" err="1" smtClean="0"/>
-              <a:t>geactiveerd</a:t>
-            </a:r>
-            <a:r>
-              <a:rPr lang="en-US" dirty="0" smtClean="0"/>
-              <a:t> en </a:t>
-            </a:r>
-            <a:r>
-              <a:rPr lang="en-US" dirty="0" err="1" smtClean="0"/>
-              <a:t>gedeactiveerd</a:t>
-            </a:r>
-            <a:r>
-              <a:rPr lang="en-US" dirty="0" smtClean="0"/>
-              <a:t> </a:t>
-            </a:r>
-            <a:r>
-              <a:rPr lang="en-US" dirty="0" err="1" smtClean="0"/>
-              <a:t>worden</a:t>
-            </a:r>
-            <a:endParaRPr lang="en-US" dirty="0" smtClean="0"/>
-          </a:p>
-          <a:p>
-            <a:pPr marL="0" indent="0">
-              <a:buNone/>
-            </a:pPr>
-            <a:endParaRPr lang="en-US" dirty="0"/>
-          </a:p>
-          <a:p>
-            <a:r>
-              <a:rPr lang="en-US" dirty="0" smtClean="0"/>
-              <a:t>Fancy stuff (</a:t>
-            </a:r>
-            <a:r>
-              <a:rPr lang="en-US" dirty="0" err="1" smtClean="0"/>
-              <a:t>mooie</a:t>
-            </a:r>
-            <a:r>
-              <a:rPr lang="en-US" dirty="0"/>
-              <a:t> </a:t>
-            </a:r>
-            <a:r>
-              <a:rPr lang="en-US" dirty="0" err="1" smtClean="0"/>
-              <a:t>deuren</a:t>
-            </a:r>
-            <a:r>
-              <a:rPr lang="en-US" dirty="0" smtClean="0"/>
-              <a:t> </a:t>
-            </a:r>
-            <a:r>
-              <a:rPr lang="en-US" dirty="0" smtClean="0">
-                <a:sym typeface="Wingdings" pitchFamily="2" charset="2"/>
-              </a:rPr>
-              <a:t>)</a:t>
-            </a:r>
-            <a:endParaRPr lang="en-US" dirty="0" smtClean="0"/>
-          </a:p>
-          <a:p>
-            <a:endParaRPr lang="en-US" dirty="0" smtClean="0"/>
-          </a:p>
-          <a:p>
+              <a:t>bugs</a:t>
+            </a:r>
             <a:endParaRPr lang="en-US" dirty="0"/>
           </a:p>
         </p:txBody>
@@ -4002,13 +3600,20 @@
     </p:spTree>
     <p:extLst>
       <p:ext uri="{BB962C8B-B14F-4D97-AF65-F5344CB8AC3E}">
-        <p14:creationId xmlns:p14="http://schemas.microsoft.com/office/powerpoint/2010/main" val="1001001099"/>
+        <p14:creationId xmlns:p14="http://schemas.microsoft.com/office/powerpoint/2010/main" val="2589485214"/>
       </p:ext>
     </p:extLst>
   </p:cSld>
   <p:clrMapOvr>
     <a:masterClrMapping/>
   </p:clrMapOvr>
+  <p:timing>
+    <p:tnLst>
+      <p:par>
+        <p:cTn id="1" dur="indefinite" restart="never" nodeType="tmRoot"/>
+      </p:par>
+    </p:tnLst>
+  </p:timing>
 </p:sld>
 </file>
 
@@ -4046,9 +3651,9 @@
           <a:p>
             <a:r>
               <a:rPr lang="en-US" dirty="0" err="1" smtClean="0"/>
-              <a:t>Problemen</a:t>
-            </a:r>
-            <a:endParaRPr lang="en-US" dirty="0"/>
+              <a:t>Discussie</a:t>
+            </a:r>
+            <a:endParaRPr lang="nl-NL" dirty="0"/>
           </a:p>
         </p:txBody>
       </p:sp>
@@ -4069,7 +3674,7 @@
           <a:p>
             <a:r>
               <a:rPr lang="en-US" dirty="0" err="1" smtClean="0"/>
-              <a:t>Communicatie</a:t>
+              <a:t>Eventuele</a:t>
             </a:r>
             <a:r>
               <a:rPr lang="en-US" dirty="0" smtClean="0"/>
@@ -4077,391 +3682,11 @@
             </a:r>
             <a:r>
               <a:rPr lang="en-US" dirty="0" err="1" smtClean="0"/>
-              <a:t>tussen</a:t>
-            </a:r>
-            <a:r>
-              <a:rPr lang="en-US" dirty="0" smtClean="0"/>
-              <a:t> Arduino en python</a:t>
-            </a:r>
-          </a:p>
-          <a:p>
-            <a:r>
-              <a:rPr lang="en-US" dirty="0" smtClean="0"/>
-              <a:t>De </a:t>
-            </a:r>
-            <a:r>
-              <a:rPr lang="en-US" dirty="0" err="1" smtClean="0"/>
-              <a:t>versleuteling</a:t>
-            </a:r>
-            <a:r>
-              <a:rPr lang="en-US" dirty="0" smtClean="0"/>
-              <a:t> op de </a:t>
-            </a:r>
-            <a:r>
-              <a:rPr lang="en-US" dirty="0" err="1" smtClean="0"/>
-              <a:t>Arduino</a:t>
+              <a:t>toevoegingen</a:t>
             </a:r>
             <a:endParaRPr lang="en-US" dirty="0" smtClean="0"/>
           </a:p>
           <a:p>
-            <a:pPr lvl="1"/>
-            <a:r>
-              <a:rPr lang="en-US" dirty="0" err="1" smtClean="0"/>
-              <a:t>Arduino</a:t>
-            </a:r>
-            <a:r>
-              <a:rPr lang="en-US" dirty="0" smtClean="0"/>
-              <a:t> </a:t>
-            </a:r>
-            <a:r>
-              <a:rPr lang="en-US" dirty="0" err="1" smtClean="0"/>
-              <a:t>werkt</a:t>
-            </a:r>
-            <a:r>
-              <a:rPr lang="en-US" dirty="0" smtClean="0"/>
-              <a:t> met bytes, Python </a:t>
-            </a:r>
-            <a:r>
-              <a:rPr lang="en-US" dirty="0" err="1" smtClean="0"/>
-              <a:t>wil</a:t>
-            </a:r>
-            <a:r>
-              <a:rPr lang="en-US" dirty="0" smtClean="0"/>
-              <a:t> </a:t>
-            </a:r>
-            <a:r>
-              <a:rPr lang="en-US" dirty="0" err="1" smtClean="0"/>
-              <a:t>alleen</a:t>
-            </a:r>
-            <a:r>
-              <a:rPr lang="en-US" dirty="0" smtClean="0"/>
-              <a:t> met integers </a:t>
-            </a:r>
-            <a:r>
-              <a:rPr lang="en-US" dirty="0" err="1" smtClean="0"/>
-              <a:t>rekenen</a:t>
-            </a:r>
-            <a:endParaRPr lang="en-US" dirty="0" smtClean="0"/>
-          </a:p>
-          <a:p>
-            <a:r>
-              <a:rPr lang="en-US" dirty="0" err="1" smtClean="0"/>
-              <a:t>Limitaties</a:t>
-            </a:r>
-            <a:r>
-              <a:rPr lang="en-US" dirty="0" smtClean="0"/>
-              <a:t> </a:t>
-            </a:r>
-            <a:r>
-              <a:rPr lang="en-US" dirty="0" err="1" smtClean="0"/>
-              <a:t>aan</a:t>
-            </a:r>
-            <a:r>
-              <a:rPr lang="en-US" dirty="0" smtClean="0"/>
-              <a:t> de Arduino</a:t>
-            </a:r>
-            <a:endParaRPr lang="en-US" dirty="0" smtClean="0"/>
-          </a:p>
-          <a:p>
-            <a:r>
-              <a:rPr lang="en-US" dirty="0" err="1" smtClean="0"/>
-              <a:t>Heeeeeeeeeeeeeeeeeeel</a:t>
-            </a:r>
-            <a:r>
-              <a:rPr lang="en-US" dirty="0" smtClean="0"/>
-              <a:t> </a:t>
-            </a:r>
-            <a:r>
-              <a:rPr lang="en-US" dirty="0" err="1" smtClean="0"/>
-              <a:t>veel</a:t>
-            </a:r>
-            <a:r>
-              <a:rPr lang="en-US" dirty="0" smtClean="0"/>
-              <a:t> </a:t>
-            </a:r>
-            <a:r>
-              <a:rPr lang="en-US" dirty="0" err="1" smtClean="0"/>
-              <a:t>kleine</a:t>
-            </a:r>
-            <a:r>
-              <a:rPr lang="en-US" dirty="0" smtClean="0"/>
-              <a:t> bugs</a:t>
-            </a:r>
-            <a:endParaRPr lang="en-US" dirty="0"/>
-          </a:p>
-        </p:txBody>
-      </p:sp>
-      <p:sp>
-        <p:nvSpPr>
-          <p:cNvPr id="4" name="TextBox 3"/>
-          <p:cNvSpPr txBox="1"/>
-          <p:nvPr/>
-        </p:nvSpPr>
-        <p:spPr>
-          <a:xfrm>
-            <a:off x="10630969" y="6442502"/>
-            <a:ext cx="1486968" cy="415498"/>
-          </a:xfrm>
-          <a:prstGeom prst="rect">
-            <a:avLst/>
-          </a:prstGeom>
-          <a:noFill/>
-        </p:spPr>
-        <p:txBody>
-          <a:bodyPr wrap="square" rtlCol="0">
-            <a:spAutoFit/>
-          </a:bodyPr>
-          <a:lstStyle/>
-          <a:p>
-            <a:r>
-              <a:rPr lang="en-US" sz="1050" dirty="0"/>
-              <a:t>©</a:t>
-            </a:r>
-            <a:r>
-              <a:rPr lang="en-US" sz="1050" dirty="0" err="1"/>
-              <a:t>Kampioenen</a:t>
-            </a:r>
-            <a:r>
-              <a:rPr lang="en-US" sz="1050" dirty="0"/>
-              <a:t> 2014</a:t>
-            </a:r>
-            <a:endParaRPr lang="en-US" sz="1100" dirty="0"/>
-          </a:p>
-          <a:p>
-            <a:endParaRPr lang="nl-NL" sz="1050" dirty="0"/>
-          </a:p>
-        </p:txBody>
-      </p:sp>
-    </p:spTree>
-    <p:extLst>
-      <p:ext uri="{BB962C8B-B14F-4D97-AF65-F5344CB8AC3E}">
-        <p14:creationId xmlns:p14="http://schemas.microsoft.com/office/powerpoint/2010/main" val="2589485214"/>
-      </p:ext>
-    </p:extLst>
-  </p:cSld>
-  <p:clrMapOvr>
-    <a:masterClrMapping/>
-  </p:clrMapOvr>
-</p:sld>
-</file>
-
-<file path=ppt/slides/slide13.xml><?xml version="1.0" encoding="utf-8"?>
-<p:sld xmlns:a="http://schemas.openxmlformats.org/drawingml/2006/main" xmlns:r="http://schemas.openxmlformats.org/officeDocument/2006/relationships" xmlns:p="http://schemas.openxmlformats.org/presentationml/2006/main">
-  <p:cSld>
-    <p:spTree>
-      <p:nvGrpSpPr>
-        <p:cNvPr id="1" name=""/>
-        <p:cNvGrpSpPr/>
-        <p:nvPr/>
-      </p:nvGrpSpPr>
-      <p:grpSpPr>
-        <a:xfrm>
-          <a:off x="0" y="0"/>
-          <a:ext cx="0" cy="0"/>
-          <a:chOff x="0" y="0"/>
-          <a:chExt cx="0" cy="0"/>
-        </a:xfrm>
-      </p:grpSpPr>
-      <p:sp>
-        <p:nvSpPr>
-          <p:cNvPr id="2" name="Title 1"/>
-          <p:cNvSpPr>
-            <a:spLocks noGrp="1"/>
-          </p:cNvSpPr>
-          <p:nvPr>
-            <p:ph type="title"/>
-          </p:nvPr>
-        </p:nvSpPr>
-        <p:spPr/>
-        <p:txBody>
-          <a:bodyPr/>
-          <a:lstStyle/>
-          <a:p>
-            <a:r>
-              <a:rPr lang="en-US" dirty="0" err="1" smtClean="0"/>
-              <a:t>Discussie</a:t>
-            </a:r>
-            <a:endParaRPr lang="nl-NL" dirty="0"/>
-          </a:p>
-        </p:txBody>
-      </p:sp>
-      <p:sp>
-        <p:nvSpPr>
-          <p:cNvPr id="3" name="Content Placeholder 2"/>
-          <p:cNvSpPr>
-            <a:spLocks noGrp="1"/>
-          </p:cNvSpPr>
-          <p:nvPr>
-            <p:ph idx="1"/>
-          </p:nvPr>
-        </p:nvSpPr>
-        <p:spPr/>
-        <p:txBody>
-          <a:bodyPr/>
-          <a:lstStyle/>
-          <a:p>
-            <a:r>
-              <a:rPr lang="en-US" dirty="0" err="1" smtClean="0"/>
-              <a:t>Eventuele</a:t>
-            </a:r>
-            <a:r>
-              <a:rPr lang="en-US" dirty="0" smtClean="0"/>
-              <a:t> </a:t>
-            </a:r>
-            <a:r>
-              <a:rPr lang="en-US" dirty="0" err="1" smtClean="0"/>
-              <a:t>toevoegingen</a:t>
-            </a:r>
-            <a:r>
-              <a:rPr lang="en-US" dirty="0" smtClean="0"/>
-              <a:t>:</a:t>
-            </a:r>
-          </a:p>
-          <a:p>
-            <a:pPr marL="742950" lvl="2" indent="-342900"/>
-            <a:r>
-              <a:rPr lang="en-US" sz="1600" dirty="0" err="1"/>
-              <a:t>Relatief</a:t>
-            </a:r>
-            <a:r>
-              <a:rPr lang="en-US" sz="1600" dirty="0"/>
-              <a:t> </a:t>
-            </a:r>
-            <a:r>
-              <a:rPr lang="en-US" sz="1600" dirty="0" err="1"/>
-              <a:t>niet</a:t>
-            </a:r>
-            <a:r>
-              <a:rPr lang="en-US" sz="1600" dirty="0"/>
-              <a:t> </a:t>
-            </a:r>
-            <a:r>
-              <a:rPr lang="en-US" sz="1600" dirty="0" err="1"/>
-              <a:t>zo’n</a:t>
-            </a:r>
-            <a:r>
-              <a:rPr lang="en-US" sz="1600" dirty="0"/>
-              <a:t> </a:t>
-            </a:r>
-            <a:r>
-              <a:rPr lang="en-US" sz="1600" dirty="0" err="1"/>
-              <a:t>sterke</a:t>
-            </a:r>
-            <a:r>
-              <a:rPr lang="en-US" sz="1600" dirty="0"/>
-              <a:t> </a:t>
-            </a:r>
-            <a:r>
-              <a:rPr lang="en-US" sz="1600" dirty="0" err="1"/>
-              <a:t>beveiliging</a:t>
-            </a:r>
-            <a:r>
-              <a:rPr lang="en-US" sz="1600" dirty="0"/>
-              <a:t>, </a:t>
-            </a:r>
-            <a:r>
-              <a:rPr lang="en-US" sz="1600" dirty="0" err="1"/>
-              <a:t>kan</a:t>
-            </a:r>
-            <a:r>
-              <a:rPr lang="en-US" sz="1600" dirty="0"/>
-              <a:t> </a:t>
-            </a:r>
-            <a:r>
-              <a:rPr lang="en-US" sz="1600" dirty="0" err="1"/>
-              <a:t>verbetering</a:t>
-            </a:r>
-            <a:r>
-              <a:rPr lang="en-US" sz="1600" dirty="0"/>
-              <a:t> in</a:t>
-            </a:r>
-          </a:p>
-          <a:p>
-            <a:pPr lvl="1"/>
-            <a:r>
-              <a:rPr lang="en-US" dirty="0" err="1" smtClean="0"/>
-              <a:t>Werknemers</a:t>
-            </a:r>
-            <a:r>
-              <a:rPr lang="en-US" dirty="0" smtClean="0"/>
-              <a:t> </a:t>
-            </a:r>
-            <a:r>
-              <a:rPr lang="en-US" dirty="0" err="1" smtClean="0"/>
-              <a:t>hebben</a:t>
-            </a:r>
-            <a:r>
-              <a:rPr lang="en-US" dirty="0" smtClean="0"/>
-              <a:t> </a:t>
-            </a:r>
-            <a:r>
-              <a:rPr lang="en-US" dirty="0" err="1" smtClean="0"/>
-              <a:t>alleen</a:t>
-            </a:r>
-            <a:r>
-              <a:rPr lang="en-US" dirty="0" smtClean="0"/>
-              <a:t> </a:t>
-            </a:r>
-            <a:r>
-              <a:rPr lang="en-US" dirty="0" err="1" smtClean="0"/>
-              <a:t>tijdens</a:t>
-            </a:r>
-            <a:r>
-              <a:rPr lang="en-US" dirty="0" smtClean="0"/>
-              <a:t> </a:t>
-            </a:r>
-            <a:r>
-              <a:rPr lang="en-US" dirty="0" err="1" smtClean="0"/>
-              <a:t>werkuren</a:t>
-            </a:r>
-            <a:r>
-              <a:rPr lang="en-US" dirty="0" smtClean="0"/>
-              <a:t> </a:t>
-            </a:r>
-            <a:r>
-              <a:rPr lang="en-US" dirty="0" err="1" smtClean="0"/>
-              <a:t>toegang</a:t>
-            </a:r>
-            <a:endParaRPr lang="en-US" dirty="0"/>
-          </a:p>
-          <a:p>
-            <a:pPr lvl="1"/>
-            <a:r>
-              <a:rPr lang="en-US" dirty="0" err="1" smtClean="0"/>
-              <a:t>Een</a:t>
-            </a:r>
-            <a:r>
-              <a:rPr lang="en-US" dirty="0" smtClean="0"/>
-              <a:t> </a:t>
-            </a:r>
-            <a:r>
-              <a:rPr lang="en-US" dirty="0" err="1" smtClean="0"/>
-              <a:t>geldstroom</a:t>
-            </a:r>
-            <a:r>
-              <a:rPr lang="en-US" dirty="0" smtClean="0"/>
-              <a:t> met </a:t>
-            </a:r>
-            <a:r>
-              <a:rPr lang="en-US" dirty="0" err="1" smtClean="0"/>
-              <a:t>behulp</a:t>
-            </a:r>
-            <a:r>
-              <a:rPr lang="en-US" dirty="0" smtClean="0"/>
-              <a:t> van de </a:t>
-            </a:r>
-            <a:r>
-              <a:rPr lang="en-US" dirty="0" err="1" smtClean="0"/>
-              <a:t>gebruikte</a:t>
-            </a:r>
-            <a:r>
-              <a:rPr lang="en-US" dirty="0" smtClean="0"/>
-              <a:t> </a:t>
-            </a:r>
-            <a:r>
-              <a:rPr lang="en-US" dirty="0" err="1" smtClean="0"/>
-              <a:t>pasjes</a:t>
-            </a:r>
             <a:endParaRPr lang="en-US" dirty="0" smtClean="0"/>
           </a:p>
           <a:p>
@@ -4592,6 +3817,13 @@
   <p:clrMapOvr>
     <a:masterClrMapping/>
   </p:clrMapOvr>
+  <p:timing>
+    <p:tnLst>
+      <p:par>
+        <p:cTn id="1" dur="indefinite" restart="never" nodeType="tmRoot"/>
+      </p:par>
+    </p:tnLst>
+  </p:timing>
 </p:sld>
 </file>
 
@@ -4662,8 +3894,19 @@
           </a:p>
           <a:p>
             <a:r>
-              <a:rPr lang="en-US" dirty="0" err="1" smtClean="0"/>
-              <a:t>Gebruikte</a:t>
+              <a:rPr lang="en-US" dirty="0" smtClean="0"/>
+              <a:t>Project </a:t>
+            </a:r>
+            <a:r>
+              <a:rPr lang="en-US" dirty="0" err="1" smtClean="0"/>
+              <a:t>eisen</a:t>
+            </a:r>
+            <a:endParaRPr lang="en-US" dirty="0" smtClean="0"/>
+          </a:p>
+          <a:p>
+            <a:r>
+              <a:rPr lang="en-US" dirty="0" err="1" smtClean="0"/>
+              <a:t>Additionele</a:t>
             </a:r>
             <a:r>
               <a:rPr lang="en-US" dirty="0" smtClean="0"/>
@@ -4671,44 +3914,14 @@
             </a:r>
             <a:r>
               <a:rPr lang="en-US" dirty="0" err="1" smtClean="0"/>
-              <a:t>middelen</a:t>
+              <a:t>eisen</a:t>
             </a:r>
             <a:endParaRPr lang="en-US" dirty="0" smtClean="0"/>
           </a:p>
           <a:p>
             <a:r>
-              <a:rPr lang="en-US" dirty="0" smtClean="0"/>
-              <a:t>Project </a:t>
-            </a:r>
-            <a:r>
-              <a:rPr lang="en-US" dirty="0" err="1" smtClean="0"/>
-              <a:t>eisen</a:t>
-            </a:r>
-            <a:endParaRPr lang="en-US" dirty="0" smtClean="0"/>
-          </a:p>
-          <a:p>
-            <a:r>
-              <a:rPr lang="en-US" dirty="0" err="1" smtClean="0"/>
-              <a:t>Additionele</a:t>
-            </a:r>
-            <a:r>
-              <a:rPr lang="en-US" dirty="0" smtClean="0"/>
-              <a:t> </a:t>
-            </a:r>
-            <a:r>
-              <a:rPr lang="en-US" dirty="0" err="1" smtClean="0"/>
-              <a:t>eisen</a:t>
-            </a:r>
-            <a:endParaRPr lang="en-US" dirty="0" smtClean="0"/>
-          </a:p>
-          <a:p>
-            <a:r>
-              <a:rPr lang="en-US" dirty="0" err="1"/>
-              <a:t>B</a:t>
-            </a:r>
-            <a:r>
-              <a:rPr lang="en-US" dirty="0" err="1" smtClean="0"/>
-              <a:t>eveiliging</a:t>
+              <a:rPr lang="en-US" dirty="0" err="1" smtClean="0"/>
+              <a:t>Beveiliging</a:t>
             </a:r>
             <a:endParaRPr lang="en-US" dirty="0" smtClean="0"/>
           </a:p>
@@ -4838,6 +4051,13 @@
   <p:clrMapOvr>
     <a:masterClrMapping/>
   </p:clrMapOvr>
+  <p:timing>
+    <p:tnLst>
+      <p:par>
+        <p:cTn id="1" dur="indefinite" restart="never" nodeType="tmRoot"/>
+      </p:par>
+    </p:tnLst>
+  </p:timing>
 </p:sld>
 </file>
 
@@ -4907,66 +4127,6 @@
             <a:pPr marL="0" indent="0">
               <a:buNone/>
             </a:pPr>
-            <a:r>
-              <a:rPr lang="en-US" dirty="0" err="1" smtClean="0"/>
-              <a:t>Een</a:t>
-            </a:r>
-            <a:r>
-              <a:rPr lang="en-US" dirty="0" smtClean="0"/>
-              <a:t> </a:t>
-            </a:r>
-            <a:r>
-              <a:rPr lang="en-US" dirty="0" err="1" smtClean="0"/>
-              <a:t>beveiligd</a:t>
-            </a:r>
-            <a:r>
-              <a:rPr lang="en-US" dirty="0" smtClean="0"/>
-              <a:t> </a:t>
-            </a:r>
-            <a:r>
-              <a:rPr lang="en-US" dirty="0" err="1" smtClean="0"/>
-              <a:t>pasjes-systeem</a:t>
-            </a:r>
-            <a:r>
-              <a:rPr lang="en-US" dirty="0" smtClean="0"/>
-              <a:t> </a:t>
-            </a:r>
-            <a:r>
-              <a:rPr lang="en-US" dirty="0" err="1" smtClean="0"/>
-              <a:t>voor</a:t>
-            </a:r>
-            <a:r>
-              <a:rPr lang="en-US" dirty="0" smtClean="0"/>
-              <a:t> </a:t>
-            </a:r>
-            <a:r>
-              <a:rPr lang="en-US" dirty="0" err="1" smtClean="0"/>
-              <a:t>een</a:t>
-            </a:r>
-            <a:r>
-              <a:rPr lang="en-US" dirty="0" smtClean="0"/>
-              <a:t> hotel, met </a:t>
-            </a:r>
-            <a:r>
-              <a:rPr lang="en-US" dirty="0" err="1" smtClean="0"/>
-              <a:t>verschillende</a:t>
-            </a:r>
-            <a:r>
-              <a:rPr lang="en-US" dirty="0" smtClean="0"/>
-              <a:t> </a:t>
-            </a:r>
-            <a:r>
-              <a:rPr lang="en-US" dirty="0" err="1" smtClean="0"/>
-              <a:t>lagen</a:t>
-            </a:r>
-            <a:r>
-              <a:rPr lang="en-US" dirty="0" smtClean="0"/>
-              <a:t> van </a:t>
-            </a:r>
-            <a:r>
-              <a:rPr lang="en-US" dirty="0" err="1" smtClean="0"/>
-              <a:t>autoriteit</a:t>
-            </a:r>
             <a:endParaRPr lang="en-US" dirty="0" smtClean="0"/>
           </a:p>
         </p:txBody>
@@ -4994,8 +4154,8 @@
         </p:blipFill>
         <p:spPr bwMode="auto">
           <a:xfrm>
-            <a:off x="2803021" y="3021650"/>
-            <a:ext cx="6424538" cy="3212269"/>
+            <a:off x="1353784" y="1600200"/>
+            <a:ext cx="8931008" cy="4465504"/>
           </a:xfrm>
           <a:prstGeom prst="rect">
             <a:avLst/>
@@ -5086,6 +4246,13 @@
   <p:clrMapOvr>
     <a:masterClrMapping/>
   </p:clrMapOvr>
+  <p:timing>
+    <p:tnLst>
+      <p:par>
+        <p:cTn id="1" dur="indefinite" restart="never" nodeType="tmRoot"/>
+      </p:par>
+    </p:tnLst>
+  </p:timing>
 </p:sld>
 </file>
 
@@ -5122,86 +4289,169 @@
           <a:lstStyle/>
           <a:p>
             <a:r>
-              <a:rPr lang="en-US" dirty="0" err="1" smtClean="0"/>
-              <a:t>Gebruikte</a:t>
-            </a:r>
-            <a:r>
               <a:rPr lang="en-US" dirty="0" smtClean="0"/>
+              <a:t>Project </a:t>
+            </a:r>
+            <a:r>
+              <a:rPr lang="en-US" dirty="0" err="1"/>
+              <a:t>e</a:t>
+            </a:r>
+            <a:r>
+              <a:rPr lang="en-US" dirty="0" err="1" smtClean="0"/>
+              <a:t>isen</a:t>
+            </a:r>
+            <a:endParaRPr lang="en-US" dirty="0"/>
+          </a:p>
+        </p:txBody>
+      </p:sp>
+      <p:sp>
+        <p:nvSpPr>
+          <p:cNvPr id="3" name="Content Placeholder 2"/>
+          <p:cNvSpPr>
+            <a:spLocks noGrp="1"/>
+          </p:cNvSpPr>
+          <p:nvPr>
+            <p:ph idx="1"/>
+          </p:nvPr>
+        </p:nvSpPr>
+        <p:spPr/>
+        <p:txBody>
+          <a:bodyPr/>
+          <a:lstStyle/>
+          <a:p>
+            <a:r>
+              <a:rPr lang="nl-NL" dirty="0" smtClean="0"/>
+              <a:t>RFID-tags </a:t>
+            </a:r>
+            <a:r>
+              <a:rPr lang="nl-NL" dirty="0" smtClean="0"/>
+              <a:t>uitlezen</a:t>
+            </a:r>
+          </a:p>
+          <a:p>
+            <a:r>
+              <a:rPr lang="nl-NL" dirty="0" smtClean="0"/>
+              <a:t>ID </a:t>
+            </a:r>
+            <a:r>
+              <a:rPr lang="nl-NL" dirty="0" err="1" smtClean="0"/>
+              <a:t>encrypted</a:t>
+            </a:r>
+            <a:r>
+              <a:rPr lang="nl-NL" dirty="0" smtClean="0"/>
+              <a:t> versturen</a:t>
+            </a:r>
+            <a:endParaRPr lang="nl-NL" dirty="0"/>
+          </a:p>
+          <a:p>
+            <a:r>
+              <a:rPr lang="en-GB" dirty="0" smtClean="0"/>
+              <a:t>ID </a:t>
+            </a:r>
+            <a:r>
+              <a:rPr lang="en-GB" dirty="0" err="1" smtClean="0"/>
+              <a:t>decrypten</a:t>
+            </a:r>
+            <a:r>
+              <a:rPr lang="en-GB" dirty="0" smtClean="0"/>
               <a:t> </a:t>
             </a:r>
             <a:r>
-              <a:rPr lang="en-US" dirty="0" err="1" smtClean="0"/>
-              <a:t>middelen</a:t>
-            </a:r>
+              <a:rPr lang="en-GB" dirty="0" err="1" smtClean="0"/>
+              <a:t>en</a:t>
+            </a:r>
+            <a:r>
+              <a:rPr lang="en-GB" dirty="0" smtClean="0"/>
+              <a:t> </a:t>
+            </a:r>
+            <a:r>
+              <a:rPr lang="en-GB" dirty="0" err="1" smtClean="0"/>
+              <a:t>checken</a:t>
+            </a:r>
+            <a:endParaRPr lang="nl-NL" dirty="0"/>
+          </a:p>
+          <a:p>
+            <a:r>
+              <a:rPr lang="nl-NL" dirty="0" smtClean="0"/>
+              <a:t>de User ID </a:t>
+            </a:r>
+            <a:r>
+              <a:rPr lang="nl-NL" dirty="0" smtClean="0"/>
+              <a:t>opslaan </a:t>
+            </a:r>
+            <a:r>
+              <a:rPr lang="nl-NL" dirty="0"/>
+              <a:t>in of verwijderen uit de </a:t>
+            </a:r>
+            <a:r>
+              <a:rPr lang="nl-NL" dirty="0" smtClean="0"/>
+              <a:t>database</a:t>
+            </a:r>
+            <a:endParaRPr lang="nl-NL" dirty="0"/>
+          </a:p>
+          <a:p>
             <a:endParaRPr lang="en-US" dirty="0"/>
           </a:p>
         </p:txBody>
       </p:sp>
       <p:sp>
         <p:nvSpPr>
-          <p:cNvPr id="3" name="Content Placeholder 2"/>
-          <p:cNvSpPr>
-            <a:spLocks noGrp="1"/>
-          </p:cNvSpPr>
-          <p:nvPr>
-            <p:ph idx="1"/>
-          </p:nvPr>
-        </p:nvSpPr>
-        <p:spPr/>
-        <p:txBody>
-          <a:bodyPr/>
-          <a:lstStyle/>
-          <a:p>
-            <a:r>
-              <a:rPr lang="en-US" dirty="0" smtClean="0"/>
-              <a:t>Arduino</a:t>
-            </a:r>
-          </a:p>
-          <a:p>
-            <a:r>
-              <a:rPr lang="en-US" dirty="0" smtClean="0"/>
-              <a:t>RFID reader/writer</a:t>
-            </a:r>
-          </a:p>
-          <a:p>
-            <a:r>
-              <a:rPr lang="en-US" dirty="0" smtClean="0"/>
-              <a:t>Software </a:t>
-            </a:r>
-            <a:r>
-              <a:rPr lang="en-US" dirty="0" err="1" smtClean="0"/>
-              <a:t>voor</a:t>
-            </a:r>
-            <a:r>
-              <a:rPr lang="en-US" dirty="0" smtClean="0"/>
-              <a:t> Arduino</a:t>
-            </a:r>
-          </a:p>
-          <a:p>
-            <a:r>
-              <a:rPr lang="en-US" dirty="0" smtClean="0"/>
-              <a:t>Python</a:t>
-            </a:r>
-          </a:p>
-          <a:p>
-            <a:r>
-              <a:rPr lang="en-US" smtClean="0"/>
-              <a:t>SQlite3</a:t>
-            </a:r>
-            <a:endParaRPr lang="en-US" dirty="0" smtClean="0"/>
+          <p:cNvPr id="4" name="TextBox 3"/>
+          <p:cNvSpPr txBox="1"/>
+          <p:nvPr/>
+        </p:nvSpPr>
+        <p:spPr>
+          <a:xfrm>
+            <a:off x="10630969" y="6442502"/>
+            <a:ext cx="1486968" cy="415498"/>
+          </a:xfrm>
+          <a:prstGeom prst="rect">
+            <a:avLst/>
+          </a:prstGeom>
+          <a:noFill/>
+        </p:spPr>
+        <p:txBody>
+          <a:bodyPr wrap="square" rtlCol="0">
+            <a:spAutoFit/>
+          </a:bodyPr>
+          <a:lstStyle/>
+          <a:p>
+            <a:r>
+              <a:rPr lang="en-US" sz="1050" dirty="0"/>
+              <a:t>©</a:t>
+            </a:r>
+            <a:r>
+              <a:rPr lang="en-US" sz="1050" dirty="0" err="1"/>
+              <a:t>Kampioenen</a:t>
+            </a:r>
+            <a:r>
+              <a:rPr lang="en-US" sz="1050" dirty="0"/>
+              <a:t> 2014</a:t>
+            </a:r>
+            <a:endParaRPr lang="en-US" sz="1100" dirty="0"/>
+          </a:p>
+          <a:p>
+            <a:endParaRPr lang="nl-NL" sz="1050" dirty="0"/>
           </a:p>
         </p:txBody>
       </p:sp>
     </p:spTree>
     <p:extLst>
       <p:ext uri="{BB962C8B-B14F-4D97-AF65-F5344CB8AC3E}">
-        <p14:creationId xmlns:p14="http://schemas.microsoft.com/office/powerpoint/2010/main" val="239992434"/>
+        <p14:creationId xmlns:p14="http://schemas.microsoft.com/office/powerpoint/2010/main" val="2560782880"/>
       </p:ext>
     </p:extLst>
   </p:cSld>
   <p:clrMapOvr>
     <a:masterClrMapping/>
   </p:clrMapOvr>
+  <p:timing>
+    <p:tnLst>
+      <p:par>
+        <p:cTn id="1" dur="indefinite" restart="never" nodeType="tmRoot"/>
+      </p:par>
+    </p:tnLst>
+  </p:timing>
 </p:sld>
 </file>
 
@@ -5238,16 +4488,16 @@
           <a:lstStyle/>
           <a:p>
             <a:r>
+              <a:rPr lang="en-US" dirty="0" err="1" smtClean="0"/>
+              <a:t>Additionele</a:t>
+            </a:r>
+            <a:r>
               <a:rPr lang="en-US" dirty="0" smtClean="0"/>
-              <a:t>Project </a:t>
-            </a:r>
-            <a:r>
-              <a:rPr lang="en-US" dirty="0" err="1"/>
-              <a:t>e</a:t>
-            </a:r>
-            <a:r>
-              <a:rPr lang="en-US" dirty="0" err="1" smtClean="0"/>
-              <a:t>isen</a:t>
+              <a:t> </a:t>
+            </a:r>
+            <a:r>
+              <a:rPr lang="en-US" dirty="0" err="1" smtClean="0"/>
+              <a:t>eisen</a:t>
             </a:r>
             <a:endParaRPr lang="en-US" dirty="0"/>
           </a:p>
@@ -5269,81 +4519,92 @@
           <a:lstStyle/>
           <a:p>
             <a:r>
-              <a:rPr lang="nl-NL" dirty="0" smtClean="0"/>
-              <a:t>RFID-tags </a:t>
-            </a:r>
-            <a:r>
-              <a:rPr lang="nl-NL" dirty="0"/>
-              <a:t>kunnen </a:t>
-            </a:r>
-            <a:r>
-              <a:rPr lang="nl-NL" dirty="0" smtClean="0"/>
-              <a:t>uitlezen</a:t>
-            </a:r>
-          </a:p>
-          <a:p>
-            <a:r>
-              <a:rPr lang="nl-NL" dirty="0" smtClean="0"/>
-              <a:t>Het ID </a:t>
-            </a:r>
-            <a:r>
-              <a:rPr lang="nl-NL" dirty="0"/>
-              <a:t>van een RFID-tag beveiligd naar een computer kunnen </a:t>
-            </a:r>
-            <a:r>
-              <a:rPr lang="nl-NL" dirty="0" smtClean="0"/>
-              <a:t>versturen</a:t>
-            </a:r>
-            <a:endParaRPr lang="nl-NL" dirty="0"/>
-          </a:p>
-          <a:p>
-            <a:r>
-              <a:rPr lang="nl-NL" dirty="0" smtClean="0"/>
-              <a:t>ID </a:t>
-            </a:r>
-            <a:r>
-              <a:rPr lang="nl-NL" dirty="0"/>
-              <a:t>van een RFID-tag kunnen vergelijken met opgeslagen </a:t>
-            </a:r>
-            <a:r>
-              <a:rPr lang="nl-NL" dirty="0" smtClean="0"/>
-              <a:t>User IDs </a:t>
-            </a:r>
-            <a:r>
-              <a:rPr lang="nl-NL" dirty="0"/>
-              <a:t>in een database om te </a:t>
-            </a:r>
-            <a:r>
-              <a:rPr lang="nl-NL" dirty="0" smtClean="0"/>
-              <a:t>bepalen </a:t>
-            </a:r>
-            <a:r>
-              <a:rPr lang="nl-NL" dirty="0"/>
-              <a:t>of deze geautoriseerd </a:t>
-            </a:r>
-            <a:r>
-              <a:rPr lang="nl-NL" dirty="0" smtClean="0"/>
-              <a:t>is</a:t>
-            </a:r>
-            <a:endParaRPr lang="nl-NL" dirty="0"/>
-          </a:p>
-          <a:p>
-            <a:r>
-              <a:rPr lang="nl-NL" dirty="0" smtClean="0"/>
-              <a:t>de User ID </a:t>
-            </a:r>
-            <a:r>
-              <a:rPr lang="nl-NL" dirty="0"/>
-              <a:t>van een RFID-tag opslaan in of verwijderen uit de </a:t>
-            </a:r>
-            <a:r>
-              <a:rPr lang="nl-NL" dirty="0" smtClean="0"/>
-              <a:t>database</a:t>
-            </a:r>
-            <a:endParaRPr lang="nl-NL" dirty="0"/>
-          </a:p>
-          <a:p>
-            <a:endParaRPr lang="en-US" dirty="0"/>
+              <a:rPr lang="en-US" dirty="0" err="1" smtClean="0"/>
+              <a:t>Meerdere</a:t>
+            </a:r>
+            <a:r>
+              <a:rPr lang="en-US" dirty="0" smtClean="0"/>
+              <a:t> users</a:t>
+            </a:r>
+          </a:p>
+          <a:p>
+            <a:r>
+              <a:rPr lang="en-US" dirty="0" err="1" smtClean="0"/>
+              <a:t>Meerdere</a:t>
+            </a:r>
+            <a:r>
+              <a:rPr lang="en-US" dirty="0" smtClean="0"/>
+              <a:t> </a:t>
+            </a:r>
+            <a:r>
+              <a:rPr lang="en-US" dirty="0" err="1" smtClean="0"/>
+              <a:t>lagen</a:t>
+            </a:r>
+            <a:r>
+              <a:rPr lang="en-US" dirty="0" smtClean="0"/>
+              <a:t> van </a:t>
+            </a:r>
+            <a:r>
+              <a:rPr lang="en-US" dirty="0" err="1" smtClean="0"/>
+              <a:t>autoriteit</a:t>
+            </a:r>
+            <a:endParaRPr lang="en-US" dirty="0" smtClean="0"/>
+          </a:p>
+          <a:p>
+            <a:r>
+              <a:rPr lang="en-US" dirty="0" err="1" smtClean="0"/>
+              <a:t>Meerdere</a:t>
+            </a:r>
+            <a:r>
+              <a:rPr lang="en-US" dirty="0" smtClean="0"/>
+              <a:t> </a:t>
+            </a:r>
+            <a:r>
+              <a:rPr lang="en-US" dirty="0" err="1" smtClean="0"/>
+              <a:t>kamers</a:t>
+            </a:r>
+            <a:endParaRPr lang="en-US" dirty="0" smtClean="0"/>
+          </a:p>
+          <a:p>
+            <a:r>
+              <a:rPr lang="en-US" dirty="0" err="1" smtClean="0"/>
+              <a:t>Brandsimulatieknop</a:t>
+            </a:r>
+            <a:endParaRPr lang="en-US" dirty="0" smtClean="0"/>
+          </a:p>
+          <a:p>
+            <a:r>
+              <a:rPr lang="en-US" dirty="0" err="1" smtClean="0"/>
+              <a:t>Geschiedenis</a:t>
+            </a:r>
+            <a:r>
+              <a:rPr lang="en-US" dirty="0" smtClean="0"/>
+              <a:t> </a:t>
+            </a:r>
+            <a:r>
+              <a:rPr lang="en-US" dirty="0" err="1" smtClean="0"/>
+              <a:t>bijhouden</a:t>
+            </a:r>
+            <a:r>
+              <a:rPr lang="en-US" dirty="0"/>
+              <a:t> </a:t>
+            </a:r>
+            <a:r>
+              <a:rPr lang="en-US" dirty="0" err="1" smtClean="0"/>
+              <a:t>en</a:t>
+            </a:r>
+            <a:r>
+              <a:rPr lang="en-US" dirty="0" smtClean="0"/>
+              <a:t> </a:t>
+            </a:r>
+            <a:r>
+              <a:rPr lang="en-US" dirty="0" err="1" smtClean="0"/>
+              <a:t>opvragen</a:t>
+            </a:r>
+            <a:endParaRPr lang="en-US" dirty="0" smtClean="0"/>
+          </a:p>
+          <a:p>
+            <a:endParaRPr lang="en-US" dirty="0" smtClean="0"/>
           </a:p>
         </p:txBody>
       </p:sp>
@@ -5391,13 +4652,20 @@
     </p:spTree>
     <p:extLst>
       <p:ext uri="{BB962C8B-B14F-4D97-AF65-F5344CB8AC3E}">
-        <p14:creationId xmlns:p14="http://schemas.microsoft.com/office/powerpoint/2010/main" val="2560782880"/>
+        <p14:creationId xmlns:p14="http://schemas.microsoft.com/office/powerpoint/2010/main" val="930118598"/>
       </p:ext>
     </p:extLst>
   </p:cSld>
   <p:clrMapOvr>
     <a:masterClrMapping/>
   </p:clrMapOvr>
+  <p:timing>
+    <p:tnLst>
+      <p:par>
+        <p:cTn id="1" dur="indefinite" restart="never" nodeType="tmRoot"/>
+      </p:par>
+    </p:tnLst>
+  </p:timing>
 </p:sld>
 </file>
 
@@ -5435,241 +4703,7 @@
           <a:p>
             <a:r>
               <a:rPr lang="en-US" dirty="0" err="1" smtClean="0"/>
-              <a:t>Additionele</a:t>
-            </a:r>
-            <a:r>
-              <a:rPr lang="en-US" dirty="0" smtClean="0"/>
-              <a:t> </a:t>
-            </a:r>
-            <a:r>
-              <a:rPr lang="en-US" dirty="0" err="1" smtClean="0"/>
-              <a:t>eisen</a:t>
-            </a:r>
-            <a:endParaRPr lang="en-US" dirty="0"/>
-          </a:p>
-        </p:txBody>
-      </p:sp>
-      <p:sp>
-        <p:nvSpPr>
-          <p:cNvPr id="3" name="Content Placeholder 2"/>
-          <p:cNvSpPr>
-            <a:spLocks noGrp="1"/>
-          </p:cNvSpPr>
-          <p:nvPr>
-            <p:ph idx="1"/>
-          </p:nvPr>
-        </p:nvSpPr>
-        <p:spPr/>
-        <p:txBody>
-          <a:bodyPr/>
-          <a:lstStyle/>
-          <a:p>
-            <a:r>
-              <a:rPr lang="en-US" dirty="0" err="1" smtClean="0"/>
-              <a:t>Meerdere</a:t>
-            </a:r>
-            <a:r>
-              <a:rPr lang="en-US" dirty="0" smtClean="0"/>
-              <a:t> users</a:t>
-            </a:r>
-          </a:p>
-          <a:p>
-            <a:r>
-              <a:rPr lang="en-US" dirty="0" err="1" smtClean="0"/>
-              <a:t>Meerdere</a:t>
-            </a:r>
-            <a:r>
-              <a:rPr lang="en-US" dirty="0" smtClean="0"/>
-              <a:t> </a:t>
-            </a:r>
-            <a:r>
-              <a:rPr lang="en-US" dirty="0" err="1" smtClean="0"/>
-              <a:t>lagen</a:t>
-            </a:r>
-            <a:r>
-              <a:rPr lang="en-US" dirty="0" smtClean="0"/>
-              <a:t> van </a:t>
-            </a:r>
-            <a:r>
-              <a:rPr lang="en-US" dirty="0" err="1" smtClean="0"/>
-              <a:t>autoriteiten</a:t>
-            </a:r>
-            <a:endParaRPr lang="en-US" dirty="0" smtClean="0"/>
-          </a:p>
-          <a:p>
-            <a:r>
-              <a:rPr lang="en-US" dirty="0" err="1" smtClean="0"/>
-              <a:t>Meerdere</a:t>
-            </a:r>
-            <a:r>
-              <a:rPr lang="en-US" dirty="0" smtClean="0"/>
-              <a:t> </a:t>
-            </a:r>
-            <a:r>
-              <a:rPr lang="en-US" dirty="0" err="1" smtClean="0"/>
-              <a:t>kamers</a:t>
-            </a:r>
-            <a:endParaRPr lang="en-US" dirty="0" smtClean="0"/>
-          </a:p>
-          <a:p>
-            <a:r>
-              <a:rPr lang="en-US" dirty="0" smtClean="0"/>
-              <a:t>Emergency knop</a:t>
-            </a:r>
-          </a:p>
-          <a:p>
-            <a:r>
-              <a:rPr lang="en-US" dirty="0" err="1" smtClean="0"/>
-              <a:t>Een</a:t>
-            </a:r>
-            <a:r>
-              <a:rPr lang="en-US" dirty="0" smtClean="0"/>
-              <a:t> log van </a:t>
-            </a:r>
-            <a:r>
-              <a:rPr lang="en-US" dirty="0" err="1" smtClean="0"/>
-              <a:t>wie</a:t>
-            </a:r>
-            <a:r>
-              <a:rPr lang="en-US" dirty="0" smtClean="0"/>
-              <a:t> </a:t>
-            </a:r>
-            <a:r>
-              <a:rPr lang="en-US" dirty="0" err="1" smtClean="0"/>
-              <a:t>wanneer</a:t>
-            </a:r>
-            <a:r>
-              <a:rPr lang="en-US" dirty="0" smtClean="0"/>
-              <a:t> </a:t>
-            </a:r>
-            <a:r>
-              <a:rPr lang="en-US" dirty="0" err="1" smtClean="0"/>
-              <a:t>een</a:t>
-            </a:r>
-            <a:r>
-              <a:rPr lang="en-US" dirty="0" smtClean="0"/>
-              <a:t> </a:t>
-            </a:r>
-            <a:r>
-              <a:rPr lang="en-US" dirty="0" err="1" smtClean="0"/>
-              <a:t>kamer</a:t>
-            </a:r>
-            <a:r>
-              <a:rPr lang="en-US" dirty="0" smtClean="0"/>
-              <a:t> in </a:t>
-            </a:r>
-            <a:r>
-              <a:rPr lang="en-US" dirty="0" err="1" smtClean="0"/>
-              <a:t>gaat</a:t>
-            </a:r>
-            <a:endParaRPr lang="en-US" dirty="0" smtClean="0"/>
-          </a:p>
-          <a:p>
-            <a:endParaRPr lang="en-US" dirty="0" smtClean="0"/>
-          </a:p>
-        </p:txBody>
-      </p:sp>
-      <p:sp>
-        <p:nvSpPr>
-          <p:cNvPr id="4" name="TextBox 3"/>
-          <p:cNvSpPr txBox="1"/>
-          <p:nvPr/>
-        </p:nvSpPr>
-        <p:spPr>
-          <a:xfrm>
-            <a:off x="10630969" y="6442502"/>
-            <a:ext cx="1486968" cy="415498"/>
-          </a:xfrm>
-          <a:prstGeom prst="rect">
-            <a:avLst/>
-          </a:prstGeom>
-          <a:noFill/>
-        </p:spPr>
-        <p:txBody>
-          <a:bodyPr wrap="square" rtlCol="0">
-            <a:spAutoFit/>
-          </a:bodyPr>
-          <a:lstStyle/>
-          <a:p>
-            <a:r>
-              <a:rPr lang="en-US" sz="1050" dirty="0"/>
-              <a:t>©</a:t>
-            </a:r>
-            <a:r>
-              <a:rPr lang="en-US" sz="1050" dirty="0" err="1"/>
-              <a:t>Kampioenen</a:t>
-            </a:r>
-            <a:r>
-              <a:rPr lang="en-US" sz="1050" dirty="0"/>
-              <a:t> 2014</a:t>
-            </a:r>
-            <a:endParaRPr lang="en-US" sz="1100" dirty="0"/>
-          </a:p>
-          <a:p>
-            <a:endParaRPr lang="nl-NL" sz="1050" dirty="0"/>
-          </a:p>
-        </p:txBody>
-      </p:sp>
-    </p:spTree>
-    <p:extLst>
-      <p:ext uri="{BB962C8B-B14F-4D97-AF65-F5344CB8AC3E}">
-        <p14:creationId xmlns:p14="http://schemas.microsoft.com/office/powerpoint/2010/main" val="930118598"/>
-      </p:ext>
-    </p:extLst>
-  </p:cSld>
-  <p:clrMapOvr>
-    <a:masterClrMapping/>
-  </p:clrMapOvr>
-</p:sld>
-</file>
-
-<file path=ppt/slides/slide7.xml><?xml version="1.0" encoding="utf-8"?>
-<p:sld xmlns:a="http://schemas.openxmlformats.org/drawingml/2006/main" xmlns:r="http://schemas.openxmlformats.org/officeDocument/2006/relationships" xmlns:p="http://schemas.openxmlformats.org/presentationml/2006/main">
-  <p:cSld>
-    <p:spTree>
-      <p:nvGrpSpPr>
-        <p:cNvPr id="1" name=""/>
-        <p:cNvGrpSpPr/>
-        <p:nvPr/>
-      </p:nvGrpSpPr>
-      <p:grpSpPr>
-        <a:xfrm>
-          <a:off x="0" y="0"/>
-          <a:ext cx="0" cy="0"/>
-          <a:chOff x="0" y="0"/>
-          <a:chExt cx="0" cy="0"/>
-        </a:xfrm>
-      </p:grpSpPr>
-      <p:sp>
-        <p:nvSpPr>
-          <p:cNvPr id="2" name="Title 1"/>
-          <p:cNvSpPr>
-            <a:spLocks noGrp="1"/>
-          </p:cNvSpPr>
-          <p:nvPr>
-            <p:ph type="title"/>
-          </p:nvPr>
-        </p:nvSpPr>
-        <p:spPr/>
-        <p:txBody>
-          <a:bodyPr/>
-          <a:lstStyle/>
-          <a:p>
-            <a:r>
-              <a:rPr lang="en-US" dirty="0" err="1" smtClean="0"/>
-              <a:t>Werking</a:t>
-            </a:r>
-            <a:r>
-              <a:rPr lang="en-US" dirty="0" smtClean="0"/>
-              <a:t> </a:t>
-            </a:r>
-            <a:r>
-              <a:rPr lang="en-US" dirty="0" err="1"/>
-              <a:t>b</a:t>
-            </a:r>
-            <a:r>
-              <a:rPr lang="en-US" dirty="0" err="1" smtClean="0"/>
-              <a:t>eveiliging</a:t>
+              <a:t>Beveiliging</a:t>
             </a:r>
             <a:endParaRPr lang="en-US" dirty="0"/>
           </a:p>
@@ -5708,19 +4742,34 @@
               <a:t> </a:t>
             </a:r>
             <a:r>
-              <a:rPr lang="en-US" dirty="0" err="1" smtClean="0"/>
-              <a:t>arduino</a:t>
+              <a:rPr lang="en-US" dirty="0"/>
+              <a:t>A</a:t>
+            </a:r>
+            <a:r>
+              <a:rPr lang="en-US" dirty="0" smtClean="0"/>
+              <a:t>rduino</a:t>
             </a:r>
             <a:endParaRPr lang="en-US" dirty="0" smtClean="0"/>
           </a:p>
           <a:p>
             <a:r>
               <a:rPr lang="en-US" dirty="0" smtClean="0"/>
-              <a:t>Processed door </a:t>
-            </a:r>
-            <a:r>
-              <a:rPr lang="en-US" dirty="0" err="1" smtClean="0"/>
-              <a:t>zowel</a:t>
+              <a:t>Arduino encrypt de Card-</a:t>
+            </a:r>
+            <a:r>
+              <a:rPr lang="en-US" dirty="0" smtClean="0"/>
+              <a:t>ID</a:t>
+            </a:r>
+            <a:endParaRPr lang="en-US" dirty="0" smtClean="0"/>
+          </a:p>
+          <a:p>
+            <a:r>
+              <a:rPr lang="en-US" dirty="0" smtClean="0"/>
+              <a:t>Arduino </a:t>
+            </a:r>
+            <a:r>
+              <a:rPr lang="en-US" dirty="0" err="1" smtClean="0"/>
+              <a:t>stuurt</a:t>
             </a:r>
             <a:r>
               <a:rPr lang="en-US" dirty="0" smtClean="0"/>
@@ -5728,36 +4777,6 @@
             </a:r>
             <a:r>
               <a:rPr lang="en-US" dirty="0" err="1" smtClean="0"/>
-              <a:t>Arduino</a:t>
-            </a:r>
-            <a:r>
-              <a:rPr lang="en-US" dirty="0" smtClean="0"/>
-              <a:t> </a:t>
-            </a:r>
-            <a:r>
-              <a:rPr lang="en-US" dirty="0" err="1" smtClean="0"/>
-              <a:t>als</a:t>
-            </a:r>
-            <a:r>
-              <a:rPr lang="en-US" dirty="0" smtClean="0"/>
-              <a:t> Server</a:t>
-            </a:r>
-          </a:p>
-          <a:p>
-            <a:r>
-              <a:rPr lang="en-US" dirty="0" smtClean="0"/>
-              <a:t>Arduino </a:t>
-            </a:r>
-            <a:r>
-              <a:rPr lang="en-US" dirty="0" err="1" smtClean="0"/>
-              <a:t>stuurt</a:t>
-            </a:r>
-            <a:r>
-              <a:rPr lang="en-US" dirty="0" smtClean="0"/>
-              <a:t> </a:t>
-            </a:r>
-            <a:r>
-              <a:rPr lang="en-US" dirty="0" err="1" smtClean="0"/>
               <a:t>versleutelde</a:t>
             </a:r>
             <a:r>
@@ -5776,12 +4795,12 @@
               <a:t>Server </a:t>
             </a:r>
             <a:r>
-              <a:rPr lang="en-US" dirty="0" err="1" smtClean="0"/>
-              <a:t>vergelijkt</a:t>
-            </a:r>
-            <a:r>
               <a:rPr lang="en-US" dirty="0" smtClean="0"/>
-              <a:t> en </a:t>
+              <a:t>decrypt </a:t>
+            </a:r>
+            <a:r>
+              <a:rPr lang="en-US" dirty="0" smtClean="0"/>
+              <a:t>en </a:t>
             </a:r>
             <a:r>
               <a:rPr lang="en-US" dirty="0" err="1" smtClean="0"/>
@@ -5884,6 +4903,131 @@
     <p:extLst>
       <p:ext uri="{BB962C8B-B14F-4D97-AF65-F5344CB8AC3E}">
         <p14:creationId xmlns:p14="http://schemas.microsoft.com/office/powerpoint/2010/main" val="2584724382"/>
+      </p:ext>
+    </p:extLst>
+  </p:cSld>
+  <p:clrMapOvr>
+    <a:masterClrMapping/>
+  </p:clrMapOvr>
+  <p:timing>
+    <p:tnLst>
+      <p:par>
+        <p:cTn id="1" dur="indefinite" restart="never" nodeType="tmRoot"/>
+      </p:par>
+    </p:tnLst>
+  </p:timing>
+</p:sld>
+</file>
+
+<file path=ppt/slides/slide7.xml><?xml version="1.0" encoding="utf-8"?>
+<p:sld xmlns:a="http://schemas.openxmlformats.org/drawingml/2006/main" xmlns:r="http://schemas.openxmlformats.org/officeDocument/2006/relationships" xmlns:p="http://schemas.openxmlformats.org/presentationml/2006/main">
+  <p:cSld>
+    <p:spTree>
+      <p:nvGrpSpPr>
+        <p:cNvPr id="1" name=""/>
+        <p:cNvGrpSpPr/>
+        <p:nvPr/>
+      </p:nvGrpSpPr>
+      <p:grpSpPr>
+        <a:xfrm>
+          <a:off x="0" y="0"/>
+          <a:ext cx="0" cy="0"/>
+          <a:chOff x="0" y="0"/>
+          <a:chExt cx="0" cy="0"/>
+        </a:xfrm>
+      </p:grpSpPr>
+      <p:sp>
+        <p:nvSpPr>
+          <p:cNvPr id="2" name="Title 1"/>
+          <p:cNvSpPr>
+            <a:spLocks noGrp="1"/>
+          </p:cNvSpPr>
+          <p:nvPr>
+            <p:ph type="title"/>
+          </p:nvPr>
+        </p:nvSpPr>
+        <p:spPr/>
+        <p:txBody>
+          <a:bodyPr/>
+          <a:lstStyle/>
+          <a:p>
+            <a:r>
+              <a:rPr lang="en-GB" dirty="0" err="1" smtClean="0"/>
+              <a:t>Gaten</a:t>
+            </a:r>
+            <a:r>
+              <a:rPr lang="en-GB" dirty="0" smtClean="0"/>
+              <a:t> in de </a:t>
+            </a:r>
+            <a:r>
+              <a:rPr lang="en-GB" dirty="0" err="1" smtClean="0"/>
+              <a:t>beveiliging</a:t>
+            </a:r>
+            <a:endParaRPr lang="nl-NL" dirty="0"/>
+          </a:p>
+        </p:txBody>
+      </p:sp>
+      <p:sp>
+        <p:nvSpPr>
+          <p:cNvPr id="3" name="Content Placeholder 2"/>
+          <p:cNvSpPr>
+            <a:spLocks noGrp="1"/>
+          </p:cNvSpPr>
+          <p:nvPr>
+            <p:ph idx="1"/>
+          </p:nvPr>
+        </p:nvSpPr>
+        <p:spPr/>
+        <p:txBody>
+          <a:bodyPr/>
+          <a:lstStyle/>
+          <a:p>
+            <a:r>
+              <a:rPr lang="en-GB" dirty="0" smtClean="0"/>
+              <a:t>Arduino </a:t>
+            </a:r>
+            <a:r>
+              <a:rPr lang="en-GB" dirty="0" err="1" smtClean="0"/>
+              <a:t>uitlezen</a:t>
+            </a:r>
+            <a:endParaRPr lang="en-GB" dirty="0" smtClean="0"/>
+          </a:p>
+          <a:p>
+            <a:r>
+              <a:rPr lang="en-GB" dirty="0" err="1" smtClean="0"/>
+              <a:t>Toegang</a:t>
+            </a:r>
+            <a:r>
+              <a:rPr lang="en-GB" dirty="0" smtClean="0"/>
+              <a:t> tot de code van het </a:t>
+            </a:r>
+            <a:r>
+              <a:rPr lang="en-GB" dirty="0" err="1" smtClean="0"/>
+              <a:t>programma</a:t>
+            </a:r>
+            <a:endParaRPr lang="en-GB" dirty="0" smtClean="0"/>
+          </a:p>
+          <a:p>
+            <a:r>
+              <a:rPr lang="en-GB" dirty="0" err="1" smtClean="0"/>
+              <a:t>Kopiëren</a:t>
+            </a:r>
+            <a:r>
+              <a:rPr lang="en-GB" dirty="0" smtClean="0"/>
+              <a:t> van </a:t>
+            </a:r>
+            <a:r>
+              <a:rPr lang="en-GB" dirty="0" err="1" smtClean="0"/>
+              <a:t>pasjes</a:t>
+            </a:r>
+            <a:endParaRPr lang="nl-NL" dirty="0"/>
+          </a:p>
+        </p:txBody>
+      </p:sp>
+    </p:spTree>
+    <p:extLst>
+      <p:ext uri="{BB962C8B-B14F-4D97-AF65-F5344CB8AC3E}">
+        <p14:creationId xmlns:p14="http://schemas.microsoft.com/office/powerpoint/2010/main" val="3307144125"/>
       </p:ext>
     </p:extLst>
   </p:cSld>
@@ -5926,8 +5070,35 @@
           <a:lstStyle/>
           <a:p>
             <a:r>
-              <a:rPr lang="en-US" dirty="0" err="1" smtClean="0"/>
-              <a:t>Effectiefheid</a:t>
+              <a:rPr lang="en-US" dirty="0" smtClean="0"/>
+              <a:t>Kern van het </a:t>
+            </a:r>
+            <a:r>
+              <a:rPr lang="en-US" dirty="0" err="1" smtClean="0"/>
+              <a:t>systeem</a:t>
+            </a:r>
+            <a:endParaRPr lang="en-US" dirty="0"/>
+          </a:p>
+        </p:txBody>
+      </p:sp>
+      <p:sp>
+        <p:nvSpPr>
+          <p:cNvPr id="3" name="Content Placeholder 2"/>
+          <p:cNvSpPr>
+            <a:spLocks noGrp="1"/>
+          </p:cNvSpPr>
+          <p:nvPr>
+            <p:ph idx="1"/>
+          </p:nvPr>
+        </p:nvSpPr>
+        <p:spPr/>
+        <p:txBody>
+          <a:bodyPr/>
+          <a:lstStyle/>
+          <a:p>
+            <a:r>
+              <a:rPr lang="en-US" dirty="0" err="1" smtClean="0"/>
+              <a:t>Kan</a:t>
             </a:r>
             <a:r>
               <a:rPr lang="en-US" dirty="0" smtClean="0"/>
@@ -5935,34 +5106,7 @@
             </a:r>
             <a:r>
               <a:rPr lang="en-US" dirty="0" err="1" smtClean="0"/>
-              <a:t>beveiliging</a:t>
-            </a:r>
-            <a:endParaRPr lang="en-US" dirty="0"/>
-          </a:p>
-        </p:txBody>
-      </p:sp>
-      <p:sp>
-        <p:nvSpPr>
-          <p:cNvPr id="3" name="Content Placeholder 2"/>
-          <p:cNvSpPr>
-            <a:spLocks noGrp="1"/>
-          </p:cNvSpPr>
-          <p:nvPr>
-            <p:ph idx="1"/>
-          </p:nvPr>
-        </p:nvSpPr>
-        <p:spPr/>
-        <p:txBody>
-          <a:bodyPr/>
-          <a:lstStyle/>
-          <a:p>
-            <a:r>
-              <a:rPr lang="en-US" dirty="0" smtClean="0"/>
-              <a:t>Database </a:t>
-            </a:r>
-            <a:r>
-              <a:rPr lang="en-US" dirty="0" err="1" smtClean="0"/>
-              <a:t>niet</a:t>
+              <a:t>pasjes</a:t>
             </a:r>
             <a:r>
               <a:rPr lang="en-US" dirty="0" smtClean="0"/>
@@ -5970,18 +5114,22 @@
             </a:r>
             <a:r>
               <a:rPr lang="en-US" dirty="0" err="1" smtClean="0"/>
-              <a:t>beveiligd</a:t>
+              <a:t>activeren</a:t>
+            </a:r>
+            <a:r>
+              <a:rPr lang="en-US" dirty="0" smtClean="0"/>
+              <a:t>/</a:t>
+            </a:r>
+            <a:r>
+              <a:rPr lang="en-US" dirty="0" err="1" smtClean="0"/>
+              <a:t>deactiveren</a:t>
             </a:r>
             <a:endParaRPr lang="en-US" dirty="0" smtClean="0"/>
           </a:p>
           <a:p>
             <a:r>
-              <a:rPr lang="en-US" dirty="0" smtClean="0"/>
-              <a:t>User interface </a:t>
-            </a:r>
-            <a:r>
-              <a:rPr lang="en-US" dirty="0" err="1" smtClean="0"/>
-              <a:t>wel</a:t>
+              <a:rPr lang="en-US" dirty="0" err="1" smtClean="0"/>
+              <a:t>Kan</a:t>
             </a:r>
             <a:r>
               <a:rPr lang="en-US" dirty="0" smtClean="0"/>
@@ -5989,15 +5137,7 @@
             </a:r>
             <a:r>
               <a:rPr lang="en-US" dirty="0" err="1" smtClean="0"/>
-              <a:t>beveiligd</a:t>
-            </a:r>
-            <a:r>
-              <a:rPr lang="en-US" dirty="0" smtClean="0"/>
-              <a:t>, maar </a:t>
-            </a:r>
-            <a:r>
-              <a:rPr lang="en-US" dirty="0" err="1" smtClean="0"/>
-              <a:t>zonder</a:t>
+              <a:t>pasjes</a:t>
             </a:r>
             <a:r>
               <a:rPr lang="en-US" dirty="0" smtClean="0"/>
@@ -6005,22 +5145,23 @@
             </a:r>
             <a:r>
               <a:rPr lang="en-US" dirty="0" err="1" smtClean="0"/>
-              <a:t>encryptie</a:t>
-            </a:r>
-            <a:endParaRPr lang="en-US" dirty="0" smtClean="0"/>
-          </a:p>
-          <a:p>
-            <a:r>
-              <a:rPr lang="en-US" dirty="0" err="1" smtClean="0"/>
-              <a:t>Verbinding</a:t>
+              <a:t>identificeren</a:t>
             </a:r>
             <a:r>
               <a:rPr lang="en-US" dirty="0" smtClean="0"/>
-              <a:t> server-Arduino </a:t>
-            </a:r>
-            <a:r>
-              <a:rPr lang="en-US" dirty="0" err="1" smtClean="0"/>
-              <a:t>niet</a:t>
+              <a:t> en (</a:t>
+            </a:r>
+            <a:r>
+              <a:rPr lang="en-US" dirty="0" err="1" smtClean="0"/>
+              <a:t>geen</a:t>
+            </a:r>
+            <a:r>
+              <a:rPr lang="en-US" dirty="0" smtClean="0"/>
+              <a:t>) </a:t>
+            </a:r>
+            <a:r>
+              <a:rPr lang="en-US" dirty="0" err="1" smtClean="0"/>
+              <a:t>toegang</a:t>
             </a:r>
             <a:r>
               <a:rPr lang="en-US" dirty="0" smtClean="0"/>
@@ -6028,41 +5169,123 @@
             </a:r>
             <a:r>
               <a:rPr lang="en-US" dirty="0" err="1" smtClean="0"/>
-              <a:t>zeer</a:t>
-            </a:r>
-            <a:r>
-              <a:rPr lang="en-US" dirty="0" smtClean="0"/>
+              <a:t>verlenen</a:t>
+            </a:r>
+            <a:endParaRPr lang="en-US" dirty="0" smtClean="0"/>
+          </a:p>
+          <a:p>
+            <a:r>
+              <a:rPr lang="en-US" dirty="0" err="1"/>
+              <a:t>Kan</a:t>
+            </a:r>
+            <a:r>
+              <a:rPr lang="en-US" dirty="0"/>
               <a:t> </a:t>
             </a:r>
             <a:r>
-              <a:rPr lang="en-US" dirty="0" err="1" smtClean="0"/>
-              <a:t>goed</a:t>
-            </a:r>
-            <a:r>
-              <a:rPr lang="en-US" dirty="0" smtClean="0"/>
+              <a:rPr lang="en-US" dirty="0" err="1"/>
+              <a:t>pasjes</a:t>
+            </a:r>
+            <a:r>
+              <a:rPr lang="en-US" dirty="0"/>
               <a:t> </a:t>
             </a:r>
             <a:r>
-              <a:rPr lang="en-US" dirty="0" err="1" smtClean="0"/>
-              <a:t>beveiligd</a:t>
-            </a:r>
-            <a:endParaRPr lang="en-US" dirty="0" smtClean="0"/>
+              <a:rPr lang="en-US" dirty="0" err="1"/>
+              <a:t>toevoegen</a:t>
+            </a:r>
+            <a:r>
+              <a:rPr lang="en-US" dirty="0"/>
+              <a:t> </a:t>
+            </a:r>
+            <a:r>
+              <a:rPr lang="en-US" dirty="0" err="1"/>
+              <a:t>dan</a:t>
+            </a:r>
+            <a:r>
+              <a:rPr lang="en-US" dirty="0"/>
+              <a:t> </a:t>
+            </a:r>
+            <a:r>
+              <a:rPr lang="en-US" dirty="0" err="1"/>
+              <a:t>wel</a:t>
+            </a:r>
+            <a:r>
+              <a:rPr lang="en-US" dirty="0"/>
+              <a:t> </a:t>
+            </a:r>
+            <a:r>
+              <a:rPr lang="en-US" dirty="0" err="1"/>
+              <a:t>verwijderen</a:t>
+            </a:r>
+            <a:r>
+              <a:rPr lang="en-US" dirty="0"/>
+              <a:t> van de database</a:t>
+            </a:r>
           </a:p>
           <a:p>
             <a:endParaRPr lang="en-US" dirty="0"/>
+          </a:p>
+        </p:txBody>
+      </p:sp>
+      <p:sp>
+        <p:nvSpPr>
+          <p:cNvPr id="4" name="TextBox 3"/>
+          <p:cNvSpPr txBox="1"/>
+          <p:nvPr/>
+        </p:nvSpPr>
+        <p:spPr>
+          <a:xfrm>
+            <a:off x="10630969" y="6442502"/>
+            <a:ext cx="1486968" cy="415498"/>
+          </a:xfrm>
+          <a:prstGeom prst="rect">
+            <a:avLst/>
+          </a:prstGeom>
+          <a:noFill/>
+        </p:spPr>
+        <p:txBody>
+          <a:bodyPr wrap="square" rtlCol="0">
+            <a:spAutoFit/>
+          </a:bodyPr>
+          <a:lstStyle/>
+          <a:p>
+            <a:r>
+              <a:rPr lang="en-US" sz="1050" dirty="0"/>
+              <a:t>©</a:t>
+            </a:r>
+            <a:r>
+              <a:rPr lang="en-US" sz="1050" dirty="0" err="1"/>
+              <a:t>Kampioenen</a:t>
+            </a:r>
+            <a:r>
+              <a:rPr lang="en-US" sz="1050" dirty="0"/>
+              <a:t> 2014</a:t>
+            </a:r>
+            <a:endParaRPr lang="en-US" sz="1100" dirty="0"/>
+          </a:p>
+          <a:p>
+            <a:endParaRPr lang="nl-NL" sz="1050" dirty="0"/>
           </a:p>
         </p:txBody>
       </p:sp>
     </p:spTree>
     <p:extLst>
       <p:ext uri="{BB962C8B-B14F-4D97-AF65-F5344CB8AC3E}">
-        <p14:creationId xmlns:p14="http://schemas.microsoft.com/office/powerpoint/2010/main" val="4253558893"/>
+        <p14:creationId xmlns:p14="http://schemas.microsoft.com/office/powerpoint/2010/main" val="2435106487"/>
       </p:ext>
     </p:extLst>
   </p:cSld>
   <p:clrMapOvr>
     <a:masterClrMapping/>
   </p:clrMapOvr>
+  <p:timing>
+    <p:tnLst>
+      <p:par>
+        <p:cTn id="1" dur="indefinite" restart="never" nodeType="tmRoot"/>
+      </p:par>
+    </p:tnLst>
+  </p:timing>
 </p:sld>
 </file>
 
@@ -6099,38 +5322,8 @@
           <a:lstStyle/>
           <a:p>
             <a:r>
-              <a:rPr lang="en-US" dirty="0" smtClean="0"/>
-              <a:t>User interface</a:t>
-            </a:r>
-            <a:endParaRPr lang="en-US" dirty="0"/>
-          </a:p>
-        </p:txBody>
-      </p:sp>
-      <p:sp>
-        <p:nvSpPr>
-          <p:cNvPr id="3" name="Content Placeholder 2"/>
-          <p:cNvSpPr>
-            <a:spLocks noGrp="1"/>
-          </p:cNvSpPr>
-          <p:nvPr>
-            <p:ph idx="1"/>
-          </p:nvPr>
-        </p:nvSpPr>
-        <p:spPr/>
-        <p:txBody>
-          <a:bodyPr/>
-          <a:lstStyle/>
-          <a:p>
-            <a:r>
-              <a:rPr lang="en-US" dirty="0" err="1" smtClean="0"/>
-              <a:t>Duidelijk</a:t>
-            </a:r>
-            <a:endParaRPr lang="en-US" dirty="0" smtClean="0"/>
-          </a:p>
-          <a:p>
-            <a:r>
-              <a:rPr lang="en-US" dirty="0" err="1" smtClean="0"/>
-              <a:t>Opties</a:t>
+              <a:rPr lang="en-US" dirty="0" err="1" smtClean="0"/>
+              <a:t>Volledige</a:t>
             </a:r>
             <a:r>
               <a:rPr lang="en-US" dirty="0" smtClean="0"/>
@@ -6138,18 +5331,71 @@
             </a:r>
             <a:r>
               <a:rPr lang="en-US" dirty="0" err="1" smtClean="0"/>
-              <a:t>voor</a:t>
-            </a:r>
+              <a:t>systeem</a:t>
+            </a:r>
+            <a:endParaRPr lang="en-US" dirty="0"/>
+          </a:p>
+        </p:txBody>
+      </p:sp>
+      <p:sp>
+        <p:nvSpPr>
+          <p:cNvPr id="3" name="Content Placeholder 2"/>
+          <p:cNvSpPr>
+            <a:spLocks noGrp="1"/>
+          </p:cNvSpPr>
+          <p:nvPr>
+            <p:ph idx="1"/>
+          </p:nvPr>
+        </p:nvSpPr>
+        <p:spPr/>
+        <p:txBody>
+          <a:bodyPr>
+            <a:normAutofit/>
+          </a:bodyPr>
+          <a:lstStyle/>
+          <a:p>
+            <a:r>
+              <a:rPr lang="en-US" dirty="0" err="1" smtClean="0"/>
+              <a:t>Brandsimulatieknop</a:t>
+            </a:r>
+            <a:endParaRPr lang="en-US" dirty="0" smtClean="0"/>
+          </a:p>
+          <a:p>
             <a:r>
               <a:rPr lang="en-US" dirty="0" smtClean="0"/>
-              <a:t>:</a:t>
-            </a:r>
-          </a:p>
-          <a:p>
-            <a:pPr lvl="1"/>
-            <a:r>
-              <a:rPr lang="en-US" dirty="0" err="1" smtClean="0"/>
-              <a:t>Toevoegen</a:t>
+              <a:t>‘</a:t>
+            </a:r>
+            <a:r>
+              <a:rPr lang="en-US" dirty="0" err="1"/>
+              <a:t>M</a:t>
+            </a:r>
+            <a:r>
+              <a:rPr lang="en-US" dirty="0" err="1" smtClean="0"/>
+              <a:t>ooie</a:t>
+            </a:r>
+            <a:r>
+              <a:rPr lang="en-US" dirty="0" smtClean="0"/>
+              <a:t>’ GUI</a:t>
+            </a:r>
+          </a:p>
+          <a:p>
+            <a:r>
+              <a:rPr lang="en-US" dirty="0" err="1" smtClean="0"/>
+              <a:t>Geschiedenis</a:t>
+            </a:r>
+            <a:endParaRPr lang="en-US" dirty="0"/>
+          </a:p>
+          <a:p>
+            <a:r>
+              <a:rPr lang="en-US" dirty="0" err="1" smtClean="0"/>
+              <a:t>Zoeken</a:t>
+            </a:r>
+            <a:endParaRPr lang="en-US" dirty="0" smtClean="0"/>
+          </a:p>
+          <a:p>
+            <a:r>
+              <a:rPr lang="en-US" dirty="0" err="1" smtClean="0"/>
+              <a:t>Activeren</a:t>
             </a:r>
             <a:r>
               <a:rPr lang="en-US" dirty="0" smtClean="0"/>
@@ -6157,107 +5403,7 @@
             </a:r>
             <a:r>
               <a:rPr lang="en-US" dirty="0" err="1" smtClean="0"/>
-              <a:t>verwijderen</a:t>
-            </a:r>
-            <a:r>
-              <a:rPr lang="en-US" dirty="0" smtClean="0"/>
-              <a:t> users</a:t>
-            </a:r>
-          </a:p>
-          <a:p>
-            <a:pPr lvl="1"/>
-            <a:r>
-              <a:rPr lang="en-US" dirty="0" err="1" smtClean="0"/>
-              <a:t>Opvragen</a:t>
-            </a:r>
-            <a:r>
-              <a:rPr lang="en-US" dirty="0" smtClean="0"/>
-              <a:t> data users</a:t>
-            </a:r>
-          </a:p>
-          <a:p>
-            <a:pPr lvl="1"/>
-            <a:r>
-              <a:rPr lang="en-US" dirty="0" smtClean="0"/>
-              <a:t>Alarm!</a:t>
-            </a:r>
-          </a:p>
-          <a:p>
-            <a:pPr lvl="1"/>
-            <a:r>
-              <a:rPr lang="en-US" dirty="0" err="1" smtClean="0"/>
-              <a:t>Activeren</a:t>
-            </a:r>
-            <a:r>
-              <a:rPr lang="en-US" dirty="0" smtClean="0"/>
-              <a:t> en </a:t>
-            </a:r>
-            <a:r>
-              <a:rPr lang="en-US" dirty="0" err="1" smtClean="0"/>
-              <a:t>deactiveren</a:t>
-            </a:r>
-            <a:r>
-              <a:rPr lang="en-US" dirty="0" smtClean="0"/>
-              <a:t> (met User ID of met </a:t>
-            </a:r>
-            <a:r>
-              <a:rPr lang="en-US" dirty="0" err="1" smtClean="0"/>
-              <a:t>pasje</a:t>
-            </a:r>
-            <a:r>
-              <a:rPr lang="en-US" dirty="0" smtClean="0"/>
-              <a:t>)</a:t>
-            </a:r>
-          </a:p>
-          <a:p>
-            <a:pPr lvl="1"/>
-            <a:r>
-              <a:rPr lang="en-US" dirty="0" err="1" smtClean="0"/>
-              <a:t>Logbestanden</a:t>
-            </a:r>
-            <a:r>
-              <a:rPr lang="en-US" dirty="0" smtClean="0"/>
-              <a:t> van </a:t>
-            </a:r>
-            <a:r>
-              <a:rPr lang="en-US" dirty="0" err="1" smtClean="0"/>
-              <a:t>openen</a:t>
-            </a:r>
-            <a:r>
-              <a:rPr lang="en-US" dirty="0" smtClean="0"/>
-              <a:t> van </a:t>
-            </a:r>
-            <a:r>
-              <a:rPr lang="en-US" dirty="0" err="1" smtClean="0"/>
-              <a:t>deuren</a:t>
-            </a:r>
-            <a:r>
-              <a:rPr lang="en-US" dirty="0" smtClean="0"/>
-              <a:t> </a:t>
-            </a:r>
-            <a:r>
-              <a:rPr lang="en-US" dirty="0" err="1" smtClean="0"/>
-              <a:t>opvragen</a:t>
-            </a:r>
-            <a:endParaRPr lang="en-US" dirty="0" smtClean="0"/>
-          </a:p>
-          <a:p>
-            <a:pPr lvl="1"/>
-            <a:r>
-              <a:rPr lang="en-US" dirty="0" err="1" smtClean="0"/>
-              <a:t>Zoeken</a:t>
-            </a:r>
-            <a:r>
-              <a:rPr lang="en-US" dirty="0" smtClean="0"/>
-              <a:t> </a:t>
-            </a:r>
-            <a:r>
-              <a:rPr lang="en-US" dirty="0" err="1" smtClean="0"/>
-              <a:t>naar</a:t>
-            </a:r>
-            <a:r>
-              <a:rPr lang="en-US" dirty="0" smtClean="0"/>
-              <a:t> users</a:t>
+              <a:t>Deactiveren</a:t>
             </a:r>
             <a:endParaRPr lang="en-US" dirty="0" smtClean="0"/>
           </a:p>
@@ -6310,13 +5456,20 @@
     </p:spTree>
     <p:extLst>
       <p:ext uri="{BB962C8B-B14F-4D97-AF65-F5344CB8AC3E}">
-        <p14:creationId xmlns:p14="http://schemas.microsoft.com/office/powerpoint/2010/main" val="2867521908"/>
+        <p14:creationId xmlns:p14="http://schemas.microsoft.com/office/powerpoint/2010/main" val="1001001099"/>
       </p:ext>
     </p:extLst>
   </p:cSld>
   <p:clrMapOvr>
     <a:masterClrMapping/>
   </p:clrMapOvr>
+  <p:timing>
+    <p:tnLst>
+      <p:par>
+        <p:cTn id="1" dur="indefinite" restart="never" nodeType="tmRoot"/>
+      </p:par>
+    </p:tnLst>
+  </p:timing>
 </p:sld>
 </file>
 

--- a/presentatie/Project beveiligde pasjes.pptx
+++ b/presentatie/Project beveiligde pasjes.pptx
@@ -3513,11 +3513,7 @@
             </a:r>
             <a:r>
               <a:rPr lang="en-US" dirty="0" smtClean="0"/>
-              <a:t> op de </a:t>
-            </a:r>
-            <a:r>
-              <a:rPr lang="en-US" dirty="0" smtClean="0"/>
-              <a:t>Arduino</a:t>
+              <a:t> op de Arduino</a:t>
             </a:r>
           </a:p>
           <a:p>
@@ -3529,7 +3525,6 @@
               <a:rPr lang="en-US" dirty="0" smtClean="0"/>
               <a:t> Arduino - Laptop</a:t>
             </a:r>
-            <a:endParaRPr lang="en-US" dirty="0" smtClean="0"/>
           </a:p>
           <a:p>
             <a:r>
@@ -3546,11 +3541,7 @@
             </a:r>
             <a:r>
               <a:rPr lang="en-US" dirty="0" smtClean="0"/>
-              <a:t> </a:t>
-            </a:r>
-            <a:r>
-              <a:rPr lang="en-US" dirty="0" smtClean="0"/>
-              <a:t>bugs</a:t>
+              <a:t> bugs</a:t>
             </a:r>
             <a:endParaRPr lang="en-US" dirty="0"/>
           </a:p>
@@ -4321,11 +4312,7 @@
           <a:p>
             <a:r>
               <a:rPr lang="nl-NL" dirty="0" smtClean="0"/>
-              <a:t>RFID-tags </a:t>
-            </a:r>
-            <a:r>
-              <a:rPr lang="nl-NL" dirty="0" smtClean="0"/>
-              <a:t>uitlezen</a:t>
+              <a:t>RFID-tags uitlezen</a:t>
             </a:r>
           </a:p>
           <a:p>
@@ -4373,11 +4360,7 @@
           <a:p>
             <a:r>
               <a:rPr lang="nl-NL" dirty="0" smtClean="0"/>
-              <a:t>de User ID </a:t>
-            </a:r>
-            <a:r>
-              <a:rPr lang="nl-NL" dirty="0" smtClean="0"/>
-              <a:t>opslaan </a:t>
+              <a:t>de User ID opslaan </a:t>
             </a:r>
             <a:r>
               <a:rPr lang="nl-NL" dirty="0"/>
@@ -4749,18 +4732,12 @@
               <a:rPr lang="en-US" dirty="0" smtClean="0"/>
               <a:t>rduino</a:t>
             </a:r>
-            <a:endParaRPr lang="en-US" dirty="0" smtClean="0"/>
           </a:p>
           <a:p>
             <a:r>
               <a:rPr lang="en-US" dirty="0" smtClean="0"/>
-              <a:t>Arduino encrypt de Card-</a:t>
-            </a:r>
-            <a:r>
-              <a:rPr lang="en-US" dirty="0" smtClean="0"/>
-              <a:t>ID</a:t>
-            </a:r>
-            <a:endParaRPr lang="en-US" dirty="0" smtClean="0"/>
+              <a:t>Arduino encrypt de Card-ID</a:t>
+            </a:r>
           </a:p>
           <a:p>
             <a:r>
@@ -4792,15 +4769,7 @@
           <a:p>
             <a:r>
               <a:rPr lang="en-US" dirty="0" smtClean="0"/>
-              <a:t>Server </a:t>
-            </a:r>
-            <a:r>
-              <a:rPr lang="en-US" dirty="0" smtClean="0"/>
-              <a:t>decrypt </a:t>
-            </a:r>
-            <a:r>
-              <a:rPr lang="en-US" dirty="0" smtClean="0"/>
-              <a:t>en </a:t>
+              <a:t>Server decrypt en </a:t>
             </a:r>
             <a:r>
               <a:rPr lang="en-US" dirty="0" err="1" smtClean="0"/>
@@ -5020,7 +4989,23 @@
               <a:rPr lang="en-GB" dirty="0" err="1" smtClean="0"/>
               <a:t>pasjes</a:t>
             </a:r>
-            <a:endParaRPr lang="nl-NL" dirty="0"/>
+            <a:endParaRPr lang="en-GB" dirty="0" smtClean="0"/>
+          </a:p>
+          <a:p>
+            <a:r>
+              <a:rPr lang="en-GB" dirty="0" smtClean="0"/>
+              <a:t>Database</a:t>
+            </a:r>
+          </a:p>
+          <a:p>
+            <a:r>
+              <a:rPr lang="en-GB" dirty="0" err="1" smtClean="0"/>
+              <a:t>Wachtwoord</a:t>
+            </a:r>
+            <a:r>
+              <a:rPr lang="en-GB" dirty="0" smtClean="0"/>
+              <a:t> GUI</a:t>
+            </a:r>
           </a:p>
         </p:txBody>
       </p:sp>
@@ -5034,6 +5019,13 @@
   <p:clrMapOvr>
     <a:masterClrMapping/>
   </p:clrMapOvr>
+  <p:timing>
+    <p:tnLst>
+      <p:par>
+        <p:cTn id="1" dur="indefinite" restart="never" nodeType="tmRoot"/>
+      </p:par>
+    </p:tnLst>
+  </p:timing>
 </p:sld>
 </file>
 

--- a/presentatie/Project beveiligde pasjes.pptx
+++ b/presentatie/Project beveiligde pasjes.pptx
@@ -15,8 +15,9 @@
     <p:sldId id="260" r:id="rId9"/>
     <p:sldId id="261" r:id="rId10"/>
     <p:sldId id="266" r:id="rId11"/>
-    <p:sldId id="259" r:id="rId12"/>
-    <p:sldId id="267" r:id="rId13"/>
+    <p:sldId id="269" r:id="rId12"/>
+    <p:sldId id="259" r:id="rId13"/>
+    <p:sldId id="267" r:id="rId14"/>
   </p:sldIdLst>
   <p:sldSz cx="12192000" cy="6858000"/>
   <p:notesSz cx="6858000" cy="9144000"/>
@@ -3463,6 +3464,88 @@
           <a:lstStyle/>
           <a:p>
             <a:r>
+              <a:rPr lang="en-GB" dirty="0" smtClean="0"/>
+              <a:t>Database</a:t>
+            </a:r>
+            <a:endParaRPr lang="nl-NL" dirty="0"/>
+          </a:p>
+        </p:txBody>
+      </p:sp>
+      <p:sp>
+        <p:nvSpPr>
+          <p:cNvPr id="3" name="Content Placeholder 2"/>
+          <p:cNvSpPr>
+            <a:spLocks noGrp="1"/>
+          </p:cNvSpPr>
+          <p:nvPr>
+            <p:ph idx="1"/>
+          </p:nvPr>
+        </p:nvSpPr>
+        <p:spPr/>
+        <p:txBody>
+          <a:bodyPr/>
+          <a:lstStyle/>
+          <a:p>
+            <a:r>
+              <a:rPr lang="en-GB" dirty="0" smtClean="0"/>
+              <a:t>SQLite3</a:t>
+            </a:r>
+          </a:p>
+          <a:p>
+            <a:r>
+              <a:rPr lang="en-GB" smtClean="0"/>
+              <a:t>Python</a:t>
+            </a:r>
+            <a:endParaRPr lang="nl-NL"/>
+          </a:p>
+        </p:txBody>
+      </p:sp>
+    </p:spTree>
+    <p:extLst>
+      <p:ext uri="{BB962C8B-B14F-4D97-AF65-F5344CB8AC3E}">
+        <p14:creationId xmlns:p14="http://schemas.microsoft.com/office/powerpoint/2010/main" val="2043197548"/>
+      </p:ext>
+    </p:extLst>
+  </p:cSld>
+  <p:clrMapOvr>
+    <a:masterClrMapping/>
+  </p:clrMapOvr>
+</p:sld>
+</file>
+
+<file path=ppt/slides/slide12.xml><?xml version="1.0" encoding="utf-8"?>
+<p:sld xmlns:a="http://schemas.openxmlformats.org/drawingml/2006/main" xmlns:r="http://schemas.openxmlformats.org/officeDocument/2006/relationships" xmlns:p="http://schemas.openxmlformats.org/presentationml/2006/main">
+  <p:cSld>
+    <p:spTree>
+      <p:nvGrpSpPr>
+        <p:cNvPr id="1" name=""/>
+        <p:cNvGrpSpPr/>
+        <p:nvPr/>
+      </p:nvGrpSpPr>
+      <p:grpSpPr>
+        <a:xfrm>
+          <a:off x="0" y="0"/>
+          <a:ext cx="0" cy="0"/>
+          <a:chOff x="0" y="0"/>
+          <a:chExt cx="0" cy="0"/>
+        </a:xfrm>
+      </p:grpSpPr>
+      <p:sp>
+        <p:nvSpPr>
+          <p:cNvPr id="2" name="Title 1"/>
+          <p:cNvSpPr>
+            <a:spLocks noGrp="1"/>
+          </p:cNvSpPr>
+          <p:nvPr>
+            <p:ph type="title"/>
+          </p:nvPr>
+        </p:nvSpPr>
+        <p:spPr/>
+        <p:txBody>
+          <a:bodyPr/>
+          <a:lstStyle/>
+          <a:p>
+            <a:r>
               <a:rPr lang="en-US" dirty="0" err="1" smtClean="0"/>
               <a:t>Problemen</a:t>
             </a:r>
@@ -3608,7 +3691,7 @@
 </p:sld>
 </file>
 
-<file path=ppt/slides/slide12.xml><?xml version="1.0" encoding="utf-8"?>
+<file path=ppt/slides/slide13.xml><?xml version="1.0" encoding="utf-8"?>
 <p:sld xmlns:a="http://schemas.openxmlformats.org/drawingml/2006/main" xmlns:r="http://schemas.openxmlformats.org/officeDocument/2006/relationships" xmlns:p="http://schemas.openxmlformats.org/presentationml/2006/main">
   <p:cSld>
     <p:spTree>

--- a/presentatie/Project beveiligde pasjes.pptx
+++ b/presentatie/Project beveiligde pasjes.pptx
@@ -3510,6 +3510,13 @@
   <p:clrMapOvr>
     <a:masterClrMapping/>
   </p:clrMapOvr>
+  <p:timing>
+    <p:tnLst>
+      <p:par>
+        <p:cTn id="1" dur="indefinite" restart="never" nodeType="tmRoot"/>
+      </p:par>
+    </p:tnLst>
+  </p:timing>
 </p:sld>
 </file>
 
@@ -3596,18 +3603,17 @@
             </a:r>
             <a:r>
               <a:rPr lang="en-US" dirty="0" smtClean="0"/>
-              <a:t> op de Arduino</a:t>
-            </a:r>
-          </a:p>
-          <a:p>
-            <a:r>
-              <a:rPr lang="en-US" dirty="0" err="1" smtClean="0"/>
-              <a:t>Connectie</a:t>
-            </a:r>
-            <a:r>
-              <a:rPr lang="en-US" dirty="0" smtClean="0"/>
-              <a:t> Arduino - Laptop</a:t>
-            </a:r>
+              <a:t> op </a:t>
+            </a:r>
+            <a:r>
+              <a:rPr lang="en-US" smtClean="0"/>
+              <a:t>de </a:t>
+            </a:r>
+            <a:r>
+              <a:rPr lang="en-US" smtClean="0"/>
+              <a:t>Arduino</a:t>
+            </a:r>
+            <a:endParaRPr lang="en-US" dirty="0" smtClean="0"/>
           </a:p>
           <a:p>
             <a:r>

--- a/presentatie/Project beveiligde pasjes.pptx
+++ b/presentatie/Project beveiligde pasjes.pptx
@@ -3607,11 +3607,7 @@
             </a:r>
             <a:r>
               <a:rPr lang="en-US" smtClean="0"/>
-              <a:t>de </a:t>
-            </a:r>
-            <a:r>
-              <a:rPr lang="en-US" smtClean="0"/>
-              <a:t>Arduino</a:t>
+              <a:t>de Arduino</a:t>
             </a:r>
             <a:endParaRPr lang="en-US" dirty="0" smtClean="0"/>
           </a:p>
@@ -5082,19 +5078,10 @@
           </a:p>
           <a:p>
             <a:r>
-              <a:rPr lang="en-GB" dirty="0" smtClean="0"/>
+              <a:rPr lang="en-GB" smtClean="0"/>
               <a:t>Database</a:t>
             </a:r>
-          </a:p>
-          <a:p>
-            <a:r>
-              <a:rPr lang="en-GB" dirty="0" err="1" smtClean="0"/>
-              <a:t>Wachtwoord</a:t>
-            </a:r>
-            <a:r>
-              <a:rPr lang="en-GB" dirty="0" smtClean="0"/>
-              <a:t> GUI</a:t>
-            </a:r>
+            <a:endParaRPr lang="en-GB" dirty="0" smtClean="0"/>
           </a:p>
         </p:txBody>
       </p:sp>

--- a/presentatie/Project beveiligde pasjes.pptx
+++ b/presentatie/Project beveiligde pasjes.pptx
@@ -3389,7 +3389,7 @@
       </p:sp>
       <p:pic>
         <p:nvPicPr>
-          <p:cNvPr id="5" name="Picture 4"/>
+          <p:cNvPr id="6" name="Picture 5"/>
           <p:cNvPicPr>
             <a:picLocks noChangeAspect="1"/>
           </p:cNvPicPr>
@@ -3403,8 +3403,8 @@
         </p:blipFill>
         <p:spPr>
           <a:xfrm>
-            <a:off x="3907161" y="1351211"/>
-            <a:ext cx="4377677" cy="5506789"/>
+            <a:off x="3937424" y="1227411"/>
+            <a:ext cx="4317152" cy="5422840"/>
           </a:xfrm>
           <a:prstGeom prst="rect">
             <a:avLst/>
